--- a/Docs/Documento de diseño Cat-Attack.pptx
+++ b/Docs/Documento de diseño Cat-Attack.pptx
@@ -10,15 +10,17 @@
     <p:sldId id="267" r:id="rId4"/>
     <p:sldId id="257" r:id="rId5"/>
     <p:sldId id="258" r:id="rId6"/>
-    <p:sldId id="260" r:id="rId7"/>
-    <p:sldId id="261" r:id="rId8"/>
-    <p:sldId id="262" r:id="rId9"/>
-    <p:sldId id="263" r:id="rId10"/>
+    <p:sldId id="272" r:id="rId7"/>
+    <p:sldId id="260" r:id="rId8"/>
+    <p:sldId id="261" r:id="rId9"/>
+    <p:sldId id="262" r:id="rId10"/>
     <p:sldId id="268" r:id="rId11"/>
-    <p:sldId id="264" r:id="rId12"/>
-    <p:sldId id="265" r:id="rId13"/>
-    <p:sldId id="271" r:id="rId14"/>
-    <p:sldId id="269" r:id="rId15"/>
+    <p:sldId id="263" r:id="rId12"/>
+    <p:sldId id="273" r:id="rId13"/>
+    <p:sldId id="264" r:id="rId14"/>
+    <p:sldId id="265" r:id="rId15"/>
+    <p:sldId id="271" r:id="rId16"/>
+    <p:sldId id="269" r:id="rId17"/>
   </p:sldIdLst>
   <p:sldSz cx="12192000" cy="6858000"/>
   <p:notesSz cx="6858000" cy="9144000"/>
@@ -1850,7 +1852,7 @@
           <a:p>
             <a:fld id="{BE15108C-154A-4A5A-9C05-91A49A422BA7}" type="slidenum">
               <a:rPr lang="en-US" smtClean="0"/>
-              <a:t>‹#›</a:t>
+              <a:t>‹Nº›</a:t>
             </a:fld>
             <a:endParaRPr lang="en-US"/>
           </a:p>
@@ -2048,7 +2050,7 @@
           <a:p>
             <a:fld id="{BE15108C-154A-4A5A-9C05-91A49A422BA7}" type="slidenum">
               <a:rPr lang="en-US" smtClean="0"/>
-              <a:t>‹#›</a:t>
+              <a:t>‹Nº›</a:t>
             </a:fld>
             <a:endParaRPr lang="en-US"/>
           </a:p>
@@ -3769,7 +3771,7 @@
           <a:p>
             <a:fld id="{BE15108C-154A-4A5A-9C05-91A49A422BA7}" type="slidenum">
               <a:rPr lang="en-US" smtClean="0"/>
-              <a:t>‹#›</a:t>
+              <a:t>‹Nº›</a:t>
             </a:fld>
             <a:endParaRPr lang="en-US"/>
           </a:p>
@@ -3968,7 +3970,7 @@
           <a:p>
             <a:fld id="{BE15108C-154A-4A5A-9C05-91A49A422BA7}" type="slidenum">
               <a:rPr lang="en-US" smtClean="0"/>
-              <a:t>‹#›</a:t>
+              <a:t>‹Nº›</a:t>
             </a:fld>
             <a:endParaRPr lang="en-US"/>
           </a:p>
@@ -5758,7 +5760,7 @@
           <a:p>
             <a:fld id="{BE15108C-154A-4A5A-9C05-91A49A422BA7}" type="slidenum">
               <a:rPr lang="en-US" smtClean="0"/>
-              <a:t>‹#›</a:t>
+              <a:t>‹Nº›</a:t>
             </a:fld>
             <a:endParaRPr lang="en-US"/>
           </a:p>
@@ -6031,7 +6033,7 @@
           <a:p>
             <a:fld id="{BE15108C-154A-4A5A-9C05-91A49A422BA7}" type="slidenum">
               <a:rPr lang="en-US" smtClean="0"/>
-              <a:t>‹#›</a:t>
+              <a:t>‹Nº›</a:t>
             </a:fld>
             <a:endParaRPr lang="en-US"/>
           </a:p>
@@ -6456,7 +6458,7 @@
           <a:p>
             <a:fld id="{BE15108C-154A-4A5A-9C05-91A49A422BA7}" type="slidenum">
               <a:rPr lang="en-US" smtClean="0"/>
-              <a:t>‹#›</a:t>
+              <a:t>‹Nº›</a:t>
             </a:fld>
             <a:endParaRPr lang="en-US"/>
           </a:p>
@@ -6612,7 +6614,7 @@
           <a:p>
             <a:fld id="{BE15108C-154A-4A5A-9C05-91A49A422BA7}" type="slidenum">
               <a:rPr lang="en-US" smtClean="0"/>
-              <a:t>‹#›</a:t>
+              <a:t>‹Nº›</a:t>
             </a:fld>
             <a:endParaRPr lang="en-US"/>
           </a:p>
@@ -8175,7 +8177,7 @@
           <a:p>
             <a:fld id="{BE15108C-154A-4A5A-9C05-91A49A422BA7}" type="slidenum">
               <a:rPr lang="en-US" smtClean="0"/>
-              <a:t>‹#›</a:t>
+              <a:t>‹Nº›</a:t>
             </a:fld>
             <a:endParaRPr lang="en-US"/>
           </a:p>
@@ -10026,7 +10028,7 @@
           <a:p>
             <a:fld id="{BE15108C-154A-4A5A-9C05-91A49A422BA7}" type="slidenum">
               <a:rPr lang="en-US" smtClean="0"/>
-              <a:t>‹#›</a:t>
+              <a:t>‹Nº›</a:t>
             </a:fld>
             <a:endParaRPr lang="en-US"/>
           </a:p>
@@ -11839,7 +11841,7 @@
           <a:p>
             <a:fld id="{BE15108C-154A-4A5A-9C05-91A49A422BA7}" type="slidenum">
               <a:rPr lang="en-US" smtClean="0"/>
-              <a:t>‹#›</a:t>
+              <a:t>‹Nº›</a:t>
             </a:fld>
             <a:endParaRPr lang="en-US"/>
           </a:p>
@@ -13570,7 +13572,7 @@
             <a:fld id="{BE15108C-154A-4A5A-9C05-91A49A422BA7}" type="slidenum">
               <a:rPr lang="en-US" smtClean="0"/>
               <a:pPr/>
-              <a:t>‹#›</a:t>
+              <a:t>‹Nº›</a:t>
             </a:fld>
             <a:endParaRPr lang="en-US" dirty="0"/>
           </a:p>
@@ -14373,14 +14375,14 @@
         </p:nvSpPr>
         <p:spPr>
           <a:xfrm>
-            <a:off x="3575733" y="5310682"/>
+            <a:off x="10489880" y="5238492"/>
             <a:ext cx="1204814" cy="373125"/>
           </a:xfrm>
           <a:prstGeom prst="roundRect">
             <a:avLst/>
           </a:prstGeom>
           <a:solidFill>
-            <a:schemeClr val="accent6"/>
+            <a:srgbClr val="00B050"/>
           </a:solidFill>
           <a:ln>
             <a:noFill/>
@@ -14982,14 +14984,14 @@
         </p:nvSpPr>
         <p:spPr>
           <a:xfrm>
-            <a:off x="5220049" y="5310682"/>
+            <a:off x="3551070" y="5238492"/>
             <a:ext cx="1204814" cy="373125"/>
           </a:xfrm>
           <a:prstGeom prst="roundRect">
             <a:avLst/>
           </a:prstGeom>
           <a:solidFill>
-            <a:schemeClr val="accent6"/>
+            <a:srgbClr val="0070C0"/>
           </a:solidFill>
           <a:ln>
             <a:noFill/>
@@ -15300,7 +15302,7 @@
         <p:spPr>
           <a:xfrm>
             <a:off x="337350" y="1359762"/>
-            <a:ext cx="11505461" cy="2069238"/>
+            <a:ext cx="11505461" cy="3989034"/>
           </a:xfrm>
           <a:prstGeom prst="rect">
             <a:avLst/>
@@ -15357,8 +15359,8 @@
         </p:nvSpPr>
         <p:spPr>
           <a:xfrm>
-            <a:off x="641592" y="1580538"/>
-            <a:ext cx="2920992" cy="1569660"/>
+            <a:off x="3793919" y="1509204"/>
+            <a:ext cx="2103461" cy="1261884"/>
           </a:xfrm>
           <a:prstGeom prst="rect">
             <a:avLst/>
@@ -15372,6 +15374,22 @@
           <a:lstStyle/>
           <a:p>
             <a:pPr algn="ctr"/>
+            <a:r>
+              <a:rPr lang="en-US" sz="4000" b="0" cap="none" spc="0" dirty="0">
+                <a:ln w="0"/>
+                <a:solidFill>
+                  <a:schemeClr val="tx1"/>
+                </a:solidFill>
+                <a:effectLst>
+                  <a:outerShdw blurRad="38100" dist="19050" dir="2700000" algn="tl" rotWithShape="0">
+                    <a:schemeClr val="dk1">
+                      <a:alpha val="40000"/>
+                    </a:schemeClr>
+                  </a:outerShdw>
+                </a:effectLst>
+              </a:rPr>
+              <a:t>Mi </a:t>
+            </a:r>
             <a:r>
               <a:rPr lang="en-US" sz="4000" b="0" cap="none" spc="0" dirty="0" err="1">
                 <a:ln w="0"/>
@@ -15386,28 +15404,9 @@
                   </a:outerShdw>
                 </a:effectLst>
               </a:rPr>
-              <a:t>Incidencia</a:t>
-            </a:r>
-            <a:r>
-              <a:rPr lang="en-US" sz="4000" b="0" cap="none" spc="0" dirty="0">
-                <a:ln w="0"/>
-                <a:solidFill>
-                  <a:schemeClr val="tx1"/>
-                </a:solidFill>
-                <a:effectLst>
-                  <a:outerShdw blurRad="38100" dist="19050" dir="2700000" algn="tl" rotWithShape="0">
-                    <a:schemeClr val="dk1">
-                      <a:alpha val="40000"/>
-                    </a:schemeClr>
-                  </a:outerShdw>
-                </a:effectLst>
-              </a:rPr>
-              <a:t> 1</a:t>
-            </a:r>
-          </a:p>
-          <a:p>
-            <a:pPr algn="ctr"/>
-            <a:endParaRPr lang="en-US" sz="3600" b="0" cap="none" spc="0" dirty="0">
+              <a:t>perfil</a:t>
+            </a:r>
+            <a:endParaRPr lang="en-US" sz="4000" b="0" cap="none" spc="0" dirty="0">
               <a:ln w="0"/>
               <a:solidFill>
                 <a:schemeClr val="tx1"/>
@@ -15422,20 +15421,8 @@
             </a:endParaRPr>
           </a:p>
           <a:p>
-            <a:r>
-              <a:rPr lang="en-US" sz="2000" dirty="0" err="1">
-                <a:ln w="0"/>
-                <a:effectLst>
-                  <a:outerShdw blurRad="38100" dist="19050" dir="2700000" algn="tl" rotWithShape="0">
-                    <a:schemeClr val="dk1">
-                      <a:alpha val="40000"/>
-                    </a:schemeClr>
-                  </a:outerShdw>
-                </a:effectLst>
-              </a:rPr>
-              <a:t>Detalles</a:t>
-            </a:r>
-            <a:endParaRPr lang="en-US" sz="2000" b="0" cap="none" spc="0" dirty="0">
+            <a:pPr algn="ctr"/>
+            <a:endParaRPr lang="en-US" sz="3600" b="0" cap="none" spc="0" dirty="0">
               <a:ln w="0"/>
               <a:solidFill>
                 <a:schemeClr val="tx1"/>
@@ -15453,10 +15440,10 @@
       </p:sp>
       <p:sp>
         <p:nvSpPr>
-          <p:cNvPr id="10" name="Rectangle 9">
+          <p:cNvPr id="9" name="Rectangle 8">
             <a:extLst>
               <a:ext uri="{FF2B5EF4-FFF2-40B4-BE49-F238E27FC236}">
-                <a16:creationId xmlns:a16="http://schemas.microsoft.com/office/drawing/2014/main" id="{48D1187B-93F3-4F98-A980-CDE35D5A5B7C}"/>
+                <a16:creationId xmlns:a16="http://schemas.microsoft.com/office/drawing/2014/main" id="{A09E4E70-A8E9-4EB7-A8D3-BE70C5357EC7}"/>
               </a:ext>
             </a:extLst>
           </p:cNvPr>
@@ -15465,16 +15452,14 @@
         </p:nvSpPr>
         <p:spPr>
           <a:xfrm>
-            <a:off x="337350" y="3670176"/>
-            <a:ext cx="11505461" cy="2069238"/>
+            <a:off x="559293" y="1509204"/>
+            <a:ext cx="2805344" cy="1713390"/>
           </a:xfrm>
           <a:prstGeom prst="rect">
             <a:avLst/>
           </a:prstGeom>
           <a:solidFill>
-            <a:schemeClr val="bg1">
-              <a:lumMod val="85000"/>
-            </a:schemeClr>
+            <a:schemeClr val="bg1"/>
           </a:solidFill>
           <a:ln>
             <a:noFill/>
@@ -15501,9 +15486,17 @@
           <a:lstStyle/>
           <a:p>
             <a:pPr algn="ctr"/>
-            <a:endParaRPr lang="en-US" b="1" dirty="0">
-              <a:solidFill>
-                <a:schemeClr val="bg1"/>
+            <a:r>
+              <a:rPr lang="es-VE" dirty="0">
+                <a:solidFill>
+                  <a:schemeClr val="tx1"/>
+                </a:solidFill>
+              </a:rPr>
+              <a:t>Foto de perfil</a:t>
+            </a:r>
+            <a:endParaRPr lang="en-US" dirty="0">
+              <a:solidFill>
+                <a:schemeClr val="tx1"/>
               </a:solidFill>
             </a:endParaRPr>
           </a:p>
@@ -15511,10 +15504,10 @@
       </p:sp>
       <p:sp>
         <p:nvSpPr>
-          <p:cNvPr id="13" name="Rectangle 1">
+          <p:cNvPr id="22" name="Rectangle 7">
             <a:extLst>
               <a:ext uri="{FF2B5EF4-FFF2-40B4-BE49-F238E27FC236}">
-                <a16:creationId xmlns:a16="http://schemas.microsoft.com/office/drawing/2014/main" id="{C5FABE24-AEAC-4D9D-A016-4FC9A33715D7}"/>
+                <a16:creationId xmlns:a16="http://schemas.microsoft.com/office/drawing/2014/main" id="{D587A42D-DFA3-4438-8FFB-A49414A38134}"/>
               </a:ext>
             </a:extLst>
           </p:cNvPr>
@@ -15523,7 +15516,192 @@
         </p:nvSpPr>
         <p:spPr>
           <a:xfrm>
-            <a:off x="94695" y="106531"/>
+            <a:off x="5838929" y="2986726"/>
+            <a:ext cx="848309" cy="400110"/>
+          </a:xfrm>
+          <a:prstGeom prst="rect">
+            <a:avLst/>
+          </a:prstGeom>
+          <a:noFill/>
+        </p:spPr>
+        <p:txBody>
+          <a:bodyPr wrap="none" lIns="91440" tIns="45720" rIns="91440" bIns="45720">
+            <a:spAutoFit/>
+          </a:bodyPr>
+          <a:lstStyle/>
+          <a:p>
+            <a:r>
+              <a:rPr lang="en-US" sz="2000" dirty="0" err="1">
+                <a:ln w="0"/>
+                <a:effectLst>
+                  <a:outerShdw blurRad="38100" dist="19050" dir="2700000" algn="tl" rotWithShape="0">
+                    <a:schemeClr val="dk1">
+                      <a:alpha val="40000"/>
+                    </a:schemeClr>
+                  </a:outerShdw>
+                </a:effectLst>
+              </a:rPr>
+              <a:t>Datos</a:t>
+            </a:r>
+            <a:endParaRPr lang="en-US" sz="2000" b="0" cap="none" spc="0" dirty="0">
+              <a:ln w="0"/>
+              <a:solidFill>
+                <a:schemeClr val="tx1"/>
+              </a:solidFill>
+              <a:effectLst>
+                <a:outerShdw blurRad="38100" dist="19050" dir="2700000" algn="tl" rotWithShape="0">
+                  <a:schemeClr val="dk1">
+                    <a:alpha val="40000"/>
+                  </a:schemeClr>
+                </a:outerShdw>
+              </a:effectLst>
+            </a:endParaRPr>
+          </a:p>
+        </p:txBody>
+      </p:sp>
+      <p:sp>
+        <p:nvSpPr>
+          <p:cNvPr id="23" name="Rectangle: Rounded Corners 7">
+            <a:extLst>
+              <a:ext uri="{FF2B5EF4-FFF2-40B4-BE49-F238E27FC236}">
+                <a16:creationId xmlns:a16="http://schemas.microsoft.com/office/drawing/2014/main" id="{AB7E9AEE-AEE4-4A8F-8EFF-C9B6D41E71CC}"/>
+              </a:ext>
+            </a:extLst>
+          </p:cNvPr>
+          <p:cNvSpPr/>
+          <p:nvPr/>
+        </p:nvSpPr>
+        <p:spPr>
+          <a:xfrm>
+            <a:off x="8968117" y="5620148"/>
+            <a:ext cx="2782036" cy="717205"/>
+          </a:xfrm>
+          <a:prstGeom prst="roundRect">
+            <a:avLst/>
+          </a:prstGeom>
+          <a:solidFill>
+            <a:schemeClr val="accent6"/>
+          </a:solidFill>
+          <a:ln>
+            <a:noFill/>
+          </a:ln>
+        </p:spPr>
+        <p:style>
+          <a:lnRef idx="2">
+            <a:schemeClr val="accent1">
+              <a:shade val="50000"/>
+            </a:schemeClr>
+          </a:lnRef>
+          <a:fillRef idx="1">
+            <a:schemeClr val="accent1"/>
+          </a:fillRef>
+          <a:effectRef idx="0">
+            <a:schemeClr val="accent1"/>
+          </a:effectRef>
+          <a:fontRef idx="minor">
+            <a:schemeClr val="lt1"/>
+          </a:fontRef>
+        </p:style>
+        <p:txBody>
+          <a:bodyPr rtlCol="0" anchor="ctr"/>
+          <a:lstStyle/>
+          <a:p>
+            <a:pPr algn="ctr"/>
+            <a:r>
+              <a:rPr lang="es-VE" sz="2000" dirty="0">
+                <a:solidFill>
+                  <a:schemeClr val="bg1"/>
+                </a:solidFill>
+              </a:rPr>
+              <a:t>Cambiar contraseña</a:t>
+            </a:r>
+            <a:endParaRPr lang="en-US" sz="2000" dirty="0">
+              <a:solidFill>
+                <a:schemeClr val="bg1"/>
+              </a:solidFill>
+            </a:endParaRPr>
+          </a:p>
+        </p:txBody>
+      </p:sp>
+      <p:sp>
+        <p:nvSpPr>
+          <p:cNvPr id="10" name="Rectangle: Rounded Corners 7">
+            <a:extLst>
+              <a:ext uri="{FF2B5EF4-FFF2-40B4-BE49-F238E27FC236}">
+                <a16:creationId xmlns:a16="http://schemas.microsoft.com/office/drawing/2014/main" id="{3954CC66-711D-4879-B280-A6F650B3FDB2}"/>
+              </a:ext>
+            </a:extLst>
+          </p:cNvPr>
+          <p:cNvSpPr/>
+          <p:nvPr/>
+        </p:nvSpPr>
+        <p:spPr>
+          <a:xfrm>
+            <a:off x="5838929" y="5620148"/>
+            <a:ext cx="2782036" cy="717205"/>
+          </a:xfrm>
+          <a:prstGeom prst="roundRect">
+            <a:avLst/>
+          </a:prstGeom>
+          <a:solidFill>
+            <a:schemeClr val="accent6"/>
+          </a:solidFill>
+          <a:ln>
+            <a:noFill/>
+          </a:ln>
+        </p:spPr>
+        <p:style>
+          <a:lnRef idx="2">
+            <a:schemeClr val="accent1">
+              <a:shade val="50000"/>
+            </a:schemeClr>
+          </a:lnRef>
+          <a:fillRef idx="1">
+            <a:schemeClr val="accent1"/>
+          </a:fillRef>
+          <a:effectRef idx="0">
+            <a:schemeClr val="accent1"/>
+          </a:effectRef>
+          <a:fontRef idx="minor">
+            <a:schemeClr val="lt1"/>
+          </a:fontRef>
+        </p:style>
+        <p:txBody>
+          <a:bodyPr rtlCol="0" anchor="ctr"/>
+          <a:lstStyle/>
+          <a:p>
+            <a:pPr algn="ctr"/>
+            <a:r>
+              <a:rPr lang="es-VE" sz="2000" dirty="0">
+                <a:solidFill>
+                  <a:schemeClr val="bg1"/>
+                </a:solidFill>
+              </a:rPr>
+              <a:t>Cambiar foto de perfil</a:t>
+            </a:r>
+            <a:endParaRPr lang="en-US" sz="2000" dirty="0">
+              <a:solidFill>
+                <a:schemeClr val="bg1"/>
+              </a:solidFill>
+            </a:endParaRPr>
+          </a:p>
+        </p:txBody>
+      </p:sp>
+      <p:sp>
+        <p:nvSpPr>
+          <p:cNvPr id="12" name="Rectangle 1">
+            <a:extLst>
+              <a:ext uri="{FF2B5EF4-FFF2-40B4-BE49-F238E27FC236}">
+                <a16:creationId xmlns:a16="http://schemas.microsoft.com/office/drawing/2014/main" id="{4A7B54AA-0ADB-4588-BB02-09B7045D5F8D}"/>
+              </a:ext>
+            </a:extLst>
+          </p:cNvPr>
+          <p:cNvSpPr/>
+          <p:nvPr/>
+        </p:nvSpPr>
+        <p:spPr>
+          <a:xfrm>
+            <a:off x="88775" y="106531"/>
             <a:ext cx="12002610" cy="905523"/>
           </a:xfrm>
           <a:prstGeom prst="rect">
@@ -15559,14 +15737,21 @@
           <a:bodyPr rtlCol="0" anchor="ctr"/>
           <a:lstStyle/>
           <a:p>
-            <a:pPr algn="ctr"/>
+            <a:r>
+              <a:rPr lang="es-VE" b="1" dirty="0">
+                <a:solidFill>
+                  <a:srgbClr val="00B0F0"/>
+                </a:solidFill>
+              </a:rPr>
+              <a:t>*logo*     </a:t>
+            </a:r>
             <a:r>
               <a:rPr lang="es-VE" b="1" dirty="0">
                 <a:solidFill>
                   <a:schemeClr val="bg1"/>
                 </a:solidFill>
               </a:rPr>
-              <a:t>*logo*      Adopción     Consejos       Cat-</a:t>
+              <a:t> Adopción     Consejos       Cat-</a:t>
             </a:r>
             <a:r>
               <a:rPr lang="es-VE" b="1" dirty="0" err="1">
@@ -15577,28 +15762,28 @@
               <a:t>Sitters</a:t>
             </a:r>
             <a:r>
+              <a:rPr lang="es-VE" b="1" u="sng" dirty="0">
+                <a:solidFill>
+                  <a:srgbClr val="00B0F0"/>
+                </a:solidFill>
+              </a:rPr>
+              <a:t> </a:t>
+            </a:r>
+            <a:r>
               <a:rPr lang="es-VE" b="1" dirty="0">
                 <a:solidFill>
                   <a:schemeClr val="bg1"/>
                 </a:solidFill>
               </a:rPr>
-              <a:t>             </a:t>
+              <a:t>      </a:t>
             </a:r>
             <a:r>
               <a:rPr lang="es-VE" b="1" u="sng" dirty="0">
                 <a:solidFill>
-                  <a:srgbClr val="FF3300"/>
+                  <a:srgbClr val="00B0F0"/>
                 </a:solidFill>
               </a:rPr>
-              <a:t>Incidencias</a:t>
-            </a:r>
-            <a:r>
-              <a:rPr lang="es-VE" b="1" dirty="0">
-                <a:solidFill>
-                  <a:srgbClr val="FF3300"/>
-                </a:solidFill>
-              </a:rPr>
-              <a:t>    Verificar identidad       </a:t>
+              <a:t>Mi Perfil</a:t>
             </a:r>
             <a:r>
               <a:rPr lang="es-VE" b="1" dirty="0">
@@ -15606,7 +15791,7 @@
                   <a:schemeClr val="bg1"/>
                 </a:solidFill>
               </a:rPr>
-              <a:t>Mi Perfil        </a:t>
+              <a:t>        Chat       </a:t>
             </a:r>
             <a:r>
               <a:rPr lang="es-VE" b="1" dirty="0" err="1">
@@ -15624,430 +15809,10 @@
           </a:p>
         </p:txBody>
       </p:sp>
-      <p:sp>
-        <p:nvSpPr>
-          <p:cNvPr id="14" name="Rectangle 10">
-            <a:extLst>
-              <a:ext uri="{FF2B5EF4-FFF2-40B4-BE49-F238E27FC236}">
-                <a16:creationId xmlns:a16="http://schemas.microsoft.com/office/drawing/2014/main" id="{29C8EECF-C1D9-4A22-9FD3-FA6C5996270A}"/>
-              </a:ext>
-            </a:extLst>
-          </p:cNvPr>
-          <p:cNvSpPr/>
-          <p:nvPr/>
-        </p:nvSpPr>
-        <p:spPr>
-          <a:xfrm>
-            <a:off x="9610453" y="1450481"/>
-            <a:ext cx="1939955" cy="400110"/>
-          </a:xfrm>
-          <a:prstGeom prst="rect">
-            <a:avLst/>
-          </a:prstGeom>
-          <a:noFill/>
-        </p:spPr>
-        <p:txBody>
-          <a:bodyPr wrap="none" lIns="91440" tIns="45720" rIns="91440" bIns="45720">
-            <a:spAutoFit/>
-          </a:bodyPr>
-          <a:lstStyle/>
-          <a:p>
-            <a:r>
-              <a:rPr lang="en-US" sz="2000" b="0" cap="none" spc="0" dirty="0" err="1">
-                <a:ln w="0"/>
-                <a:solidFill>
-                  <a:schemeClr val="tx1"/>
-                </a:solidFill>
-                <a:effectLst>
-                  <a:outerShdw blurRad="38100" dist="19050" dir="2700000" algn="tl" rotWithShape="0">
-                    <a:schemeClr val="dk1">
-                      <a:alpha val="40000"/>
-                    </a:schemeClr>
-                  </a:outerShdw>
-                </a:effectLst>
-              </a:rPr>
-              <a:t>Usuario</a:t>
-            </a:r>
-            <a:r>
-              <a:rPr lang="en-US" sz="2000" b="0" cap="none" spc="0" dirty="0">
-                <a:ln w="0"/>
-                <a:solidFill>
-                  <a:schemeClr val="tx1"/>
-                </a:solidFill>
-                <a:effectLst>
-                  <a:outerShdw blurRad="38100" dist="19050" dir="2700000" algn="tl" rotWithShape="0">
-                    <a:schemeClr val="dk1">
-                      <a:alpha val="40000"/>
-                    </a:schemeClr>
-                  </a:outerShdw>
-                </a:effectLst>
-              </a:rPr>
-              <a:t> </a:t>
-            </a:r>
-            <a:r>
-              <a:rPr lang="en-US" sz="2000" b="0" cap="none" spc="0" dirty="0" err="1">
-                <a:ln w="0"/>
-                <a:solidFill>
-                  <a:schemeClr val="tx1"/>
-                </a:solidFill>
-                <a:effectLst>
-                  <a:outerShdw blurRad="38100" dist="19050" dir="2700000" algn="tl" rotWithShape="0">
-                    <a:schemeClr val="dk1">
-                      <a:alpha val="40000"/>
-                    </a:schemeClr>
-                  </a:outerShdw>
-                </a:effectLst>
-              </a:rPr>
-              <a:t>emisor</a:t>
-            </a:r>
-            <a:endParaRPr lang="en-US" sz="2000" b="0" cap="none" spc="0" dirty="0">
-              <a:ln w="0"/>
-              <a:solidFill>
-                <a:schemeClr val="tx1"/>
-              </a:solidFill>
-              <a:effectLst>
-                <a:outerShdw blurRad="38100" dist="19050" dir="2700000" algn="tl" rotWithShape="0">
-                  <a:schemeClr val="dk1">
-                    <a:alpha val="40000"/>
-                  </a:schemeClr>
-                </a:outerShdw>
-              </a:effectLst>
-            </a:endParaRPr>
-          </a:p>
-        </p:txBody>
-      </p:sp>
-      <p:sp>
-        <p:nvSpPr>
-          <p:cNvPr id="15" name="Rectangle 7">
-            <a:extLst>
-              <a:ext uri="{FF2B5EF4-FFF2-40B4-BE49-F238E27FC236}">
-                <a16:creationId xmlns:a16="http://schemas.microsoft.com/office/drawing/2014/main" id="{D91C96F9-109E-416D-918C-060475288848}"/>
-              </a:ext>
-            </a:extLst>
-          </p:cNvPr>
-          <p:cNvSpPr/>
-          <p:nvPr/>
-        </p:nvSpPr>
-        <p:spPr>
-          <a:xfrm>
-            <a:off x="641592" y="3813408"/>
-            <a:ext cx="2920992" cy="1569660"/>
-          </a:xfrm>
-          <a:prstGeom prst="rect">
-            <a:avLst/>
-          </a:prstGeom>
-          <a:noFill/>
-        </p:spPr>
-        <p:txBody>
-          <a:bodyPr wrap="none" lIns="91440" tIns="45720" rIns="91440" bIns="45720">
-            <a:spAutoFit/>
-          </a:bodyPr>
-          <a:lstStyle/>
-          <a:p>
-            <a:pPr algn="ctr"/>
-            <a:r>
-              <a:rPr lang="en-US" sz="4000" b="0" cap="none" spc="0" dirty="0" err="1">
-                <a:ln w="0"/>
-                <a:solidFill>
-                  <a:schemeClr val="tx1"/>
-                </a:solidFill>
-                <a:effectLst>
-                  <a:outerShdw blurRad="38100" dist="19050" dir="2700000" algn="tl" rotWithShape="0">
-                    <a:schemeClr val="dk1">
-                      <a:alpha val="40000"/>
-                    </a:schemeClr>
-                  </a:outerShdw>
-                </a:effectLst>
-              </a:rPr>
-              <a:t>Incidencia</a:t>
-            </a:r>
-            <a:r>
-              <a:rPr lang="en-US" sz="4000" b="0" cap="none" spc="0" dirty="0">
-                <a:ln w="0"/>
-                <a:solidFill>
-                  <a:schemeClr val="tx1"/>
-                </a:solidFill>
-                <a:effectLst>
-                  <a:outerShdw blurRad="38100" dist="19050" dir="2700000" algn="tl" rotWithShape="0">
-                    <a:schemeClr val="dk1">
-                      <a:alpha val="40000"/>
-                    </a:schemeClr>
-                  </a:outerShdw>
-                </a:effectLst>
-              </a:rPr>
-              <a:t> 2</a:t>
-            </a:r>
-          </a:p>
-          <a:p>
-            <a:pPr algn="ctr"/>
-            <a:endParaRPr lang="en-US" sz="3600" b="0" cap="none" spc="0" dirty="0">
-              <a:ln w="0"/>
-              <a:solidFill>
-                <a:schemeClr val="tx1"/>
-              </a:solidFill>
-              <a:effectLst>
-                <a:outerShdw blurRad="38100" dist="19050" dir="2700000" algn="tl" rotWithShape="0">
-                  <a:schemeClr val="dk1">
-                    <a:alpha val="40000"/>
-                  </a:schemeClr>
-                </a:outerShdw>
-              </a:effectLst>
-            </a:endParaRPr>
-          </a:p>
-          <a:p>
-            <a:r>
-              <a:rPr lang="en-US" sz="2000" dirty="0" err="1">
-                <a:ln w="0"/>
-                <a:effectLst>
-                  <a:outerShdw blurRad="38100" dist="19050" dir="2700000" algn="tl" rotWithShape="0">
-                    <a:schemeClr val="dk1">
-                      <a:alpha val="40000"/>
-                    </a:schemeClr>
-                  </a:outerShdw>
-                </a:effectLst>
-              </a:rPr>
-              <a:t>Detalles</a:t>
-            </a:r>
-            <a:endParaRPr lang="en-US" sz="2000" b="0" cap="none" spc="0" dirty="0">
-              <a:ln w="0"/>
-              <a:solidFill>
-                <a:schemeClr val="tx1"/>
-              </a:solidFill>
-              <a:effectLst>
-                <a:outerShdw blurRad="38100" dist="19050" dir="2700000" algn="tl" rotWithShape="0">
-                  <a:schemeClr val="dk1">
-                    <a:alpha val="40000"/>
-                  </a:schemeClr>
-                </a:outerShdw>
-              </a:effectLst>
-            </a:endParaRPr>
-          </a:p>
-        </p:txBody>
-      </p:sp>
-      <p:sp>
-        <p:nvSpPr>
-          <p:cNvPr id="16" name="Rectangle 10">
-            <a:extLst>
-              <a:ext uri="{FF2B5EF4-FFF2-40B4-BE49-F238E27FC236}">
-                <a16:creationId xmlns:a16="http://schemas.microsoft.com/office/drawing/2014/main" id="{3D9E0167-78E5-46E6-9FBC-F1CD9D105AEC}"/>
-              </a:ext>
-            </a:extLst>
-          </p:cNvPr>
-          <p:cNvSpPr/>
-          <p:nvPr/>
-        </p:nvSpPr>
-        <p:spPr>
-          <a:xfrm>
-            <a:off x="9610453" y="3734972"/>
-            <a:ext cx="1939955" cy="400110"/>
-          </a:xfrm>
-          <a:prstGeom prst="rect">
-            <a:avLst/>
-          </a:prstGeom>
-          <a:noFill/>
-        </p:spPr>
-        <p:txBody>
-          <a:bodyPr wrap="none" lIns="91440" tIns="45720" rIns="91440" bIns="45720">
-            <a:spAutoFit/>
-          </a:bodyPr>
-          <a:lstStyle/>
-          <a:p>
-            <a:r>
-              <a:rPr lang="en-US" sz="2000" b="0" cap="none" spc="0" dirty="0" err="1">
-                <a:ln w="0"/>
-                <a:solidFill>
-                  <a:schemeClr val="tx1"/>
-                </a:solidFill>
-                <a:effectLst>
-                  <a:outerShdw blurRad="38100" dist="19050" dir="2700000" algn="tl" rotWithShape="0">
-                    <a:schemeClr val="dk1">
-                      <a:alpha val="40000"/>
-                    </a:schemeClr>
-                  </a:outerShdw>
-                </a:effectLst>
-              </a:rPr>
-              <a:t>Usuario</a:t>
-            </a:r>
-            <a:r>
-              <a:rPr lang="en-US" sz="2000" b="0" cap="none" spc="0" dirty="0">
-                <a:ln w="0"/>
-                <a:solidFill>
-                  <a:schemeClr val="tx1"/>
-                </a:solidFill>
-                <a:effectLst>
-                  <a:outerShdw blurRad="38100" dist="19050" dir="2700000" algn="tl" rotWithShape="0">
-                    <a:schemeClr val="dk1">
-                      <a:alpha val="40000"/>
-                    </a:schemeClr>
-                  </a:outerShdw>
-                </a:effectLst>
-              </a:rPr>
-              <a:t> </a:t>
-            </a:r>
-            <a:r>
-              <a:rPr lang="en-US" sz="2000" b="0" cap="none" spc="0" dirty="0" err="1">
-                <a:ln w="0"/>
-                <a:solidFill>
-                  <a:schemeClr val="tx1"/>
-                </a:solidFill>
-                <a:effectLst>
-                  <a:outerShdw blurRad="38100" dist="19050" dir="2700000" algn="tl" rotWithShape="0">
-                    <a:schemeClr val="dk1">
-                      <a:alpha val="40000"/>
-                    </a:schemeClr>
-                  </a:outerShdw>
-                </a:effectLst>
-              </a:rPr>
-              <a:t>emisor</a:t>
-            </a:r>
-            <a:endParaRPr lang="en-US" sz="2000" b="0" cap="none" spc="0" dirty="0">
-              <a:ln w="0"/>
-              <a:solidFill>
-                <a:schemeClr val="tx1"/>
-              </a:solidFill>
-              <a:effectLst>
-                <a:outerShdw blurRad="38100" dist="19050" dir="2700000" algn="tl" rotWithShape="0">
-                  <a:schemeClr val="dk1">
-                    <a:alpha val="40000"/>
-                  </a:schemeClr>
-                </a:outerShdw>
-              </a:effectLst>
-            </a:endParaRPr>
-          </a:p>
-        </p:txBody>
-      </p:sp>
-      <p:sp>
-        <p:nvSpPr>
-          <p:cNvPr id="17" name="Rectangle: Rounded Corners 7">
-            <a:extLst>
-              <a:ext uri="{FF2B5EF4-FFF2-40B4-BE49-F238E27FC236}">
-                <a16:creationId xmlns:a16="http://schemas.microsoft.com/office/drawing/2014/main" id="{D75C582A-425F-4D5C-B566-9499BE2A8733}"/>
-              </a:ext>
-            </a:extLst>
-          </p:cNvPr>
-          <p:cNvSpPr/>
-          <p:nvPr/>
-        </p:nvSpPr>
-        <p:spPr>
-          <a:xfrm>
-            <a:off x="8768372" y="2561971"/>
-            <a:ext cx="2782036" cy="717205"/>
-          </a:xfrm>
-          <a:prstGeom prst="roundRect">
-            <a:avLst/>
-          </a:prstGeom>
-          <a:solidFill>
-            <a:srgbClr val="FF0000"/>
-          </a:solidFill>
-          <a:ln>
-            <a:noFill/>
-          </a:ln>
-        </p:spPr>
-        <p:style>
-          <a:lnRef idx="2">
-            <a:schemeClr val="accent1">
-              <a:shade val="50000"/>
-            </a:schemeClr>
-          </a:lnRef>
-          <a:fillRef idx="1">
-            <a:schemeClr val="accent1"/>
-          </a:fillRef>
-          <a:effectRef idx="0">
-            <a:schemeClr val="accent1"/>
-          </a:effectRef>
-          <a:fontRef idx="minor">
-            <a:schemeClr val="lt1"/>
-          </a:fontRef>
-        </p:style>
-        <p:txBody>
-          <a:bodyPr rtlCol="0" anchor="ctr"/>
-          <a:lstStyle/>
-          <a:p>
-            <a:pPr algn="ctr"/>
-            <a:r>
-              <a:rPr lang="es-VE" sz="2000" dirty="0">
-                <a:solidFill>
-                  <a:schemeClr val="bg1"/>
-                </a:solidFill>
-              </a:rPr>
-              <a:t>Resolver incidencia</a:t>
-            </a:r>
-            <a:endParaRPr lang="en-US" sz="2000" dirty="0">
-              <a:solidFill>
-                <a:schemeClr val="bg1"/>
-              </a:solidFill>
-            </a:endParaRPr>
-          </a:p>
-        </p:txBody>
-      </p:sp>
-      <p:sp>
-        <p:nvSpPr>
-          <p:cNvPr id="19" name="Rectangle: Rounded Corners 7">
-            <a:extLst>
-              <a:ext uri="{FF2B5EF4-FFF2-40B4-BE49-F238E27FC236}">
-                <a16:creationId xmlns:a16="http://schemas.microsoft.com/office/drawing/2014/main" id="{F0508246-0E16-4DFC-9B91-BEB90C63D13A}"/>
-              </a:ext>
-            </a:extLst>
-          </p:cNvPr>
-          <p:cNvSpPr/>
-          <p:nvPr/>
-        </p:nvSpPr>
-        <p:spPr>
-          <a:xfrm>
-            <a:off x="8768372" y="4864923"/>
-            <a:ext cx="2782036" cy="717205"/>
-          </a:xfrm>
-          <a:prstGeom prst="roundRect">
-            <a:avLst/>
-          </a:prstGeom>
-          <a:solidFill>
-            <a:srgbClr val="FF0000"/>
-          </a:solidFill>
-          <a:ln>
-            <a:noFill/>
-          </a:ln>
-        </p:spPr>
-        <p:style>
-          <a:lnRef idx="2">
-            <a:schemeClr val="accent1">
-              <a:shade val="50000"/>
-            </a:schemeClr>
-          </a:lnRef>
-          <a:fillRef idx="1">
-            <a:schemeClr val="accent1"/>
-          </a:fillRef>
-          <a:effectRef idx="0">
-            <a:schemeClr val="accent1"/>
-          </a:effectRef>
-          <a:fontRef idx="minor">
-            <a:schemeClr val="lt1"/>
-          </a:fontRef>
-        </p:style>
-        <p:txBody>
-          <a:bodyPr rtlCol="0" anchor="ctr"/>
-          <a:lstStyle/>
-          <a:p>
-            <a:pPr algn="ctr"/>
-            <a:r>
-              <a:rPr lang="es-VE" sz="2000" dirty="0">
-                <a:solidFill>
-                  <a:schemeClr val="bg1"/>
-                </a:solidFill>
-              </a:rPr>
-              <a:t>Resolver incidencia</a:t>
-            </a:r>
-            <a:endParaRPr lang="en-US" sz="2000" dirty="0">
-              <a:solidFill>
-                <a:schemeClr val="bg1"/>
-              </a:solidFill>
-            </a:endParaRPr>
-          </a:p>
-        </p:txBody>
-      </p:sp>
     </p:spTree>
     <p:extLst>
       <p:ext uri="{BB962C8B-B14F-4D97-AF65-F5344CB8AC3E}">
-        <p14:creationId xmlns:p14="http://schemas.microsoft.com/office/powerpoint/2010/main" val="1152233661"/>
+        <p14:creationId xmlns:p14="http://schemas.microsoft.com/office/powerpoint/2010/main" val="867515054"/>
       </p:ext>
     </p:extLst>
   </p:cSld>
@@ -16125,7 +15890,592 @@
           <a:lstStyle/>
           <a:p>
             <a:pPr algn="ctr"/>
-            <a:endParaRPr lang="en-US" sz="3600" u="sng" dirty="0"/>
+            <a:endParaRPr lang="en-US" sz="3600" dirty="0"/>
+          </a:p>
+        </p:txBody>
+      </p:sp>
+      <p:sp>
+        <p:nvSpPr>
+          <p:cNvPr id="7" name="Rectangle 6">
+            <a:extLst>
+              <a:ext uri="{FF2B5EF4-FFF2-40B4-BE49-F238E27FC236}">
+                <a16:creationId xmlns:a16="http://schemas.microsoft.com/office/drawing/2014/main" id="{B054A16F-54A2-4739-8E3C-51E3300950BB}"/>
+              </a:ext>
+            </a:extLst>
+          </p:cNvPr>
+          <p:cNvSpPr/>
+          <p:nvPr/>
+        </p:nvSpPr>
+        <p:spPr>
+          <a:xfrm>
+            <a:off x="337350" y="1812758"/>
+            <a:ext cx="11505461" cy="4472768"/>
+          </a:xfrm>
+          <a:prstGeom prst="rect">
+            <a:avLst/>
+          </a:prstGeom>
+          <a:solidFill>
+            <a:schemeClr val="bg1">
+              <a:lumMod val="85000"/>
+            </a:schemeClr>
+          </a:solidFill>
+          <a:ln>
+            <a:noFill/>
+          </a:ln>
+        </p:spPr>
+        <p:style>
+          <a:lnRef idx="2">
+            <a:schemeClr val="accent1">
+              <a:shade val="50000"/>
+            </a:schemeClr>
+          </a:lnRef>
+          <a:fillRef idx="1">
+            <a:schemeClr val="accent1"/>
+          </a:fillRef>
+          <a:effectRef idx="0">
+            <a:schemeClr val="accent1"/>
+          </a:effectRef>
+          <a:fontRef idx="minor">
+            <a:schemeClr val="lt1"/>
+          </a:fontRef>
+        </p:style>
+        <p:txBody>
+          <a:bodyPr rtlCol="0" anchor="ctr"/>
+          <a:lstStyle/>
+          <a:p>
+            <a:pPr algn="ctr"/>
+            <a:endParaRPr lang="en-US" b="1" dirty="0">
+              <a:solidFill>
+                <a:schemeClr val="bg1"/>
+              </a:solidFill>
+            </a:endParaRPr>
+          </a:p>
+        </p:txBody>
+      </p:sp>
+      <p:sp>
+        <p:nvSpPr>
+          <p:cNvPr id="12" name="Rectangle 1">
+            <a:extLst>
+              <a:ext uri="{FF2B5EF4-FFF2-40B4-BE49-F238E27FC236}">
+                <a16:creationId xmlns:a16="http://schemas.microsoft.com/office/drawing/2014/main" id="{4A7B54AA-0ADB-4588-BB02-09B7045D5F8D}"/>
+              </a:ext>
+            </a:extLst>
+          </p:cNvPr>
+          <p:cNvSpPr/>
+          <p:nvPr/>
+        </p:nvSpPr>
+        <p:spPr>
+          <a:xfrm>
+            <a:off x="88775" y="106531"/>
+            <a:ext cx="12002610" cy="905523"/>
+          </a:xfrm>
+          <a:prstGeom prst="rect">
+            <a:avLst/>
+          </a:prstGeom>
+          <a:solidFill>
+            <a:schemeClr val="tx1">
+              <a:lumMod val="65000"/>
+              <a:lumOff val="35000"/>
+            </a:schemeClr>
+          </a:solidFill>
+          <a:ln>
+            <a:noFill/>
+          </a:ln>
+        </p:spPr>
+        <p:style>
+          <a:lnRef idx="2">
+            <a:schemeClr val="accent1">
+              <a:shade val="50000"/>
+            </a:schemeClr>
+          </a:lnRef>
+          <a:fillRef idx="1">
+            <a:schemeClr val="accent1"/>
+          </a:fillRef>
+          <a:effectRef idx="0">
+            <a:schemeClr val="accent1"/>
+          </a:effectRef>
+          <a:fontRef idx="minor">
+            <a:schemeClr val="lt1"/>
+          </a:fontRef>
+        </p:style>
+        <p:txBody>
+          <a:bodyPr rtlCol="0" anchor="ctr"/>
+          <a:lstStyle/>
+          <a:p>
+            <a:r>
+              <a:rPr lang="es-VE" b="1" dirty="0">
+                <a:solidFill>
+                  <a:srgbClr val="00B0F0"/>
+                </a:solidFill>
+              </a:rPr>
+              <a:t>*logo*     </a:t>
+            </a:r>
+            <a:r>
+              <a:rPr lang="es-VE" b="1" dirty="0">
+                <a:solidFill>
+                  <a:schemeClr val="bg1"/>
+                </a:solidFill>
+              </a:rPr>
+              <a:t> Adopción     Consejos       Cat-</a:t>
+            </a:r>
+            <a:r>
+              <a:rPr lang="es-VE" b="1" dirty="0" err="1">
+                <a:solidFill>
+                  <a:schemeClr val="bg1"/>
+                </a:solidFill>
+              </a:rPr>
+              <a:t>Sitters</a:t>
+            </a:r>
+            <a:r>
+              <a:rPr lang="es-VE" b="1" dirty="0">
+                <a:solidFill>
+                  <a:srgbClr val="00B0F0"/>
+                </a:solidFill>
+              </a:rPr>
+              <a:t>       </a:t>
+            </a:r>
+            <a:r>
+              <a:rPr lang="es-VE" b="1" dirty="0">
+                <a:solidFill>
+                  <a:schemeClr val="bg1"/>
+                </a:solidFill>
+              </a:rPr>
+              <a:t>Mi Perfil        </a:t>
+            </a:r>
+            <a:r>
+              <a:rPr lang="es-VE" b="1" u="sng" dirty="0">
+                <a:solidFill>
+                  <a:srgbClr val="00B0F0"/>
+                </a:solidFill>
+              </a:rPr>
+              <a:t>Chat</a:t>
+            </a:r>
+            <a:r>
+              <a:rPr lang="es-VE" b="1" dirty="0">
+                <a:solidFill>
+                  <a:schemeClr val="bg1"/>
+                </a:solidFill>
+              </a:rPr>
+              <a:t>       </a:t>
+            </a:r>
+            <a:r>
+              <a:rPr lang="es-VE" b="1" dirty="0" err="1">
+                <a:solidFill>
+                  <a:schemeClr val="bg1"/>
+                </a:solidFill>
+              </a:rPr>
+              <a:t>Logout</a:t>
+            </a:r>
+            <a:endParaRPr lang="en-US" b="1" dirty="0">
+              <a:solidFill>
+                <a:schemeClr val="bg1"/>
+              </a:solidFill>
+            </a:endParaRPr>
+          </a:p>
+        </p:txBody>
+      </p:sp>
+      <p:sp>
+        <p:nvSpPr>
+          <p:cNvPr id="11" name="Rectangle 6">
+            <a:extLst>
+              <a:ext uri="{FF2B5EF4-FFF2-40B4-BE49-F238E27FC236}">
+                <a16:creationId xmlns:a16="http://schemas.microsoft.com/office/drawing/2014/main" id="{77508540-857B-4A1C-99D7-FCFBEED13A7B}"/>
+              </a:ext>
+            </a:extLst>
+          </p:cNvPr>
+          <p:cNvSpPr/>
+          <p:nvPr/>
+        </p:nvSpPr>
+        <p:spPr>
+          <a:xfrm>
+            <a:off x="100615" y="6285527"/>
+            <a:ext cx="12005590" cy="465942"/>
+          </a:xfrm>
+          <a:prstGeom prst="rect">
+            <a:avLst/>
+          </a:prstGeom>
+          <a:solidFill>
+            <a:schemeClr val="tx2"/>
+          </a:solidFill>
+          <a:ln>
+            <a:noFill/>
+          </a:ln>
+        </p:spPr>
+        <p:style>
+          <a:lnRef idx="2">
+            <a:schemeClr val="accent1">
+              <a:shade val="50000"/>
+            </a:schemeClr>
+          </a:lnRef>
+          <a:fillRef idx="1">
+            <a:schemeClr val="accent1"/>
+          </a:fillRef>
+          <a:effectRef idx="0">
+            <a:schemeClr val="accent1"/>
+          </a:effectRef>
+          <a:fontRef idx="minor">
+            <a:schemeClr val="lt1"/>
+          </a:fontRef>
+        </p:style>
+        <p:txBody>
+          <a:bodyPr rtlCol="0" anchor="ctr"/>
+          <a:lstStyle/>
+          <a:p>
+            <a:pPr algn="ctr"/>
+            <a:endParaRPr lang="en-US" b="1" dirty="0">
+              <a:solidFill>
+                <a:schemeClr val="bg1"/>
+              </a:solidFill>
+            </a:endParaRPr>
+          </a:p>
+        </p:txBody>
+      </p:sp>
+      <p:sp>
+        <p:nvSpPr>
+          <p:cNvPr id="23" name="Rectangle: Rounded Corners 7">
+            <a:extLst>
+              <a:ext uri="{FF2B5EF4-FFF2-40B4-BE49-F238E27FC236}">
+                <a16:creationId xmlns:a16="http://schemas.microsoft.com/office/drawing/2014/main" id="{AB7E9AEE-AEE4-4A8F-8EFF-C9B6D41E71CC}"/>
+              </a:ext>
+            </a:extLst>
+          </p:cNvPr>
+          <p:cNvSpPr/>
+          <p:nvPr/>
+        </p:nvSpPr>
+        <p:spPr>
+          <a:xfrm>
+            <a:off x="9715341" y="6343211"/>
+            <a:ext cx="2292896" cy="359411"/>
+          </a:xfrm>
+          <a:prstGeom prst="roundRect">
+            <a:avLst/>
+          </a:prstGeom>
+          <a:solidFill>
+            <a:schemeClr val="accent6"/>
+          </a:solidFill>
+          <a:ln>
+            <a:noFill/>
+          </a:ln>
+        </p:spPr>
+        <p:style>
+          <a:lnRef idx="2">
+            <a:schemeClr val="accent1">
+              <a:shade val="50000"/>
+            </a:schemeClr>
+          </a:lnRef>
+          <a:fillRef idx="1">
+            <a:schemeClr val="accent1"/>
+          </a:fillRef>
+          <a:effectRef idx="0">
+            <a:schemeClr val="accent1"/>
+          </a:effectRef>
+          <a:fontRef idx="minor">
+            <a:schemeClr val="lt1"/>
+          </a:fontRef>
+        </p:style>
+        <p:txBody>
+          <a:bodyPr rtlCol="0" anchor="ctr"/>
+          <a:lstStyle/>
+          <a:p>
+            <a:pPr algn="ctr"/>
+            <a:r>
+              <a:rPr lang="es-VE" sz="2000" dirty="0">
+                <a:solidFill>
+                  <a:schemeClr val="bg1"/>
+                </a:solidFill>
+              </a:rPr>
+              <a:t>Enviar</a:t>
+            </a:r>
+            <a:endParaRPr lang="en-US" sz="2000" dirty="0">
+              <a:solidFill>
+                <a:schemeClr val="bg1"/>
+              </a:solidFill>
+            </a:endParaRPr>
+          </a:p>
+        </p:txBody>
+      </p:sp>
+      <p:sp>
+        <p:nvSpPr>
+          <p:cNvPr id="13" name="Rectangle 7">
+            <a:extLst>
+              <a:ext uri="{FF2B5EF4-FFF2-40B4-BE49-F238E27FC236}">
+                <a16:creationId xmlns:a16="http://schemas.microsoft.com/office/drawing/2014/main" id="{180B4083-D6C9-490C-83C0-D853B68EB74D}"/>
+              </a:ext>
+            </a:extLst>
+          </p:cNvPr>
+          <p:cNvSpPr/>
+          <p:nvPr/>
+        </p:nvSpPr>
+        <p:spPr>
+          <a:xfrm>
+            <a:off x="0" y="1146308"/>
+            <a:ext cx="6938209" cy="1077218"/>
+          </a:xfrm>
+          <a:prstGeom prst="rect">
+            <a:avLst/>
+          </a:prstGeom>
+          <a:noFill/>
+        </p:spPr>
+        <p:txBody>
+          <a:bodyPr wrap="square" lIns="91440" tIns="45720" rIns="91440" bIns="45720">
+            <a:spAutoFit/>
+          </a:bodyPr>
+          <a:lstStyle/>
+          <a:p>
+            <a:pPr algn="ctr"/>
+            <a:r>
+              <a:rPr lang="en-US" sz="2800" b="0" cap="none" spc="0" dirty="0" err="1">
+                <a:ln w="0"/>
+                <a:solidFill>
+                  <a:schemeClr val="tx1"/>
+                </a:solidFill>
+                <a:effectLst>
+                  <a:outerShdw blurRad="38100" dist="19050" dir="2700000" algn="tl" rotWithShape="0">
+                    <a:schemeClr val="dk1">
+                      <a:alpha val="40000"/>
+                    </a:schemeClr>
+                  </a:outerShdw>
+                </a:effectLst>
+              </a:rPr>
+              <a:t>Bienvenido</a:t>
+            </a:r>
+            <a:r>
+              <a:rPr lang="en-US" sz="2800" b="0" cap="none" spc="0" dirty="0">
+                <a:ln w="0"/>
+                <a:solidFill>
+                  <a:schemeClr val="tx1"/>
+                </a:solidFill>
+                <a:effectLst>
+                  <a:outerShdw blurRad="38100" dist="19050" dir="2700000" algn="tl" rotWithShape="0">
+                    <a:schemeClr val="dk1">
+                      <a:alpha val="40000"/>
+                    </a:schemeClr>
+                  </a:outerShdw>
+                </a:effectLst>
+              </a:rPr>
+              <a:t> al chat de Cat-Attack, user.</a:t>
+            </a:r>
+          </a:p>
+          <a:p>
+            <a:pPr algn="ctr"/>
+            <a:endParaRPr lang="en-US" sz="3600" b="0" cap="none" spc="0" dirty="0">
+              <a:ln w="0"/>
+              <a:solidFill>
+                <a:schemeClr val="tx1"/>
+              </a:solidFill>
+              <a:effectLst>
+                <a:outerShdw blurRad="38100" dist="19050" dir="2700000" algn="tl" rotWithShape="0">
+                  <a:schemeClr val="dk1">
+                    <a:alpha val="40000"/>
+                  </a:schemeClr>
+                </a:outerShdw>
+              </a:effectLst>
+            </a:endParaRPr>
+          </a:p>
+        </p:txBody>
+      </p:sp>
+      <p:sp>
+        <p:nvSpPr>
+          <p:cNvPr id="14" name="Rectangle 6">
+            <a:extLst>
+              <a:ext uri="{FF2B5EF4-FFF2-40B4-BE49-F238E27FC236}">
+                <a16:creationId xmlns:a16="http://schemas.microsoft.com/office/drawing/2014/main" id="{57510F77-975C-4795-82B0-17D340606712}"/>
+              </a:ext>
+            </a:extLst>
+          </p:cNvPr>
+          <p:cNvSpPr/>
+          <p:nvPr/>
+        </p:nvSpPr>
+        <p:spPr>
+          <a:xfrm>
+            <a:off x="183763" y="6330673"/>
+            <a:ext cx="9436883" cy="371949"/>
+          </a:xfrm>
+          <a:prstGeom prst="rect">
+            <a:avLst/>
+          </a:prstGeom>
+          <a:solidFill>
+            <a:schemeClr val="bg1"/>
+          </a:solidFill>
+          <a:ln>
+            <a:noFill/>
+          </a:ln>
+        </p:spPr>
+        <p:style>
+          <a:lnRef idx="2">
+            <a:schemeClr val="accent1">
+              <a:shade val="50000"/>
+            </a:schemeClr>
+          </a:lnRef>
+          <a:fillRef idx="1">
+            <a:schemeClr val="accent1"/>
+          </a:fillRef>
+          <a:effectRef idx="0">
+            <a:schemeClr val="accent1"/>
+          </a:effectRef>
+          <a:fontRef idx="minor">
+            <a:schemeClr val="lt1"/>
+          </a:fontRef>
+        </p:style>
+        <p:txBody>
+          <a:bodyPr rtlCol="0" anchor="ctr"/>
+          <a:lstStyle/>
+          <a:p>
+            <a:pPr algn="ctr"/>
+            <a:endParaRPr lang="en-US" b="1" dirty="0">
+              <a:solidFill>
+                <a:schemeClr val="bg1"/>
+              </a:solidFill>
+            </a:endParaRPr>
+          </a:p>
+        </p:txBody>
+      </p:sp>
+      <p:sp>
+        <p:nvSpPr>
+          <p:cNvPr id="15" name="Rectangle 7">
+            <a:extLst>
+              <a:ext uri="{FF2B5EF4-FFF2-40B4-BE49-F238E27FC236}">
+                <a16:creationId xmlns:a16="http://schemas.microsoft.com/office/drawing/2014/main" id="{BC11EE28-41E0-4CD6-9B5A-8B7937CE36EB}"/>
+              </a:ext>
+            </a:extLst>
+          </p:cNvPr>
+          <p:cNvSpPr/>
+          <p:nvPr/>
+        </p:nvSpPr>
+        <p:spPr>
+          <a:xfrm>
+            <a:off x="930442" y="6302512"/>
+            <a:ext cx="6809875" cy="400110"/>
+          </a:xfrm>
+          <a:prstGeom prst="rect">
+            <a:avLst/>
+          </a:prstGeom>
+          <a:noFill/>
+        </p:spPr>
+        <p:txBody>
+          <a:bodyPr wrap="square" lIns="91440" tIns="45720" rIns="91440" bIns="45720">
+            <a:spAutoFit/>
+          </a:bodyPr>
+          <a:lstStyle/>
+          <a:p>
+            <a:pPr algn="ctr"/>
+            <a:r>
+              <a:rPr lang="en-US" sz="2000" b="0" cap="none" spc="0" dirty="0" err="1">
+                <a:ln w="0"/>
+                <a:solidFill>
+                  <a:schemeClr val="tx1"/>
+                </a:solidFill>
+                <a:effectLst>
+                  <a:outerShdw blurRad="38100" dist="19050" dir="2700000" algn="tl" rotWithShape="0">
+                    <a:schemeClr val="dk1">
+                      <a:alpha val="40000"/>
+                    </a:schemeClr>
+                  </a:outerShdw>
+                </a:effectLst>
+              </a:rPr>
+              <a:t>Aquí</a:t>
+            </a:r>
+            <a:r>
+              <a:rPr lang="en-US" sz="2000" b="0" cap="none" spc="0" dirty="0">
+                <a:ln w="0"/>
+                <a:solidFill>
+                  <a:schemeClr val="tx1"/>
+                </a:solidFill>
+                <a:effectLst>
+                  <a:outerShdw blurRad="38100" dist="19050" dir="2700000" algn="tl" rotWithShape="0">
+                    <a:schemeClr val="dk1">
+                      <a:alpha val="40000"/>
+                    </a:schemeClr>
+                  </a:outerShdw>
+                </a:effectLst>
+              </a:rPr>
+              <a:t> se escribe</a:t>
+            </a:r>
+          </a:p>
+        </p:txBody>
+      </p:sp>
+    </p:spTree>
+    <p:extLst>
+      <p:ext uri="{BB962C8B-B14F-4D97-AF65-F5344CB8AC3E}">
+        <p14:creationId xmlns:p14="http://schemas.microsoft.com/office/powerpoint/2010/main" val="3688273251"/>
+      </p:ext>
+    </p:extLst>
+  </p:cSld>
+  <p:clrMapOvr>
+    <a:masterClrMapping/>
+  </p:clrMapOvr>
+</p:sld>
+</file>
+
+<file path=ppt/slides/slide13.xml><?xml version="1.0" encoding="utf-8"?>
+<p:sld xmlns:a="http://schemas.openxmlformats.org/drawingml/2006/main" xmlns:r="http://schemas.openxmlformats.org/officeDocument/2006/relationships" xmlns:p="http://schemas.openxmlformats.org/presentationml/2006/main">
+  <p:cSld>
+    <p:spTree>
+      <p:nvGrpSpPr>
+        <p:cNvPr id="1" name=""/>
+        <p:cNvGrpSpPr/>
+        <p:nvPr/>
+      </p:nvGrpSpPr>
+      <p:grpSpPr>
+        <a:xfrm>
+          <a:off x="0" y="0"/>
+          <a:ext cx="0" cy="0"/>
+          <a:chOff x="0" y="0"/>
+          <a:chExt cx="0" cy="0"/>
+        </a:xfrm>
+      </p:grpSpPr>
+      <p:sp>
+        <p:nvSpPr>
+          <p:cNvPr id="5" name="Rectangle 4">
+            <a:extLst>
+              <a:ext uri="{FF2B5EF4-FFF2-40B4-BE49-F238E27FC236}">
+                <a16:creationId xmlns:a16="http://schemas.microsoft.com/office/drawing/2014/main" id="{3F4DBFB8-880A-4670-873B-CA2745702736}"/>
+              </a:ext>
+            </a:extLst>
+          </p:cNvPr>
+          <p:cNvSpPr/>
+          <p:nvPr/>
+        </p:nvSpPr>
+        <p:spPr>
+          <a:xfrm>
+            <a:off x="94695" y="1118586"/>
+            <a:ext cx="12002610" cy="5632883"/>
+          </a:xfrm>
+          <a:prstGeom prst="rect">
+            <a:avLst/>
+          </a:prstGeom>
+          <a:solidFill>
+            <a:schemeClr val="accent5">
+              <a:lumMod val="40000"/>
+              <a:lumOff val="60000"/>
+            </a:schemeClr>
+          </a:solidFill>
+          <a:ln>
+            <a:noFill/>
+          </a:ln>
+        </p:spPr>
+        <p:style>
+          <a:lnRef idx="2">
+            <a:schemeClr val="accent1">
+              <a:shade val="50000"/>
+            </a:schemeClr>
+          </a:lnRef>
+          <a:fillRef idx="1">
+            <a:schemeClr val="accent1"/>
+          </a:fillRef>
+          <a:effectRef idx="0">
+            <a:schemeClr val="accent1"/>
+          </a:effectRef>
+          <a:fontRef idx="minor">
+            <a:schemeClr val="lt1"/>
+          </a:fontRef>
+        </p:style>
+        <p:txBody>
+          <a:bodyPr rtlCol="0" anchor="ctr"/>
+          <a:lstStyle/>
+          <a:p>
+            <a:pPr algn="ctr"/>
+            <a:endParaRPr lang="en-US" sz="3600" dirty="0"/>
           </a:p>
         </p:txBody>
       </p:sp>
@@ -16201,8 +16551,8 @@
         </p:nvSpPr>
         <p:spPr>
           <a:xfrm>
-            <a:off x="3586580" y="1509204"/>
-            <a:ext cx="3074881" cy="1569660"/>
+            <a:off x="641592" y="1580538"/>
+            <a:ext cx="2920992" cy="1569660"/>
           </a:xfrm>
           <a:prstGeom prst="rect">
             <a:avLst/>
@@ -16230,7 +16580,7 @@
                   </a:outerShdw>
                 </a:effectLst>
               </a:rPr>
-              <a:t>Solicitante</a:t>
+              <a:t>Incidencia</a:t>
             </a:r>
             <a:r>
               <a:rPr lang="en-US" sz="4000" b="0" cap="none" spc="0" dirty="0">
@@ -16277,33 +16627,7 @@
                   </a:outerShdw>
                 </a:effectLst>
               </a:rPr>
-              <a:t>Datos</a:t>
-            </a:r>
-            <a:r>
-              <a:rPr lang="en-US" sz="2000" dirty="0">
-                <a:ln w="0"/>
-                <a:effectLst>
-                  <a:outerShdw blurRad="38100" dist="19050" dir="2700000" algn="tl" rotWithShape="0">
-                    <a:schemeClr val="dk1">
-                      <a:alpha val="40000"/>
-                    </a:schemeClr>
-                  </a:outerShdw>
-                </a:effectLst>
-              </a:rPr>
-              <a:t> de </a:t>
-            </a:r>
-            <a:r>
-              <a:rPr lang="en-US" sz="2000" dirty="0" err="1">
-                <a:ln w="0"/>
-                <a:effectLst>
-                  <a:outerShdw blurRad="38100" dist="19050" dir="2700000" algn="tl" rotWithShape="0">
-                    <a:schemeClr val="dk1">
-                      <a:alpha val="40000"/>
-                    </a:schemeClr>
-                  </a:outerShdw>
-                </a:effectLst>
-              </a:rPr>
-              <a:t>usuario</a:t>
+              <a:t>Detalles</a:t>
             </a:r>
             <a:endParaRPr lang="en-US" sz="2000" b="0" cap="none" spc="0" dirty="0">
               <a:ln w="0"/>
@@ -16317,70 +16641,6 @@
                   </a:schemeClr>
                 </a:outerShdw>
               </a:effectLst>
-            </a:endParaRPr>
-          </a:p>
-        </p:txBody>
-      </p:sp>
-      <p:sp>
-        <p:nvSpPr>
-          <p:cNvPr id="9" name="Rectangle 8">
-            <a:extLst>
-              <a:ext uri="{FF2B5EF4-FFF2-40B4-BE49-F238E27FC236}">
-                <a16:creationId xmlns:a16="http://schemas.microsoft.com/office/drawing/2014/main" id="{A09E4E70-A8E9-4EB7-A8D3-BE70C5357EC7}"/>
-              </a:ext>
-            </a:extLst>
-          </p:cNvPr>
-          <p:cNvSpPr/>
-          <p:nvPr/>
-        </p:nvSpPr>
-        <p:spPr>
-          <a:xfrm>
-            <a:off x="559293" y="1509204"/>
-            <a:ext cx="2805344" cy="1713390"/>
-          </a:xfrm>
-          <a:prstGeom prst="rect">
-            <a:avLst/>
-          </a:prstGeom>
-          <a:solidFill>
-            <a:schemeClr val="bg1"/>
-          </a:solidFill>
-          <a:ln>
-            <a:noFill/>
-          </a:ln>
-        </p:spPr>
-        <p:style>
-          <a:lnRef idx="2">
-            <a:schemeClr val="accent1">
-              <a:shade val="50000"/>
-            </a:schemeClr>
-          </a:lnRef>
-          <a:fillRef idx="1">
-            <a:schemeClr val="accent1"/>
-          </a:fillRef>
-          <a:effectRef idx="0">
-            <a:schemeClr val="accent1"/>
-          </a:effectRef>
-          <a:fontRef idx="minor">
-            <a:schemeClr val="lt1"/>
-          </a:fontRef>
-        </p:style>
-        <p:txBody>
-          <a:bodyPr rtlCol="0" anchor="ctr"/>
-          <a:lstStyle/>
-          <a:p>
-            <a:pPr algn="ctr"/>
-            <a:r>
-              <a:rPr lang="es-VE" dirty="0">
-                <a:solidFill>
-                  <a:schemeClr val="tx1"/>
-                </a:solidFill>
-              </a:rPr>
-              <a:t>Fotografía DNI</a:t>
-            </a:r>
-            <a:endParaRPr lang="en-US" dirty="0">
-              <a:solidFill>
-                <a:schemeClr val="tx1"/>
-              </a:solidFill>
             </a:endParaRPr>
           </a:p>
         </p:txBody>
@@ -16445,6 +16705,932 @@
       </p:sp>
       <p:sp>
         <p:nvSpPr>
+          <p:cNvPr id="13" name="Rectangle 1">
+            <a:extLst>
+              <a:ext uri="{FF2B5EF4-FFF2-40B4-BE49-F238E27FC236}">
+                <a16:creationId xmlns:a16="http://schemas.microsoft.com/office/drawing/2014/main" id="{C5FABE24-AEAC-4D9D-A016-4FC9A33715D7}"/>
+              </a:ext>
+            </a:extLst>
+          </p:cNvPr>
+          <p:cNvSpPr/>
+          <p:nvPr/>
+        </p:nvSpPr>
+        <p:spPr>
+          <a:xfrm>
+            <a:off x="94695" y="106531"/>
+            <a:ext cx="12002610" cy="905523"/>
+          </a:xfrm>
+          <a:prstGeom prst="rect">
+            <a:avLst/>
+          </a:prstGeom>
+          <a:solidFill>
+            <a:schemeClr val="tx1">
+              <a:lumMod val="65000"/>
+              <a:lumOff val="35000"/>
+            </a:schemeClr>
+          </a:solidFill>
+          <a:ln>
+            <a:noFill/>
+          </a:ln>
+        </p:spPr>
+        <p:style>
+          <a:lnRef idx="2">
+            <a:schemeClr val="accent1">
+              <a:shade val="50000"/>
+            </a:schemeClr>
+          </a:lnRef>
+          <a:fillRef idx="1">
+            <a:schemeClr val="accent1"/>
+          </a:fillRef>
+          <a:effectRef idx="0">
+            <a:schemeClr val="accent1"/>
+          </a:effectRef>
+          <a:fontRef idx="minor">
+            <a:schemeClr val="lt1"/>
+          </a:fontRef>
+        </p:style>
+        <p:txBody>
+          <a:bodyPr rtlCol="0" anchor="ctr"/>
+          <a:lstStyle/>
+          <a:p>
+            <a:pPr algn="ctr"/>
+            <a:r>
+              <a:rPr lang="es-VE" b="1" dirty="0">
+                <a:solidFill>
+                  <a:schemeClr val="bg1"/>
+                </a:solidFill>
+              </a:rPr>
+              <a:t>*logo*      Adopción     Consejos       Cat-</a:t>
+            </a:r>
+            <a:r>
+              <a:rPr lang="es-VE" b="1" dirty="0" err="1">
+                <a:solidFill>
+                  <a:schemeClr val="bg1"/>
+                </a:solidFill>
+              </a:rPr>
+              <a:t>Sitters</a:t>
+            </a:r>
+            <a:r>
+              <a:rPr lang="es-VE" b="1" dirty="0">
+                <a:solidFill>
+                  <a:schemeClr val="bg1"/>
+                </a:solidFill>
+              </a:rPr>
+              <a:t>       Mi Perfil     Chat     </a:t>
+            </a:r>
+            <a:r>
+              <a:rPr lang="es-VE" b="1" u="sng" dirty="0">
+                <a:solidFill>
+                  <a:srgbClr val="FF3300"/>
+                </a:solidFill>
+              </a:rPr>
+              <a:t>Incidencias</a:t>
+            </a:r>
+            <a:r>
+              <a:rPr lang="es-VE" b="1" dirty="0">
+                <a:solidFill>
+                  <a:srgbClr val="FF3300"/>
+                </a:solidFill>
+              </a:rPr>
+              <a:t>                            </a:t>
+            </a:r>
+            <a:r>
+              <a:rPr lang="es-VE" b="1" dirty="0" err="1">
+                <a:solidFill>
+                  <a:schemeClr val="bg1"/>
+                </a:solidFill>
+              </a:rPr>
+              <a:t>Logout</a:t>
+            </a:r>
+            <a:endParaRPr lang="en-US" b="1" dirty="0">
+              <a:solidFill>
+                <a:schemeClr val="bg1"/>
+              </a:solidFill>
+            </a:endParaRPr>
+          </a:p>
+        </p:txBody>
+      </p:sp>
+      <p:sp>
+        <p:nvSpPr>
+          <p:cNvPr id="14" name="Rectangle 10">
+            <a:extLst>
+              <a:ext uri="{FF2B5EF4-FFF2-40B4-BE49-F238E27FC236}">
+                <a16:creationId xmlns:a16="http://schemas.microsoft.com/office/drawing/2014/main" id="{29C8EECF-C1D9-4A22-9FD3-FA6C5996270A}"/>
+              </a:ext>
+            </a:extLst>
+          </p:cNvPr>
+          <p:cNvSpPr/>
+          <p:nvPr/>
+        </p:nvSpPr>
+        <p:spPr>
+          <a:xfrm>
+            <a:off x="9610453" y="1450481"/>
+            <a:ext cx="1939955" cy="400110"/>
+          </a:xfrm>
+          <a:prstGeom prst="rect">
+            <a:avLst/>
+          </a:prstGeom>
+          <a:noFill/>
+        </p:spPr>
+        <p:txBody>
+          <a:bodyPr wrap="none" lIns="91440" tIns="45720" rIns="91440" bIns="45720">
+            <a:spAutoFit/>
+          </a:bodyPr>
+          <a:lstStyle/>
+          <a:p>
+            <a:r>
+              <a:rPr lang="en-US" sz="2000" b="0" cap="none" spc="0" dirty="0" err="1">
+                <a:ln w="0"/>
+                <a:solidFill>
+                  <a:schemeClr val="tx1"/>
+                </a:solidFill>
+                <a:effectLst>
+                  <a:outerShdw blurRad="38100" dist="19050" dir="2700000" algn="tl" rotWithShape="0">
+                    <a:schemeClr val="dk1">
+                      <a:alpha val="40000"/>
+                    </a:schemeClr>
+                  </a:outerShdw>
+                </a:effectLst>
+              </a:rPr>
+              <a:t>Usuario</a:t>
+            </a:r>
+            <a:r>
+              <a:rPr lang="en-US" sz="2000" b="0" cap="none" spc="0" dirty="0">
+                <a:ln w="0"/>
+                <a:solidFill>
+                  <a:schemeClr val="tx1"/>
+                </a:solidFill>
+                <a:effectLst>
+                  <a:outerShdw blurRad="38100" dist="19050" dir="2700000" algn="tl" rotWithShape="0">
+                    <a:schemeClr val="dk1">
+                      <a:alpha val="40000"/>
+                    </a:schemeClr>
+                  </a:outerShdw>
+                </a:effectLst>
+              </a:rPr>
+              <a:t> </a:t>
+            </a:r>
+            <a:r>
+              <a:rPr lang="en-US" sz="2000" b="0" cap="none" spc="0" dirty="0" err="1">
+                <a:ln w="0"/>
+                <a:solidFill>
+                  <a:schemeClr val="tx1"/>
+                </a:solidFill>
+                <a:effectLst>
+                  <a:outerShdw blurRad="38100" dist="19050" dir="2700000" algn="tl" rotWithShape="0">
+                    <a:schemeClr val="dk1">
+                      <a:alpha val="40000"/>
+                    </a:schemeClr>
+                  </a:outerShdw>
+                </a:effectLst>
+              </a:rPr>
+              <a:t>emisor</a:t>
+            </a:r>
+            <a:endParaRPr lang="en-US" sz="2000" b="0" cap="none" spc="0" dirty="0">
+              <a:ln w="0"/>
+              <a:solidFill>
+                <a:schemeClr val="tx1"/>
+              </a:solidFill>
+              <a:effectLst>
+                <a:outerShdw blurRad="38100" dist="19050" dir="2700000" algn="tl" rotWithShape="0">
+                  <a:schemeClr val="dk1">
+                    <a:alpha val="40000"/>
+                  </a:schemeClr>
+                </a:outerShdw>
+              </a:effectLst>
+            </a:endParaRPr>
+          </a:p>
+        </p:txBody>
+      </p:sp>
+      <p:sp>
+        <p:nvSpPr>
+          <p:cNvPr id="15" name="Rectangle 7">
+            <a:extLst>
+              <a:ext uri="{FF2B5EF4-FFF2-40B4-BE49-F238E27FC236}">
+                <a16:creationId xmlns:a16="http://schemas.microsoft.com/office/drawing/2014/main" id="{D91C96F9-109E-416D-918C-060475288848}"/>
+              </a:ext>
+            </a:extLst>
+          </p:cNvPr>
+          <p:cNvSpPr/>
+          <p:nvPr/>
+        </p:nvSpPr>
+        <p:spPr>
+          <a:xfrm>
+            <a:off x="641592" y="3813408"/>
+            <a:ext cx="2920992" cy="1569660"/>
+          </a:xfrm>
+          <a:prstGeom prst="rect">
+            <a:avLst/>
+          </a:prstGeom>
+          <a:noFill/>
+        </p:spPr>
+        <p:txBody>
+          <a:bodyPr wrap="none" lIns="91440" tIns="45720" rIns="91440" bIns="45720">
+            <a:spAutoFit/>
+          </a:bodyPr>
+          <a:lstStyle/>
+          <a:p>
+            <a:pPr algn="ctr"/>
+            <a:r>
+              <a:rPr lang="en-US" sz="4000" b="0" cap="none" spc="0" dirty="0" err="1">
+                <a:ln w="0"/>
+                <a:solidFill>
+                  <a:schemeClr val="tx1"/>
+                </a:solidFill>
+                <a:effectLst>
+                  <a:outerShdw blurRad="38100" dist="19050" dir="2700000" algn="tl" rotWithShape="0">
+                    <a:schemeClr val="dk1">
+                      <a:alpha val="40000"/>
+                    </a:schemeClr>
+                  </a:outerShdw>
+                </a:effectLst>
+              </a:rPr>
+              <a:t>Incidencia</a:t>
+            </a:r>
+            <a:r>
+              <a:rPr lang="en-US" sz="4000" b="0" cap="none" spc="0" dirty="0">
+                <a:ln w="0"/>
+                <a:solidFill>
+                  <a:schemeClr val="tx1"/>
+                </a:solidFill>
+                <a:effectLst>
+                  <a:outerShdw blurRad="38100" dist="19050" dir="2700000" algn="tl" rotWithShape="0">
+                    <a:schemeClr val="dk1">
+                      <a:alpha val="40000"/>
+                    </a:schemeClr>
+                  </a:outerShdw>
+                </a:effectLst>
+              </a:rPr>
+              <a:t> 2</a:t>
+            </a:r>
+          </a:p>
+          <a:p>
+            <a:pPr algn="ctr"/>
+            <a:endParaRPr lang="en-US" sz="3600" b="0" cap="none" spc="0" dirty="0">
+              <a:ln w="0"/>
+              <a:solidFill>
+                <a:schemeClr val="tx1"/>
+              </a:solidFill>
+              <a:effectLst>
+                <a:outerShdw blurRad="38100" dist="19050" dir="2700000" algn="tl" rotWithShape="0">
+                  <a:schemeClr val="dk1">
+                    <a:alpha val="40000"/>
+                  </a:schemeClr>
+                </a:outerShdw>
+              </a:effectLst>
+            </a:endParaRPr>
+          </a:p>
+          <a:p>
+            <a:r>
+              <a:rPr lang="en-US" sz="2000" dirty="0" err="1">
+                <a:ln w="0"/>
+                <a:effectLst>
+                  <a:outerShdw blurRad="38100" dist="19050" dir="2700000" algn="tl" rotWithShape="0">
+                    <a:schemeClr val="dk1">
+                      <a:alpha val="40000"/>
+                    </a:schemeClr>
+                  </a:outerShdw>
+                </a:effectLst>
+              </a:rPr>
+              <a:t>Detalles</a:t>
+            </a:r>
+            <a:endParaRPr lang="en-US" sz="2000" b="0" cap="none" spc="0" dirty="0">
+              <a:ln w="0"/>
+              <a:solidFill>
+                <a:schemeClr val="tx1"/>
+              </a:solidFill>
+              <a:effectLst>
+                <a:outerShdw blurRad="38100" dist="19050" dir="2700000" algn="tl" rotWithShape="0">
+                  <a:schemeClr val="dk1">
+                    <a:alpha val="40000"/>
+                  </a:schemeClr>
+                </a:outerShdw>
+              </a:effectLst>
+            </a:endParaRPr>
+          </a:p>
+        </p:txBody>
+      </p:sp>
+      <p:sp>
+        <p:nvSpPr>
+          <p:cNvPr id="16" name="Rectangle 10">
+            <a:extLst>
+              <a:ext uri="{FF2B5EF4-FFF2-40B4-BE49-F238E27FC236}">
+                <a16:creationId xmlns:a16="http://schemas.microsoft.com/office/drawing/2014/main" id="{3D9E0167-78E5-46E6-9FBC-F1CD9D105AEC}"/>
+              </a:ext>
+            </a:extLst>
+          </p:cNvPr>
+          <p:cNvSpPr/>
+          <p:nvPr/>
+        </p:nvSpPr>
+        <p:spPr>
+          <a:xfrm>
+            <a:off x="9610453" y="3734972"/>
+            <a:ext cx="1939955" cy="400110"/>
+          </a:xfrm>
+          <a:prstGeom prst="rect">
+            <a:avLst/>
+          </a:prstGeom>
+          <a:noFill/>
+        </p:spPr>
+        <p:txBody>
+          <a:bodyPr wrap="none" lIns="91440" tIns="45720" rIns="91440" bIns="45720">
+            <a:spAutoFit/>
+          </a:bodyPr>
+          <a:lstStyle/>
+          <a:p>
+            <a:r>
+              <a:rPr lang="en-US" sz="2000" b="0" cap="none" spc="0" dirty="0" err="1">
+                <a:ln w="0"/>
+                <a:solidFill>
+                  <a:schemeClr val="tx1"/>
+                </a:solidFill>
+                <a:effectLst>
+                  <a:outerShdw blurRad="38100" dist="19050" dir="2700000" algn="tl" rotWithShape="0">
+                    <a:schemeClr val="dk1">
+                      <a:alpha val="40000"/>
+                    </a:schemeClr>
+                  </a:outerShdw>
+                </a:effectLst>
+              </a:rPr>
+              <a:t>Usuario</a:t>
+            </a:r>
+            <a:r>
+              <a:rPr lang="en-US" sz="2000" b="0" cap="none" spc="0" dirty="0">
+                <a:ln w="0"/>
+                <a:solidFill>
+                  <a:schemeClr val="tx1"/>
+                </a:solidFill>
+                <a:effectLst>
+                  <a:outerShdw blurRad="38100" dist="19050" dir="2700000" algn="tl" rotWithShape="0">
+                    <a:schemeClr val="dk1">
+                      <a:alpha val="40000"/>
+                    </a:schemeClr>
+                  </a:outerShdw>
+                </a:effectLst>
+              </a:rPr>
+              <a:t> </a:t>
+            </a:r>
+            <a:r>
+              <a:rPr lang="en-US" sz="2000" b="0" cap="none" spc="0" dirty="0" err="1">
+                <a:ln w="0"/>
+                <a:solidFill>
+                  <a:schemeClr val="tx1"/>
+                </a:solidFill>
+                <a:effectLst>
+                  <a:outerShdw blurRad="38100" dist="19050" dir="2700000" algn="tl" rotWithShape="0">
+                    <a:schemeClr val="dk1">
+                      <a:alpha val="40000"/>
+                    </a:schemeClr>
+                  </a:outerShdw>
+                </a:effectLst>
+              </a:rPr>
+              <a:t>emisor</a:t>
+            </a:r>
+            <a:endParaRPr lang="en-US" sz="2000" b="0" cap="none" spc="0" dirty="0">
+              <a:ln w="0"/>
+              <a:solidFill>
+                <a:schemeClr val="tx1"/>
+              </a:solidFill>
+              <a:effectLst>
+                <a:outerShdw blurRad="38100" dist="19050" dir="2700000" algn="tl" rotWithShape="0">
+                  <a:schemeClr val="dk1">
+                    <a:alpha val="40000"/>
+                  </a:schemeClr>
+                </a:outerShdw>
+              </a:effectLst>
+            </a:endParaRPr>
+          </a:p>
+        </p:txBody>
+      </p:sp>
+      <p:sp>
+        <p:nvSpPr>
+          <p:cNvPr id="17" name="Rectangle: Rounded Corners 7">
+            <a:extLst>
+              <a:ext uri="{FF2B5EF4-FFF2-40B4-BE49-F238E27FC236}">
+                <a16:creationId xmlns:a16="http://schemas.microsoft.com/office/drawing/2014/main" id="{D75C582A-425F-4D5C-B566-9499BE2A8733}"/>
+              </a:ext>
+            </a:extLst>
+          </p:cNvPr>
+          <p:cNvSpPr/>
+          <p:nvPr/>
+        </p:nvSpPr>
+        <p:spPr>
+          <a:xfrm>
+            <a:off x="8768372" y="2561971"/>
+            <a:ext cx="2782036" cy="717205"/>
+          </a:xfrm>
+          <a:prstGeom prst="roundRect">
+            <a:avLst/>
+          </a:prstGeom>
+          <a:solidFill>
+            <a:srgbClr val="FF0000"/>
+          </a:solidFill>
+          <a:ln>
+            <a:noFill/>
+          </a:ln>
+        </p:spPr>
+        <p:style>
+          <a:lnRef idx="2">
+            <a:schemeClr val="accent1">
+              <a:shade val="50000"/>
+            </a:schemeClr>
+          </a:lnRef>
+          <a:fillRef idx="1">
+            <a:schemeClr val="accent1"/>
+          </a:fillRef>
+          <a:effectRef idx="0">
+            <a:schemeClr val="accent1"/>
+          </a:effectRef>
+          <a:fontRef idx="minor">
+            <a:schemeClr val="lt1"/>
+          </a:fontRef>
+        </p:style>
+        <p:txBody>
+          <a:bodyPr rtlCol="0" anchor="ctr"/>
+          <a:lstStyle/>
+          <a:p>
+            <a:pPr algn="ctr"/>
+            <a:r>
+              <a:rPr lang="es-VE" sz="2000" dirty="0">
+                <a:solidFill>
+                  <a:schemeClr val="bg1"/>
+                </a:solidFill>
+              </a:rPr>
+              <a:t>Resolver incidencia</a:t>
+            </a:r>
+            <a:endParaRPr lang="en-US" sz="2000" dirty="0">
+              <a:solidFill>
+                <a:schemeClr val="bg1"/>
+              </a:solidFill>
+            </a:endParaRPr>
+          </a:p>
+        </p:txBody>
+      </p:sp>
+      <p:sp>
+        <p:nvSpPr>
+          <p:cNvPr id="19" name="Rectangle: Rounded Corners 7">
+            <a:extLst>
+              <a:ext uri="{FF2B5EF4-FFF2-40B4-BE49-F238E27FC236}">
+                <a16:creationId xmlns:a16="http://schemas.microsoft.com/office/drawing/2014/main" id="{F0508246-0E16-4DFC-9B91-BEB90C63D13A}"/>
+              </a:ext>
+            </a:extLst>
+          </p:cNvPr>
+          <p:cNvSpPr/>
+          <p:nvPr/>
+        </p:nvSpPr>
+        <p:spPr>
+          <a:xfrm>
+            <a:off x="8768372" y="4864923"/>
+            <a:ext cx="2782036" cy="717205"/>
+          </a:xfrm>
+          <a:prstGeom prst="roundRect">
+            <a:avLst/>
+          </a:prstGeom>
+          <a:solidFill>
+            <a:srgbClr val="FF0000"/>
+          </a:solidFill>
+          <a:ln>
+            <a:noFill/>
+          </a:ln>
+        </p:spPr>
+        <p:style>
+          <a:lnRef idx="2">
+            <a:schemeClr val="accent1">
+              <a:shade val="50000"/>
+            </a:schemeClr>
+          </a:lnRef>
+          <a:fillRef idx="1">
+            <a:schemeClr val="accent1"/>
+          </a:fillRef>
+          <a:effectRef idx="0">
+            <a:schemeClr val="accent1"/>
+          </a:effectRef>
+          <a:fontRef idx="minor">
+            <a:schemeClr val="lt1"/>
+          </a:fontRef>
+        </p:style>
+        <p:txBody>
+          <a:bodyPr rtlCol="0" anchor="ctr"/>
+          <a:lstStyle/>
+          <a:p>
+            <a:pPr algn="ctr"/>
+            <a:r>
+              <a:rPr lang="es-VE" sz="2000" dirty="0">
+                <a:solidFill>
+                  <a:schemeClr val="bg1"/>
+                </a:solidFill>
+              </a:rPr>
+              <a:t>Resolver incidencia</a:t>
+            </a:r>
+            <a:endParaRPr lang="en-US" sz="2000" dirty="0">
+              <a:solidFill>
+                <a:schemeClr val="bg1"/>
+              </a:solidFill>
+            </a:endParaRPr>
+          </a:p>
+        </p:txBody>
+      </p:sp>
+    </p:spTree>
+    <p:extLst>
+      <p:ext uri="{BB962C8B-B14F-4D97-AF65-F5344CB8AC3E}">
+        <p14:creationId xmlns:p14="http://schemas.microsoft.com/office/powerpoint/2010/main" val="1152233661"/>
+      </p:ext>
+    </p:extLst>
+  </p:cSld>
+  <p:clrMapOvr>
+    <a:masterClrMapping/>
+  </p:clrMapOvr>
+</p:sld>
+</file>
+
+<file path=ppt/slides/slide14.xml><?xml version="1.0" encoding="utf-8"?>
+<p:sld xmlns:a="http://schemas.openxmlformats.org/drawingml/2006/main" xmlns:r="http://schemas.openxmlformats.org/officeDocument/2006/relationships" xmlns:p="http://schemas.openxmlformats.org/presentationml/2006/main">
+  <p:cSld>
+    <p:spTree>
+      <p:nvGrpSpPr>
+        <p:cNvPr id="1" name=""/>
+        <p:cNvGrpSpPr/>
+        <p:nvPr/>
+      </p:nvGrpSpPr>
+      <p:grpSpPr>
+        <a:xfrm>
+          <a:off x="0" y="0"/>
+          <a:ext cx="0" cy="0"/>
+          <a:chOff x="0" y="0"/>
+          <a:chExt cx="0" cy="0"/>
+        </a:xfrm>
+      </p:grpSpPr>
+      <p:sp>
+        <p:nvSpPr>
+          <p:cNvPr id="5" name="Rectangle 4">
+            <a:extLst>
+              <a:ext uri="{FF2B5EF4-FFF2-40B4-BE49-F238E27FC236}">
+                <a16:creationId xmlns:a16="http://schemas.microsoft.com/office/drawing/2014/main" id="{3F4DBFB8-880A-4670-873B-CA2745702736}"/>
+              </a:ext>
+            </a:extLst>
+          </p:cNvPr>
+          <p:cNvSpPr/>
+          <p:nvPr/>
+        </p:nvSpPr>
+        <p:spPr>
+          <a:xfrm>
+            <a:off x="94695" y="1118586"/>
+            <a:ext cx="12002610" cy="5632883"/>
+          </a:xfrm>
+          <a:prstGeom prst="rect">
+            <a:avLst/>
+          </a:prstGeom>
+          <a:solidFill>
+            <a:schemeClr val="accent5">
+              <a:lumMod val="40000"/>
+              <a:lumOff val="60000"/>
+            </a:schemeClr>
+          </a:solidFill>
+          <a:ln>
+            <a:noFill/>
+          </a:ln>
+        </p:spPr>
+        <p:style>
+          <a:lnRef idx="2">
+            <a:schemeClr val="accent1">
+              <a:shade val="50000"/>
+            </a:schemeClr>
+          </a:lnRef>
+          <a:fillRef idx="1">
+            <a:schemeClr val="accent1"/>
+          </a:fillRef>
+          <a:effectRef idx="0">
+            <a:schemeClr val="accent1"/>
+          </a:effectRef>
+          <a:fontRef idx="minor">
+            <a:schemeClr val="lt1"/>
+          </a:fontRef>
+        </p:style>
+        <p:txBody>
+          <a:bodyPr rtlCol="0" anchor="ctr"/>
+          <a:lstStyle/>
+          <a:p>
+            <a:pPr algn="ctr"/>
+            <a:endParaRPr lang="en-US" sz="3600" u="sng" dirty="0"/>
+          </a:p>
+        </p:txBody>
+      </p:sp>
+      <p:sp>
+        <p:nvSpPr>
+          <p:cNvPr id="7" name="Rectangle 6">
+            <a:extLst>
+              <a:ext uri="{FF2B5EF4-FFF2-40B4-BE49-F238E27FC236}">
+                <a16:creationId xmlns:a16="http://schemas.microsoft.com/office/drawing/2014/main" id="{B054A16F-54A2-4739-8E3C-51E3300950BB}"/>
+              </a:ext>
+            </a:extLst>
+          </p:cNvPr>
+          <p:cNvSpPr/>
+          <p:nvPr/>
+        </p:nvSpPr>
+        <p:spPr>
+          <a:xfrm>
+            <a:off x="337350" y="1359762"/>
+            <a:ext cx="11505461" cy="2069238"/>
+          </a:xfrm>
+          <a:prstGeom prst="rect">
+            <a:avLst/>
+          </a:prstGeom>
+          <a:solidFill>
+            <a:schemeClr val="bg1">
+              <a:lumMod val="85000"/>
+            </a:schemeClr>
+          </a:solidFill>
+          <a:ln>
+            <a:noFill/>
+          </a:ln>
+        </p:spPr>
+        <p:style>
+          <a:lnRef idx="2">
+            <a:schemeClr val="accent1">
+              <a:shade val="50000"/>
+            </a:schemeClr>
+          </a:lnRef>
+          <a:fillRef idx="1">
+            <a:schemeClr val="accent1"/>
+          </a:fillRef>
+          <a:effectRef idx="0">
+            <a:schemeClr val="accent1"/>
+          </a:effectRef>
+          <a:fontRef idx="minor">
+            <a:schemeClr val="lt1"/>
+          </a:fontRef>
+        </p:style>
+        <p:txBody>
+          <a:bodyPr rtlCol="0" anchor="ctr"/>
+          <a:lstStyle/>
+          <a:p>
+            <a:pPr algn="ctr"/>
+            <a:endParaRPr lang="en-US" b="1" dirty="0">
+              <a:solidFill>
+                <a:schemeClr val="bg1"/>
+              </a:solidFill>
+            </a:endParaRPr>
+          </a:p>
+        </p:txBody>
+      </p:sp>
+      <p:sp>
+        <p:nvSpPr>
+          <p:cNvPr id="8" name="Rectangle 7">
+            <a:extLst>
+              <a:ext uri="{FF2B5EF4-FFF2-40B4-BE49-F238E27FC236}">
+                <a16:creationId xmlns:a16="http://schemas.microsoft.com/office/drawing/2014/main" id="{7214B269-F679-4636-AAC2-FE15D384A6AC}"/>
+              </a:ext>
+            </a:extLst>
+          </p:cNvPr>
+          <p:cNvSpPr/>
+          <p:nvPr/>
+        </p:nvSpPr>
+        <p:spPr>
+          <a:xfrm>
+            <a:off x="3586580" y="1509204"/>
+            <a:ext cx="3074881" cy="1569660"/>
+          </a:xfrm>
+          <a:prstGeom prst="rect">
+            <a:avLst/>
+          </a:prstGeom>
+          <a:noFill/>
+        </p:spPr>
+        <p:txBody>
+          <a:bodyPr wrap="none" lIns="91440" tIns="45720" rIns="91440" bIns="45720">
+            <a:spAutoFit/>
+          </a:bodyPr>
+          <a:lstStyle/>
+          <a:p>
+            <a:pPr algn="ctr"/>
+            <a:r>
+              <a:rPr lang="en-US" sz="4000" b="0" cap="none" spc="0" dirty="0" err="1">
+                <a:ln w="0"/>
+                <a:solidFill>
+                  <a:schemeClr val="tx1"/>
+                </a:solidFill>
+                <a:effectLst>
+                  <a:outerShdw blurRad="38100" dist="19050" dir="2700000" algn="tl" rotWithShape="0">
+                    <a:schemeClr val="dk1">
+                      <a:alpha val="40000"/>
+                    </a:schemeClr>
+                  </a:outerShdw>
+                </a:effectLst>
+              </a:rPr>
+              <a:t>Solicitante</a:t>
+            </a:r>
+            <a:r>
+              <a:rPr lang="en-US" sz="4000" b="0" cap="none" spc="0" dirty="0">
+                <a:ln w="0"/>
+                <a:solidFill>
+                  <a:schemeClr val="tx1"/>
+                </a:solidFill>
+                <a:effectLst>
+                  <a:outerShdw blurRad="38100" dist="19050" dir="2700000" algn="tl" rotWithShape="0">
+                    <a:schemeClr val="dk1">
+                      <a:alpha val="40000"/>
+                    </a:schemeClr>
+                  </a:outerShdw>
+                </a:effectLst>
+              </a:rPr>
+              <a:t> 1</a:t>
+            </a:r>
+          </a:p>
+          <a:p>
+            <a:pPr algn="ctr"/>
+            <a:endParaRPr lang="en-US" sz="3600" b="0" cap="none" spc="0" dirty="0">
+              <a:ln w="0"/>
+              <a:solidFill>
+                <a:schemeClr val="tx1"/>
+              </a:solidFill>
+              <a:effectLst>
+                <a:outerShdw blurRad="38100" dist="19050" dir="2700000" algn="tl" rotWithShape="0">
+                  <a:schemeClr val="dk1">
+                    <a:alpha val="40000"/>
+                  </a:schemeClr>
+                </a:outerShdw>
+              </a:effectLst>
+            </a:endParaRPr>
+          </a:p>
+          <a:p>
+            <a:r>
+              <a:rPr lang="en-US" sz="2000" dirty="0" err="1">
+                <a:ln w="0"/>
+                <a:effectLst>
+                  <a:outerShdw blurRad="38100" dist="19050" dir="2700000" algn="tl" rotWithShape="0">
+                    <a:schemeClr val="dk1">
+                      <a:alpha val="40000"/>
+                    </a:schemeClr>
+                  </a:outerShdw>
+                </a:effectLst>
+              </a:rPr>
+              <a:t>Datos</a:t>
+            </a:r>
+            <a:r>
+              <a:rPr lang="en-US" sz="2000" dirty="0">
+                <a:ln w="0"/>
+                <a:effectLst>
+                  <a:outerShdw blurRad="38100" dist="19050" dir="2700000" algn="tl" rotWithShape="0">
+                    <a:schemeClr val="dk1">
+                      <a:alpha val="40000"/>
+                    </a:schemeClr>
+                  </a:outerShdw>
+                </a:effectLst>
+              </a:rPr>
+              <a:t> de </a:t>
+            </a:r>
+            <a:r>
+              <a:rPr lang="en-US" sz="2000" dirty="0" err="1">
+                <a:ln w="0"/>
+                <a:effectLst>
+                  <a:outerShdw blurRad="38100" dist="19050" dir="2700000" algn="tl" rotWithShape="0">
+                    <a:schemeClr val="dk1">
+                      <a:alpha val="40000"/>
+                    </a:schemeClr>
+                  </a:outerShdw>
+                </a:effectLst>
+              </a:rPr>
+              <a:t>usuario</a:t>
+            </a:r>
+            <a:endParaRPr lang="en-US" sz="2000" b="0" cap="none" spc="0" dirty="0">
+              <a:ln w="0"/>
+              <a:solidFill>
+                <a:schemeClr val="tx1"/>
+              </a:solidFill>
+              <a:effectLst>
+                <a:outerShdw blurRad="38100" dist="19050" dir="2700000" algn="tl" rotWithShape="0">
+                  <a:schemeClr val="dk1">
+                    <a:alpha val="40000"/>
+                  </a:schemeClr>
+                </a:outerShdw>
+              </a:effectLst>
+            </a:endParaRPr>
+          </a:p>
+        </p:txBody>
+      </p:sp>
+      <p:sp>
+        <p:nvSpPr>
+          <p:cNvPr id="9" name="Rectangle 8">
+            <a:extLst>
+              <a:ext uri="{FF2B5EF4-FFF2-40B4-BE49-F238E27FC236}">
+                <a16:creationId xmlns:a16="http://schemas.microsoft.com/office/drawing/2014/main" id="{A09E4E70-A8E9-4EB7-A8D3-BE70C5357EC7}"/>
+              </a:ext>
+            </a:extLst>
+          </p:cNvPr>
+          <p:cNvSpPr/>
+          <p:nvPr/>
+        </p:nvSpPr>
+        <p:spPr>
+          <a:xfrm>
+            <a:off x="559293" y="1509204"/>
+            <a:ext cx="2805344" cy="1713390"/>
+          </a:xfrm>
+          <a:prstGeom prst="rect">
+            <a:avLst/>
+          </a:prstGeom>
+          <a:solidFill>
+            <a:schemeClr val="bg1"/>
+          </a:solidFill>
+          <a:ln>
+            <a:noFill/>
+          </a:ln>
+        </p:spPr>
+        <p:style>
+          <a:lnRef idx="2">
+            <a:schemeClr val="accent1">
+              <a:shade val="50000"/>
+            </a:schemeClr>
+          </a:lnRef>
+          <a:fillRef idx="1">
+            <a:schemeClr val="accent1"/>
+          </a:fillRef>
+          <a:effectRef idx="0">
+            <a:schemeClr val="accent1"/>
+          </a:effectRef>
+          <a:fontRef idx="minor">
+            <a:schemeClr val="lt1"/>
+          </a:fontRef>
+        </p:style>
+        <p:txBody>
+          <a:bodyPr rtlCol="0" anchor="ctr"/>
+          <a:lstStyle/>
+          <a:p>
+            <a:pPr algn="ctr"/>
+            <a:r>
+              <a:rPr lang="es-VE" dirty="0">
+                <a:solidFill>
+                  <a:schemeClr val="tx1"/>
+                </a:solidFill>
+              </a:rPr>
+              <a:t>Fotografía DNI</a:t>
+            </a:r>
+            <a:endParaRPr lang="en-US" dirty="0">
+              <a:solidFill>
+                <a:schemeClr val="tx1"/>
+              </a:solidFill>
+            </a:endParaRPr>
+          </a:p>
+        </p:txBody>
+      </p:sp>
+      <p:sp>
+        <p:nvSpPr>
+          <p:cNvPr id="10" name="Rectangle 9">
+            <a:extLst>
+              <a:ext uri="{FF2B5EF4-FFF2-40B4-BE49-F238E27FC236}">
+                <a16:creationId xmlns:a16="http://schemas.microsoft.com/office/drawing/2014/main" id="{48D1187B-93F3-4F98-A980-CDE35D5A5B7C}"/>
+              </a:ext>
+            </a:extLst>
+          </p:cNvPr>
+          <p:cNvSpPr/>
+          <p:nvPr/>
+        </p:nvSpPr>
+        <p:spPr>
+          <a:xfrm>
+            <a:off x="337350" y="3670176"/>
+            <a:ext cx="11505461" cy="2069238"/>
+          </a:xfrm>
+          <a:prstGeom prst="rect">
+            <a:avLst/>
+          </a:prstGeom>
+          <a:solidFill>
+            <a:schemeClr val="bg1">
+              <a:lumMod val="85000"/>
+            </a:schemeClr>
+          </a:solidFill>
+          <a:ln>
+            <a:noFill/>
+          </a:ln>
+        </p:spPr>
+        <p:style>
+          <a:lnRef idx="2">
+            <a:schemeClr val="accent1">
+              <a:shade val="50000"/>
+            </a:schemeClr>
+          </a:lnRef>
+          <a:fillRef idx="1">
+            <a:schemeClr val="accent1"/>
+          </a:fillRef>
+          <a:effectRef idx="0">
+            <a:schemeClr val="accent1"/>
+          </a:effectRef>
+          <a:fontRef idx="minor">
+            <a:schemeClr val="lt1"/>
+          </a:fontRef>
+        </p:style>
+        <p:txBody>
+          <a:bodyPr rtlCol="0" anchor="ctr"/>
+          <a:lstStyle/>
+          <a:p>
+            <a:pPr algn="ctr"/>
+            <a:endParaRPr lang="en-US" b="1" dirty="0">
+              <a:solidFill>
+                <a:schemeClr val="bg1"/>
+              </a:solidFill>
+            </a:endParaRPr>
+          </a:p>
+        </p:txBody>
+      </p:sp>
+      <p:sp>
+        <p:nvSpPr>
           <p:cNvPr id="12" name="Rectangle 11">
             <a:extLst>
               <a:ext uri="{FF2B5EF4-FFF2-40B4-BE49-F238E27FC236}">
@@ -16637,129 +17823,6 @@
                   </a:schemeClr>
                 </a:outerShdw>
               </a:effectLst>
-            </a:endParaRPr>
-          </a:p>
-        </p:txBody>
-      </p:sp>
-      <p:sp>
-        <p:nvSpPr>
-          <p:cNvPr id="15" name="Rectangle 1">
-            <a:extLst>
-              <a:ext uri="{FF2B5EF4-FFF2-40B4-BE49-F238E27FC236}">
-                <a16:creationId xmlns:a16="http://schemas.microsoft.com/office/drawing/2014/main" id="{43756366-1EDE-4689-A2B3-D5DCDC23EEFB}"/>
-              </a:ext>
-            </a:extLst>
-          </p:cNvPr>
-          <p:cNvSpPr/>
-          <p:nvPr/>
-        </p:nvSpPr>
-        <p:spPr>
-          <a:xfrm>
-            <a:off x="94695" y="106531"/>
-            <a:ext cx="12002610" cy="905523"/>
-          </a:xfrm>
-          <a:prstGeom prst="rect">
-            <a:avLst/>
-          </a:prstGeom>
-          <a:solidFill>
-            <a:schemeClr val="tx1">
-              <a:lumMod val="65000"/>
-              <a:lumOff val="35000"/>
-            </a:schemeClr>
-          </a:solidFill>
-          <a:ln>
-            <a:noFill/>
-          </a:ln>
-        </p:spPr>
-        <p:style>
-          <a:lnRef idx="2">
-            <a:schemeClr val="accent1">
-              <a:shade val="50000"/>
-            </a:schemeClr>
-          </a:lnRef>
-          <a:fillRef idx="1">
-            <a:schemeClr val="accent1"/>
-          </a:fillRef>
-          <a:effectRef idx="0">
-            <a:schemeClr val="accent1"/>
-          </a:effectRef>
-          <a:fontRef idx="minor">
-            <a:schemeClr val="lt1"/>
-          </a:fontRef>
-        </p:style>
-        <p:txBody>
-          <a:bodyPr rtlCol="0" anchor="ctr"/>
-          <a:lstStyle/>
-          <a:p>
-            <a:pPr algn="ctr"/>
-            <a:r>
-              <a:rPr lang="es-VE" b="1" dirty="0">
-                <a:solidFill>
-                  <a:schemeClr val="bg1"/>
-                </a:solidFill>
-              </a:rPr>
-              <a:t>*logo*      Adopción     Consejos       Cat-</a:t>
-            </a:r>
-            <a:r>
-              <a:rPr lang="es-VE" b="1" dirty="0" err="1">
-                <a:solidFill>
-                  <a:schemeClr val="bg1"/>
-                </a:solidFill>
-              </a:rPr>
-              <a:t>Sitters</a:t>
-            </a:r>
-            <a:r>
-              <a:rPr lang="es-VE" b="1" dirty="0">
-                <a:solidFill>
-                  <a:schemeClr val="bg1"/>
-                </a:solidFill>
-              </a:rPr>
-              <a:t>             </a:t>
-            </a:r>
-            <a:r>
-              <a:rPr lang="es-VE" b="1" dirty="0">
-                <a:solidFill>
-                  <a:srgbClr val="FF3300"/>
-                </a:solidFill>
-              </a:rPr>
-              <a:t>Incidencias    </a:t>
-            </a:r>
-            <a:r>
-              <a:rPr lang="es-VE" b="1" u="sng" dirty="0">
-                <a:solidFill>
-                  <a:srgbClr val="FF3300"/>
-                </a:solidFill>
-              </a:rPr>
-              <a:t>Verificar identidad</a:t>
-            </a:r>
-            <a:r>
-              <a:rPr lang="es-VE" b="1" dirty="0">
-                <a:solidFill>
-                  <a:srgbClr val="FF3300"/>
-                </a:solidFill>
-              </a:rPr>
-              <a:t>       </a:t>
-            </a:r>
-            <a:r>
-              <a:rPr lang="es-VE" b="1" dirty="0">
-                <a:solidFill>
-                  <a:schemeClr val="bg1"/>
-                </a:solidFill>
-              </a:rPr>
-              <a:t>Mi Perfil        </a:t>
-            </a:r>
-            <a:r>
-              <a:rPr lang="es-VE" b="1" dirty="0" err="1">
-                <a:solidFill>
-                  <a:schemeClr val="bg1"/>
-                </a:solidFill>
-              </a:rPr>
-              <a:t>Logout</a:t>
-            </a:r>
-            <a:endParaRPr lang="en-US" b="1" dirty="0">
-              <a:solidFill>
-                <a:schemeClr val="bg1"/>
-              </a:solidFill>
             </a:endParaRPr>
           </a:p>
         </p:txBody>
@@ -17020,6 +18083,113 @@
           </a:p>
         </p:txBody>
       </p:sp>
+      <p:sp>
+        <p:nvSpPr>
+          <p:cNvPr id="18" name="Rectangle 1">
+            <a:extLst>
+              <a:ext uri="{FF2B5EF4-FFF2-40B4-BE49-F238E27FC236}">
+                <a16:creationId xmlns:a16="http://schemas.microsoft.com/office/drawing/2014/main" id="{57F219F9-374E-4DAF-BFAD-2506C729F547}"/>
+              </a:ext>
+            </a:extLst>
+          </p:cNvPr>
+          <p:cNvSpPr/>
+          <p:nvPr/>
+        </p:nvSpPr>
+        <p:spPr>
+          <a:xfrm>
+            <a:off x="94695" y="106531"/>
+            <a:ext cx="12002610" cy="905523"/>
+          </a:xfrm>
+          <a:prstGeom prst="rect">
+            <a:avLst/>
+          </a:prstGeom>
+          <a:solidFill>
+            <a:schemeClr val="tx1">
+              <a:lumMod val="65000"/>
+              <a:lumOff val="35000"/>
+            </a:schemeClr>
+          </a:solidFill>
+          <a:ln>
+            <a:noFill/>
+          </a:ln>
+        </p:spPr>
+        <p:style>
+          <a:lnRef idx="2">
+            <a:schemeClr val="accent1">
+              <a:shade val="50000"/>
+            </a:schemeClr>
+          </a:lnRef>
+          <a:fillRef idx="1">
+            <a:schemeClr val="accent1"/>
+          </a:fillRef>
+          <a:effectRef idx="0">
+            <a:schemeClr val="accent1"/>
+          </a:effectRef>
+          <a:fontRef idx="minor">
+            <a:schemeClr val="lt1"/>
+          </a:fontRef>
+        </p:style>
+        <p:txBody>
+          <a:bodyPr rtlCol="0" anchor="ctr"/>
+          <a:lstStyle/>
+          <a:p>
+            <a:pPr algn="ctr"/>
+            <a:r>
+              <a:rPr lang="es-VE" b="1" dirty="0">
+                <a:solidFill>
+                  <a:schemeClr val="bg1"/>
+                </a:solidFill>
+              </a:rPr>
+              <a:t>*logo*      Adopción     Consejos       Cat-</a:t>
+            </a:r>
+            <a:r>
+              <a:rPr lang="es-VE" b="1" dirty="0" err="1">
+                <a:solidFill>
+                  <a:schemeClr val="bg1"/>
+                </a:solidFill>
+              </a:rPr>
+              <a:t>Sitters</a:t>
+            </a:r>
+            <a:r>
+              <a:rPr lang="es-VE" b="1" dirty="0">
+                <a:solidFill>
+                  <a:schemeClr val="bg1"/>
+                </a:solidFill>
+              </a:rPr>
+              <a:t>       Mi Perfil     Chat     </a:t>
+            </a:r>
+            <a:r>
+              <a:rPr lang="es-VE" b="1" u="sng" dirty="0">
+                <a:solidFill>
+                  <a:srgbClr val="FF3300"/>
+                </a:solidFill>
+              </a:rPr>
+              <a:t>Incidencias</a:t>
+            </a:r>
+            <a:r>
+              <a:rPr lang="es-VE" b="1" dirty="0">
+                <a:solidFill>
+                  <a:srgbClr val="FF3300"/>
+                </a:solidFill>
+              </a:rPr>
+              <a:t>                            </a:t>
+            </a:r>
+            <a:r>
+              <a:rPr lang="es-VE" b="1" dirty="0" err="1">
+                <a:solidFill>
+                  <a:schemeClr val="bg1"/>
+                </a:solidFill>
+              </a:rPr>
+              <a:t>Logout</a:t>
+            </a:r>
+            <a:endParaRPr lang="en-US" b="1" dirty="0">
+              <a:solidFill>
+                <a:schemeClr val="bg1"/>
+              </a:solidFill>
+            </a:endParaRPr>
+          </a:p>
+        </p:txBody>
+      </p:sp>
     </p:spTree>
     <p:extLst>
       <p:ext uri="{BB962C8B-B14F-4D97-AF65-F5344CB8AC3E}">
@@ -17033,7 +18203,7 @@
 </p:sld>
 </file>
 
-<file path=ppt/slides/slide13.xml><?xml version="1.0" encoding="utf-8"?>
+<file path=ppt/slides/slide15.xml><?xml version="1.0" encoding="utf-8"?>
 <p:sld xmlns:a="http://schemas.openxmlformats.org/drawingml/2006/main" xmlns:r="http://schemas.openxmlformats.org/officeDocument/2006/relationships" xmlns:p="http://schemas.openxmlformats.org/presentationml/2006/main">
   <p:cSld>
     <p:spTree>
@@ -17158,7 +18328,7 @@
 </p:sld>
 </file>
 
-<file path=ppt/slides/slide14.xml><?xml version="1.0" encoding="utf-8"?>
+<file path=ppt/slides/slide16.xml><?xml version="1.0" encoding="utf-8"?>
 <p:sld xmlns:a="http://schemas.openxmlformats.org/drawingml/2006/main" xmlns:r="http://schemas.openxmlformats.org/officeDocument/2006/relationships" xmlns:p="http://schemas.openxmlformats.org/presentationml/2006/main">
   <p:cSld>
     <p:spTree>
@@ -17177,10 +18347,10 @@
       </p:grpSpPr>
       <p:pic>
         <p:nvPicPr>
-          <p:cNvPr id="3" name="Picture 2">
+          <p:cNvPr id="4" name="Imagen 3" descr="Interfaz de usuario gráfica&#10;&#10;Descripción generada automáticamente">
             <a:extLst>
               <a:ext uri="{FF2B5EF4-FFF2-40B4-BE49-F238E27FC236}">
-                <a16:creationId xmlns:a16="http://schemas.microsoft.com/office/drawing/2014/main" id="{32CE4F48-49A7-4B21-BB9D-F0697CCC9DDC}"/>
+                <a16:creationId xmlns:a16="http://schemas.microsoft.com/office/drawing/2014/main" id="{B99B2EEB-33EB-486C-AEAA-272B2041D91B}"/>
               </a:ext>
             </a:extLst>
           </p:cNvPr>
@@ -17190,15 +18360,21 @@
           <p:nvPr/>
         </p:nvPicPr>
         <p:blipFill>
-          <a:blip r:embed="rId2"/>
+          <a:blip r:embed="rId2">
+            <a:extLst>
+              <a:ext uri="{28A0092B-C50C-407E-A947-70E740481C1C}">
+                <a14:useLocalDpi xmlns:a14="http://schemas.microsoft.com/office/drawing/2010/main" val="0"/>
+              </a:ext>
+            </a:extLst>
+          </a:blip>
           <a:stretch>
             <a:fillRect/>
           </a:stretch>
         </p:blipFill>
         <p:spPr>
           <a:xfrm>
-            <a:off x="401048" y="1670180"/>
-            <a:ext cx="10817464" cy="3950649"/>
+            <a:off x="0" y="1668024"/>
+            <a:ext cx="12192000" cy="3521952"/>
           </a:xfrm>
           <a:prstGeom prst="rect">
             <a:avLst/>
@@ -17249,7 +18425,7 @@
         </p:nvSpPr>
         <p:spPr>
           <a:xfrm>
-            <a:off x="3434993" y="292963"/>
+            <a:off x="3624643" y="181188"/>
             <a:ext cx="4934364" cy="1323439"/>
           </a:xfrm>
           <a:prstGeom prst="rect">
@@ -17372,8 +18548,8 @@
         </p:nvSpPr>
         <p:spPr>
           <a:xfrm>
-            <a:off x="3313964" y="1883953"/>
-            <a:ext cx="5587749" cy="717205"/>
+            <a:off x="3297951" y="2315385"/>
+            <a:ext cx="5587749" cy="452509"/>
           </a:xfrm>
           <a:prstGeom prst="roundRect">
             <a:avLst/>
@@ -17408,36 +18584,6 @@
           <a:lstStyle/>
           <a:p>
             <a:pPr algn="ctr"/>
-            <a:r>
-              <a:rPr lang="en-US" dirty="0" err="1">
-                <a:solidFill>
-                  <a:schemeClr val="bg1">
-                    <a:lumMod val="50000"/>
-                  </a:schemeClr>
-                </a:solidFill>
-              </a:rPr>
-              <a:t>Introducir</a:t>
-            </a:r>
-            <a:r>
-              <a:rPr lang="en-US" dirty="0">
-                <a:solidFill>
-                  <a:schemeClr val="bg1">
-                    <a:lumMod val="50000"/>
-                  </a:schemeClr>
-                </a:solidFill>
-              </a:rPr>
-              <a:t> </a:t>
-            </a:r>
-            <a:r>
-              <a:rPr lang="es-VE" dirty="0">
-                <a:solidFill>
-                  <a:schemeClr val="bg1">
-                    <a:lumMod val="50000"/>
-                  </a:schemeClr>
-                </a:solidFill>
-              </a:rPr>
-              <a:t>nombre de usuario</a:t>
-            </a:r>
             <a:endParaRPr lang="en-US" dirty="0">
               <a:solidFill>
                 <a:schemeClr val="bg1">
@@ -17462,8 +18608,8 @@
         </p:nvSpPr>
         <p:spPr>
           <a:xfrm>
-            <a:off x="3313965" y="2830369"/>
-            <a:ext cx="5587748" cy="717205"/>
+            <a:off x="3297952" y="3429000"/>
+            <a:ext cx="5587748" cy="404066"/>
           </a:xfrm>
           <a:prstGeom prst="roundRect">
             <a:avLst/>
@@ -17498,16 +18644,6 @@
           <a:lstStyle/>
           <a:p>
             <a:pPr algn="ctr"/>
-            <a:r>
-              <a:rPr lang="es-VE" dirty="0">
-                <a:solidFill>
-                  <a:schemeClr val="bg1">
-                    <a:lumMod val="50000"/>
-                  </a:schemeClr>
-                </a:solidFill>
-              </a:rPr>
-              <a:t>Introducir contraseña</a:t>
-            </a:r>
             <a:endParaRPr lang="en-US" dirty="0">
               <a:solidFill>
                 <a:schemeClr val="bg1">
@@ -17532,14 +18668,14 @@
         </p:nvSpPr>
         <p:spPr>
           <a:xfrm>
-            <a:off x="3313964" y="3776785"/>
+            <a:off x="3343958" y="5287188"/>
             <a:ext cx="5587748" cy="717205"/>
           </a:xfrm>
           <a:prstGeom prst="roundRect">
             <a:avLst/>
           </a:prstGeom>
           <a:solidFill>
-            <a:schemeClr val="accent6"/>
+            <a:srgbClr val="00B0F0"/>
           </a:solidFill>
           <a:ln>
             <a:noFill/>
@@ -17572,7 +18708,7 @@
                   <a:schemeClr val="bg1"/>
                 </a:solidFill>
               </a:rPr>
-              <a:t>Iniciar sesión</a:t>
+              <a:t>Entrar como invitado</a:t>
             </a:r>
             <a:endParaRPr lang="en-US" sz="2000" dirty="0">
               <a:solidFill>
@@ -17596,8 +18732,72 @@
         </p:nvSpPr>
         <p:spPr>
           <a:xfrm>
-            <a:off x="3292948" y="5321666"/>
-            <a:ext cx="2782036" cy="717205"/>
+            <a:off x="3343958" y="4095301"/>
+            <a:ext cx="2747868" cy="659640"/>
+          </a:xfrm>
+          <a:prstGeom prst="roundRect">
+            <a:avLst/>
+          </a:prstGeom>
+          <a:solidFill>
+            <a:srgbClr val="0070C0"/>
+          </a:solidFill>
+          <a:ln>
+            <a:noFill/>
+          </a:ln>
+        </p:spPr>
+        <p:style>
+          <a:lnRef idx="2">
+            <a:schemeClr val="accent1">
+              <a:shade val="50000"/>
+            </a:schemeClr>
+          </a:lnRef>
+          <a:fillRef idx="1">
+            <a:schemeClr val="accent1"/>
+          </a:fillRef>
+          <a:effectRef idx="0">
+            <a:schemeClr val="accent1"/>
+          </a:effectRef>
+          <a:fontRef idx="minor">
+            <a:schemeClr val="lt1"/>
+          </a:fontRef>
+        </p:style>
+        <p:txBody>
+          <a:bodyPr rtlCol="0" anchor="ctr"/>
+          <a:lstStyle/>
+          <a:p>
+            <a:pPr algn="ctr"/>
+            <a:r>
+              <a:rPr lang="es-VE" sz="2000" dirty="0">
+                <a:solidFill>
+                  <a:schemeClr val="bg1"/>
+                </a:solidFill>
+              </a:rPr>
+              <a:t>Registrarse</a:t>
+            </a:r>
+            <a:endParaRPr lang="en-US" sz="2000" dirty="0">
+              <a:solidFill>
+                <a:schemeClr val="bg1"/>
+              </a:solidFill>
+            </a:endParaRPr>
+          </a:p>
+        </p:txBody>
+      </p:sp>
+      <p:sp>
+        <p:nvSpPr>
+          <p:cNvPr id="9" name="Rectangle: Rounded Corners 8">
+            <a:extLst>
+              <a:ext uri="{FF2B5EF4-FFF2-40B4-BE49-F238E27FC236}">
+                <a16:creationId xmlns:a16="http://schemas.microsoft.com/office/drawing/2014/main" id="{EE5EBCA1-054E-4BC4-B339-25A909D5D971}"/>
+              </a:ext>
+            </a:extLst>
+          </p:cNvPr>
+          <p:cNvSpPr/>
+          <p:nvPr/>
+        </p:nvSpPr>
+        <p:spPr>
+          <a:xfrm>
+            <a:off x="6149671" y="4097584"/>
+            <a:ext cx="2782036" cy="657357"/>
           </a:xfrm>
           <a:prstGeom prst="roundRect">
             <a:avLst/>
@@ -17636,71 +18836,7 @@
                   <a:schemeClr val="bg1"/>
                 </a:solidFill>
               </a:rPr>
-              <a:t>Crear usuario</a:t>
-            </a:r>
-            <a:endParaRPr lang="en-US" sz="2000" dirty="0">
-              <a:solidFill>
-                <a:schemeClr val="bg1"/>
-              </a:solidFill>
-            </a:endParaRPr>
-          </a:p>
-        </p:txBody>
-      </p:sp>
-      <p:sp>
-        <p:nvSpPr>
-          <p:cNvPr id="9" name="Rectangle: Rounded Corners 8">
-            <a:extLst>
-              <a:ext uri="{FF2B5EF4-FFF2-40B4-BE49-F238E27FC236}">
-                <a16:creationId xmlns:a16="http://schemas.microsoft.com/office/drawing/2014/main" id="{EE5EBCA1-054E-4BC4-B339-25A909D5D971}"/>
-              </a:ext>
-            </a:extLst>
-          </p:cNvPr>
-          <p:cNvSpPr/>
-          <p:nvPr/>
-        </p:nvSpPr>
-        <p:spPr>
-          <a:xfrm>
-            <a:off x="6149670" y="5321665"/>
-            <a:ext cx="2782036" cy="717205"/>
-          </a:xfrm>
-          <a:prstGeom prst="roundRect">
-            <a:avLst/>
-          </a:prstGeom>
-          <a:solidFill>
-            <a:srgbClr val="00B050"/>
-          </a:solidFill>
-          <a:ln>
-            <a:noFill/>
-          </a:ln>
-        </p:spPr>
-        <p:style>
-          <a:lnRef idx="2">
-            <a:schemeClr val="accent1">
-              <a:shade val="50000"/>
-            </a:schemeClr>
-          </a:lnRef>
-          <a:fillRef idx="1">
-            <a:schemeClr val="accent1"/>
-          </a:fillRef>
-          <a:effectRef idx="0">
-            <a:schemeClr val="accent1"/>
-          </a:effectRef>
-          <a:fontRef idx="minor">
-            <a:schemeClr val="lt1"/>
-          </a:fontRef>
-        </p:style>
-        <p:txBody>
-          <a:bodyPr rtlCol="0" anchor="ctr"/>
-          <a:lstStyle/>
-          <a:p>
-            <a:pPr algn="ctr"/>
-            <a:r>
-              <a:rPr lang="es-VE" sz="2000" dirty="0">
-                <a:solidFill>
-                  <a:schemeClr val="bg1"/>
-                </a:solidFill>
-              </a:rPr>
-              <a:t>Entrar como invitado</a:t>
+              <a:t>Iniciar sesión</a:t>
             </a:r>
             <a:endParaRPr lang="en-US" sz="2000" dirty="0">
               <a:solidFill>
@@ -17724,7 +18860,7 @@
         </p:nvSpPr>
         <p:spPr>
           <a:xfrm>
-            <a:off x="4783944" y="4493988"/>
+            <a:off x="4813938" y="4861472"/>
             <a:ext cx="2747868" cy="338554"/>
           </a:xfrm>
           <a:prstGeom prst="rect">
@@ -17751,6 +18887,79 @@
                 <a:schemeClr val="accent6"/>
               </a:solidFill>
             </a:endParaRPr>
+          </a:p>
+        </p:txBody>
+      </p:sp>
+      <p:sp>
+        <p:nvSpPr>
+          <p:cNvPr id="11" name="CuadroTexto 10">
+            <a:extLst>
+              <a:ext uri="{FF2B5EF4-FFF2-40B4-BE49-F238E27FC236}">
+                <a16:creationId xmlns:a16="http://schemas.microsoft.com/office/drawing/2014/main" id="{7C80E9FF-45B6-4C3E-AAB7-EA3605970F71}"/>
+              </a:ext>
+            </a:extLst>
+          </p:cNvPr>
+          <p:cNvSpPr txBox="1"/>
+          <p:nvPr/>
+        </p:nvSpPr>
+        <p:spPr>
+          <a:xfrm>
+            <a:off x="3042938" y="2978211"/>
+            <a:ext cx="6112042" cy="369332"/>
+          </a:xfrm>
+          <a:prstGeom prst="rect">
+            <a:avLst/>
+          </a:prstGeom>
+          <a:noFill/>
+        </p:spPr>
+        <p:txBody>
+          <a:bodyPr wrap="square">
+            <a:spAutoFit/>
+          </a:bodyPr>
+          <a:lstStyle/>
+          <a:p>
+            <a:pPr algn="ctr"/>
+            <a:r>
+              <a:rPr lang="es-VE" dirty="0"/>
+              <a:t>Contraseña</a:t>
+            </a:r>
+            <a:endParaRPr lang="en-US" dirty="0"/>
+          </a:p>
+        </p:txBody>
+      </p:sp>
+      <p:sp>
+        <p:nvSpPr>
+          <p:cNvPr id="13" name="CuadroTexto 12">
+            <a:extLst>
+              <a:ext uri="{FF2B5EF4-FFF2-40B4-BE49-F238E27FC236}">
+                <a16:creationId xmlns:a16="http://schemas.microsoft.com/office/drawing/2014/main" id="{67F2E606-7569-4509-89E0-8F8B02C07865}"/>
+              </a:ext>
+            </a:extLst>
+          </p:cNvPr>
+          <p:cNvSpPr txBox="1"/>
+          <p:nvPr/>
+        </p:nvSpPr>
+        <p:spPr>
+          <a:xfrm>
+            <a:off x="5044872" y="1806756"/>
+            <a:ext cx="2286000" cy="369332"/>
+          </a:xfrm>
+          <a:prstGeom prst="rect">
+            <a:avLst/>
+          </a:prstGeom>
+          <a:noFill/>
+        </p:spPr>
+        <p:txBody>
+          <a:bodyPr wrap="square">
+            <a:spAutoFit/>
+          </a:bodyPr>
+          <a:lstStyle/>
+          <a:p>
+            <a:r>
+              <a:rPr lang="es-VE" dirty="0"/>
+              <a:t>Nombre de usuario</a:t>
+            </a:r>
+            <a:endParaRPr lang="es-ES" dirty="0"/>
           </a:p>
         </p:txBody>
       </p:sp>
@@ -18165,7 +19374,7 @@
                   <a:schemeClr val="bg1"/>
                 </a:solidFill>
               </a:rPr>
-              <a:t>Enviar</a:t>
+              <a:t>Registrarse</a:t>
             </a:r>
             <a:endParaRPr lang="en-US" sz="2000" dirty="0">
               <a:solidFill>
@@ -18661,7 +19870,7 @@
                   <a:schemeClr val="bg1"/>
                 </a:solidFill>
               </a:rPr>
-              <a:t>Volver</a:t>
+              <a:t>Cancelar</a:t>
             </a:r>
             <a:endParaRPr lang="en-US" sz="2000" dirty="0">
               <a:solidFill>
@@ -20531,7 +21740,7 @@
         </p:nvSpPr>
         <p:spPr>
           <a:xfrm>
-            <a:off x="8518358" y="1431755"/>
+            <a:off x="8518358" y="1301787"/>
             <a:ext cx="3324453" cy="603523"/>
           </a:xfrm>
           <a:prstGeom prst="roundRect">
@@ -20581,7 +21790,7 @@
         </p:nvSpPr>
         <p:spPr>
           <a:xfrm>
-            <a:off x="8541023" y="1528686"/>
+            <a:off x="8541023" y="1398718"/>
             <a:ext cx="3278463" cy="400110"/>
           </a:xfrm>
           <a:prstGeom prst="rect">
@@ -20778,8 +21987,8 @@
         </p:nvSpPr>
         <p:spPr>
           <a:xfrm>
-            <a:off x="94695" y="1118586"/>
-            <a:ext cx="12002610" cy="5632883"/>
+            <a:off x="0" y="1"/>
+            <a:ext cx="12192000" cy="6857999"/>
           </a:xfrm>
           <a:prstGeom prst="rect">
             <a:avLst/>
@@ -20833,8 +22042,8 @@
         </p:nvSpPr>
         <p:spPr>
           <a:xfrm>
-            <a:off x="337350" y="1359762"/>
-            <a:ext cx="11505461" cy="2069238"/>
+            <a:off x="344762" y="913585"/>
+            <a:ext cx="11503968" cy="5623573"/>
           </a:xfrm>
           <a:prstGeom prst="rect">
             <a:avLst/>
@@ -20891,8 +22100,8 @@
         </p:nvSpPr>
         <p:spPr>
           <a:xfrm>
-            <a:off x="3490588" y="1509204"/>
-            <a:ext cx="2457724" cy="1569660"/>
+            <a:off x="2659054" y="974636"/>
+            <a:ext cx="2705759" cy="400110"/>
           </a:xfrm>
           <a:prstGeom prst="rect">
             <a:avLst/>
@@ -20900,14 +22109,14 @@
           <a:noFill/>
         </p:spPr>
         <p:txBody>
-          <a:bodyPr wrap="none" lIns="91440" tIns="45720" rIns="91440" bIns="45720">
+          <a:bodyPr wrap="square" lIns="91440" tIns="45720" rIns="91440" bIns="45720">
             <a:spAutoFit/>
           </a:bodyPr>
           <a:lstStyle/>
           <a:p>
             <a:pPr algn="ctr"/>
             <a:r>
-              <a:rPr lang="en-US" sz="4000" b="0" cap="none" spc="0" dirty="0" err="1">
+              <a:rPr lang="en-US" sz="2000" b="0" cap="none" spc="0" dirty="0" err="1">
                 <a:ln w="0"/>
                 <a:solidFill>
                   <a:schemeClr val="tx1"/>
@@ -20920,10 +22129,10 @@
                   </a:outerShdw>
                 </a:effectLst>
               </a:rPr>
-              <a:t>Consejo</a:t>
-            </a:r>
-            <a:r>
-              <a:rPr lang="en-US" sz="4000" b="0" cap="none" spc="0" dirty="0">
+              <a:t>Nombre</a:t>
+            </a:r>
+            <a:r>
+              <a:rPr lang="en-US" sz="2000" b="0" cap="none" spc="0" dirty="0">
                 <a:ln w="0"/>
                 <a:solidFill>
                   <a:schemeClr val="tx1"/>
@@ -20936,52 +22145,8 @@
                   </a:outerShdw>
                 </a:effectLst>
               </a:rPr>
-              <a:t> 1</a:t>
-            </a:r>
-          </a:p>
-          <a:p>
-            <a:pPr algn="ctr"/>
-            <a:endParaRPr lang="en-US" sz="3600" b="0" cap="none" spc="0" dirty="0">
-              <a:ln w="0"/>
-              <a:solidFill>
-                <a:schemeClr val="tx1"/>
-              </a:solidFill>
-              <a:effectLst>
-                <a:outerShdw blurRad="38100" dist="19050" dir="2700000" algn="tl" rotWithShape="0">
-                  <a:schemeClr val="dk1">
-                    <a:alpha val="40000"/>
-                  </a:schemeClr>
-                </a:outerShdw>
-              </a:effectLst>
-            </a:endParaRPr>
-          </a:p>
-          <a:p>
-            <a:r>
-              <a:rPr lang="en-US" sz="2000" dirty="0" err="1">
-                <a:ln w="0"/>
-                <a:effectLst>
-                  <a:outerShdw blurRad="38100" dist="19050" dir="2700000" algn="tl" rotWithShape="0">
-                    <a:schemeClr val="dk1">
-                      <a:alpha val="40000"/>
-                    </a:schemeClr>
-                  </a:outerShdw>
-                </a:effectLst>
-              </a:rPr>
-              <a:t>Detalles</a:t>
-            </a:r>
-            <a:endParaRPr lang="en-US" sz="2000" b="0" cap="none" spc="0" dirty="0">
-              <a:ln w="0"/>
-              <a:solidFill>
-                <a:schemeClr val="tx1"/>
-              </a:solidFill>
-              <a:effectLst>
-                <a:outerShdw blurRad="38100" dist="19050" dir="2700000" algn="tl" rotWithShape="0">
-                  <a:schemeClr val="dk1">
-                    <a:alpha val="40000"/>
-                  </a:schemeClr>
-                </a:outerShdw>
-              </a:effectLst>
-            </a:endParaRPr>
+              <a:t>:</a:t>
+            </a:r>
           </a:p>
         </p:txBody>
       </p:sp>
@@ -20999,8 +22164,8 @@
         </p:nvSpPr>
         <p:spPr>
           <a:xfrm>
-            <a:off x="559293" y="1509204"/>
-            <a:ext cx="2805344" cy="1713390"/>
+            <a:off x="565576" y="1243971"/>
+            <a:ext cx="2289919" cy="1694985"/>
           </a:xfrm>
           <a:prstGeom prst="rect">
             <a:avLst/>
@@ -21039,7 +22204,18 @@
                   <a:schemeClr val="tx1"/>
                 </a:solidFill>
               </a:rPr>
-              <a:t>Imagen</a:t>
+              <a:t>Adjuntar foto</a:t>
+            </a:r>
+          </a:p>
+          <a:p>
+            <a:pPr algn="ctr"/>
+            <a:r>
+              <a:rPr lang="es-VE" dirty="0">
+                <a:solidFill>
+                  <a:schemeClr val="tx1"/>
+                </a:solidFill>
+              </a:rPr>
+              <a:t>del gato</a:t>
             </a:r>
             <a:endParaRPr lang="en-US" dirty="0">
               <a:solidFill>
@@ -21051,10 +22227,10 @@
       </p:sp>
       <p:sp>
         <p:nvSpPr>
-          <p:cNvPr id="10" name="Rectangle 9">
+          <p:cNvPr id="23" name="Rectangle: Rounded Corners 7">
             <a:extLst>
               <a:ext uri="{FF2B5EF4-FFF2-40B4-BE49-F238E27FC236}">
-                <a16:creationId xmlns:a16="http://schemas.microsoft.com/office/drawing/2014/main" id="{48D1187B-93F3-4F98-A980-CDE35D5A5B7C}"/>
+                <a16:creationId xmlns:a16="http://schemas.microsoft.com/office/drawing/2014/main" id="{AB7E9AEE-AEE4-4A8F-8EFF-C9B6D41E71CC}"/>
               </a:ext>
             </a:extLst>
           </p:cNvPr>
@@ -21063,16 +22239,14 @@
         </p:nvSpPr>
         <p:spPr>
           <a:xfrm>
-            <a:off x="337350" y="3670176"/>
-            <a:ext cx="11505461" cy="2069238"/>
+            <a:off x="10469197" y="6016534"/>
+            <a:ext cx="1204814" cy="373125"/>
           </a:xfrm>
-          <a:prstGeom prst="rect">
+          <a:prstGeom prst="roundRect">
             <a:avLst/>
           </a:prstGeom>
           <a:solidFill>
-            <a:schemeClr val="bg1">
-              <a:lumMod val="85000"/>
-            </a:schemeClr>
+            <a:srgbClr val="00B050"/>
           </a:solidFill>
           <a:ln>
             <a:noFill/>
@@ -21099,7 +22273,15 @@
           <a:lstStyle/>
           <a:p>
             <a:pPr algn="ctr"/>
-            <a:endParaRPr lang="en-US" b="1" dirty="0">
+            <a:r>
+              <a:rPr lang="es-VE" sz="2000" dirty="0">
+                <a:solidFill>
+                  <a:schemeClr val="bg1"/>
+                </a:solidFill>
+              </a:rPr>
+              <a:t>Enviar</a:t>
+            </a:r>
+            <a:endParaRPr lang="en-US" sz="2000" dirty="0">
               <a:solidFill>
                 <a:schemeClr val="bg1"/>
               </a:solidFill>
@@ -21109,10 +22291,10 @@
       </p:sp>
       <p:sp>
         <p:nvSpPr>
-          <p:cNvPr id="11" name="Rectangle 10">
+          <p:cNvPr id="10" name="Rectangle 7">
             <a:extLst>
               <a:ext uri="{FF2B5EF4-FFF2-40B4-BE49-F238E27FC236}">
-                <a16:creationId xmlns:a16="http://schemas.microsoft.com/office/drawing/2014/main" id="{A1716EC3-E2BF-4FB4-BD24-01ECCA06BB98}"/>
+                <a16:creationId xmlns:a16="http://schemas.microsoft.com/office/drawing/2014/main" id="{90364EA8-F441-4969-B974-AA05038E7DC2}"/>
               </a:ext>
             </a:extLst>
           </p:cNvPr>
@@ -21121,8 +22303,8 @@
         </p:nvSpPr>
         <p:spPr>
           <a:xfrm>
-            <a:off x="3490588" y="3891483"/>
-            <a:ext cx="2457724" cy="1569660"/>
+            <a:off x="2427112" y="1807455"/>
+            <a:ext cx="2705759" cy="400110"/>
           </a:xfrm>
           <a:prstGeom prst="rect">
             <a:avLst/>
@@ -21130,14 +22312,72 @@
           <a:noFill/>
         </p:spPr>
         <p:txBody>
-          <a:bodyPr wrap="none" lIns="91440" tIns="45720" rIns="91440" bIns="45720">
+          <a:bodyPr wrap="square" lIns="91440" tIns="45720" rIns="91440" bIns="45720">
             <a:spAutoFit/>
           </a:bodyPr>
           <a:lstStyle/>
           <a:p>
             <a:pPr algn="ctr"/>
             <a:r>
-              <a:rPr lang="en-US" sz="4000" b="0" cap="none" spc="0" dirty="0" err="1">
+              <a:rPr lang="es-ES" sz="2000" dirty="0">
+                <a:ln w="0"/>
+                <a:effectLst>
+                  <a:outerShdw blurRad="38100" dist="19050" dir="2700000" algn="tl" rotWithShape="0">
+                    <a:schemeClr val="dk1">
+                      <a:alpha val="40000"/>
+                    </a:schemeClr>
+                  </a:outerShdw>
+                </a:effectLst>
+              </a:rPr>
+              <a:t>Sexo</a:t>
+            </a:r>
+            <a:endParaRPr lang="en-US" sz="2000" b="0" cap="none" spc="0" dirty="0">
+              <a:ln w="0"/>
+              <a:solidFill>
+                <a:schemeClr val="tx1"/>
+              </a:solidFill>
+              <a:effectLst>
+                <a:outerShdw blurRad="38100" dist="19050" dir="2700000" algn="tl" rotWithShape="0">
+                  <a:schemeClr val="dk1">
+                    <a:alpha val="40000"/>
+                  </a:schemeClr>
+                </a:outerShdw>
+              </a:effectLst>
+            </a:endParaRPr>
+          </a:p>
+        </p:txBody>
+      </p:sp>
+      <p:sp>
+        <p:nvSpPr>
+          <p:cNvPr id="11" name="Rectangle 7">
+            <a:extLst>
+              <a:ext uri="{FF2B5EF4-FFF2-40B4-BE49-F238E27FC236}">
+                <a16:creationId xmlns:a16="http://schemas.microsoft.com/office/drawing/2014/main" id="{0770023B-CFEC-4FA0-A47A-2FF0C25D6C0E}"/>
+              </a:ext>
+            </a:extLst>
+          </p:cNvPr>
+          <p:cNvSpPr/>
+          <p:nvPr/>
+        </p:nvSpPr>
+        <p:spPr>
+          <a:xfrm>
+            <a:off x="3002431" y="2675140"/>
+            <a:ext cx="1555120" cy="400110"/>
+          </a:xfrm>
+          <a:prstGeom prst="rect">
+            <a:avLst/>
+          </a:prstGeom>
+          <a:noFill/>
+        </p:spPr>
+        <p:txBody>
+          <a:bodyPr wrap="square" lIns="91440" tIns="45720" rIns="91440" bIns="45720">
+            <a:spAutoFit/>
+          </a:bodyPr>
+          <a:lstStyle/>
+          <a:p>
+            <a:pPr algn="ctr"/>
+            <a:r>
+              <a:rPr lang="en-US" sz="2000" b="0" cap="none" spc="0" dirty="0">
                 <a:ln w="0"/>
                 <a:solidFill>
                   <a:schemeClr val="tx1"/>
@@ -21150,10 +22390,42 @@
                   </a:outerShdw>
                 </a:effectLst>
               </a:rPr>
-              <a:t>Consejo</a:t>
-            </a:r>
-            <a:r>
-              <a:rPr lang="en-US" sz="4000" b="0" cap="none" spc="0" dirty="0">
+              <a:t>Raza</a:t>
+            </a:r>
+          </a:p>
+        </p:txBody>
+      </p:sp>
+      <p:sp>
+        <p:nvSpPr>
+          <p:cNvPr id="12" name="Rectangle 7">
+            <a:extLst>
+              <a:ext uri="{FF2B5EF4-FFF2-40B4-BE49-F238E27FC236}">
+                <a16:creationId xmlns:a16="http://schemas.microsoft.com/office/drawing/2014/main" id="{57475E8F-A8C2-4B15-A5EE-4350442BC716}"/>
+              </a:ext>
+            </a:extLst>
+          </p:cNvPr>
+          <p:cNvSpPr/>
+          <p:nvPr/>
+        </p:nvSpPr>
+        <p:spPr>
+          <a:xfrm>
+            <a:off x="3002431" y="3509940"/>
+            <a:ext cx="1574261" cy="400110"/>
+          </a:xfrm>
+          <a:prstGeom prst="rect">
+            <a:avLst/>
+          </a:prstGeom>
+          <a:noFill/>
+        </p:spPr>
+        <p:txBody>
+          <a:bodyPr wrap="square" lIns="91440" tIns="45720" rIns="91440" bIns="45720">
+            <a:spAutoFit/>
+          </a:bodyPr>
+          <a:lstStyle/>
+          <a:p>
+            <a:pPr algn="ctr"/>
+            <a:r>
+              <a:rPr lang="en-US" sz="2000" b="0" cap="none" spc="0" dirty="0" err="1">
                 <a:ln w="0"/>
                 <a:solidFill>
                   <a:schemeClr val="tx1"/>
@@ -21166,12 +22438,9 @@
                   </a:outerShdw>
                 </a:effectLst>
               </a:rPr>
-              <a:t> 2</a:t>
-            </a:r>
-          </a:p>
-          <a:p>
-            <a:pPr algn="ctr"/>
-            <a:endParaRPr lang="en-US" sz="3600" b="0" cap="none" spc="0" dirty="0">
+              <a:t>Edad</a:t>
+            </a:r>
+            <a:endParaRPr lang="en-US" sz="2000" b="0" cap="none" spc="0" dirty="0">
               <a:ln w="0"/>
               <a:solidFill>
                 <a:schemeClr val="tx1"/>
@@ -21185,42 +22454,14 @@
               </a:effectLst>
             </a:endParaRPr>
           </a:p>
-          <a:p>
-            <a:r>
-              <a:rPr lang="en-US" sz="2000" dirty="0" err="1">
-                <a:ln w="0"/>
-                <a:effectLst>
-                  <a:outerShdw blurRad="38100" dist="19050" dir="2700000" algn="tl" rotWithShape="0">
-                    <a:schemeClr val="dk1">
-                      <a:alpha val="40000"/>
-                    </a:schemeClr>
-                  </a:outerShdw>
-                </a:effectLst>
-              </a:rPr>
-              <a:t>Detalles</a:t>
-            </a:r>
-            <a:endParaRPr lang="en-US" sz="2000" b="0" cap="none" spc="0" dirty="0">
-              <a:ln w="0"/>
-              <a:solidFill>
-                <a:schemeClr val="tx1"/>
-              </a:solidFill>
-              <a:effectLst>
-                <a:outerShdw blurRad="38100" dist="19050" dir="2700000" algn="tl" rotWithShape="0">
-                  <a:schemeClr val="dk1">
-                    <a:alpha val="40000"/>
-                  </a:schemeClr>
-                </a:outerShdw>
-              </a:effectLst>
-            </a:endParaRPr>
-          </a:p>
         </p:txBody>
       </p:sp>
       <p:sp>
         <p:nvSpPr>
-          <p:cNvPr id="12" name="Rectangle 11">
+          <p:cNvPr id="13" name="Rectangle: Rounded Corners 7">
             <a:extLst>
               <a:ext uri="{FF2B5EF4-FFF2-40B4-BE49-F238E27FC236}">
-                <a16:creationId xmlns:a16="http://schemas.microsoft.com/office/drawing/2014/main" id="{DDAB76A2-ABB1-4E2C-A3B8-B14276C33DB0}"/>
+                <a16:creationId xmlns:a16="http://schemas.microsoft.com/office/drawing/2014/main" id="{310BFD69-1F15-427B-861B-A241F2FB2CA8}"/>
               </a:ext>
             </a:extLst>
           </p:cNvPr>
@@ -21229,10 +22470,10 @@
         </p:nvSpPr>
         <p:spPr>
           <a:xfrm>
-            <a:off x="559293" y="3819618"/>
-            <a:ext cx="2805344" cy="1713390"/>
+            <a:off x="3457935" y="1396105"/>
+            <a:ext cx="4561594" cy="356655"/>
           </a:xfrm>
-          <a:prstGeom prst="rect">
+          <a:prstGeom prst="roundRect">
             <a:avLst/>
           </a:prstGeom>
           <a:solidFill>
@@ -21263,17 +22504,9 @@
           <a:lstStyle/>
           <a:p>
             <a:pPr algn="ctr"/>
-            <a:r>
-              <a:rPr lang="es-VE" dirty="0">
-                <a:solidFill>
-                  <a:schemeClr val="tx1"/>
-                </a:solidFill>
-              </a:rPr>
-              <a:t>Imagen</a:t>
-            </a:r>
-            <a:endParaRPr lang="en-US" dirty="0">
-              <a:solidFill>
-                <a:schemeClr val="tx1"/>
+            <a:endParaRPr lang="en-US" sz="2000" dirty="0">
+              <a:solidFill>
+                <a:schemeClr val="bg1"/>
               </a:solidFill>
             </a:endParaRPr>
           </a:p>
@@ -21281,10 +22514,10 @@
       </p:sp>
       <p:sp>
         <p:nvSpPr>
-          <p:cNvPr id="14" name="Rectangle 1">
+          <p:cNvPr id="20" name="Rectangle 7">
             <a:extLst>
               <a:ext uri="{FF2B5EF4-FFF2-40B4-BE49-F238E27FC236}">
-                <a16:creationId xmlns:a16="http://schemas.microsoft.com/office/drawing/2014/main" id="{DD2453B6-0793-4062-A020-42CCAD792199}"/>
+                <a16:creationId xmlns:a16="http://schemas.microsoft.com/office/drawing/2014/main" id="{1B21C023-4A84-4225-A23A-96D93AF1007C}"/>
               </a:ext>
             </a:extLst>
           </p:cNvPr>
@@ -21293,17 +22526,72 @@
         </p:nvSpPr>
         <p:spPr>
           <a:xfrm>
-            <a:off x="94695" y="106531"/>
-            <a:ext cx="12002610" cy="905523"/>
+            <a:off x="1685857" y="131290"/>
+            <a:ext cx="8783340" cy="707886"/>
           </a:xfrm>
           <a:prstGeom prst="rect">
             <a:avLst/>
           </a:prstGeom>
+          <a:noFill/>
+        </p:spPr>
+        <p:txBody>
+          <a:bodyPr wrap="square" lIns="91440" tIns="45720" rIns="91440" bIns="45720">
+            <a:spAutoFit/>
+          </a:bodyPr>
+          <a:lstStyle/>
+          <a:p>
+            <a:pPr algn="ctr"/>
+            <a:r>
+              <a:rPr lang="es-VE" sz="4000" dirty="0">
+                <a:ln w="0"/>
+                <a:effectLst>
+                  <a:outerShdw blurRad="38100" dist="19050" dir="2700000" algn="tl" rotWithShape="0">
+                    <a:schemeClr val="dk1">
+                      <a:alpha val="40000"/>
+                    </a:schemeClr>
+                  </a:outerShdw>
+                </a:effectLst>
+              </a:rPr>
+              <a:t>¡Le encontramos un hogar a tu gato!</a:t>
+            </a:r>
+            <a:endParaRPr lang="en-US" sz="4000" b="0" cap="none" spc="0" dirty="0">
+              <a:ln w="0"/>
+              <a:solidFill>
+                <a:schemeClr val="tx1"/>
+              </a:solidFill>
+              <a:effectLst>
+                <a:outerShdw blurRad="38100" dist="19050" dir="2700000" algn="tl" rotWithShape="0">
+                  <a:schemeClr val="dk1">
+                    <a:alpha val="40000"/>
+                  </a:schemeClr>
+                </a:outerShdw>
+              </a:effectLst>
+            </a:endParaRPr>
+          </a:p>
+        </p:txBody>
+      </p:sp>
+      <p:sp>
+        <p:nvSpPr>
+          <p:cNvPr id="19" name="Rectangle: Rounded Corners 7">
+            <a:extLst>
+              <a:ext uri="{FF2B5EF4-FFF2-40B4-BE49-F238E27FC236}">
+                <a16:creationId xmlns:a16="http://schemas.microsoft.com/office/drawing/2014/main" id="{37756DB1-02FF-440E-89E2-A0CE8E69491C}"/>
+              </a:ext>
+            </a:extLst>
+          </p:cNvPr>
+          <p:cNvSpPr/>
+          <p:nvPr/>
+        </p:nvSpPr>
+        <p:spPr>
+          <a:xfrm>
+            <a:off x="3352737" y="6016533"/>
+            <a:ext cx="1204814" cy="373125"/>
+          </a:xfrm>
+          <a:prstGeom prst="roundRect">
+            <a:avLst/>
+          </a:prstGeom>
           <a:solidFill>
-            <a:schemeClr val="tx1">
-              <a:lumMod val="65000"/>
-              <a:lumOff val="35000"/>
-            </a:schemeClr>
+            <a:srgbClr val="0070C0"/>
           </a:solidFill>
           <a:ln>
             <a:noFill/>
@@ -21329,63 +22617,424 @@
           <a:bodyPr rtlCol="0" anchor="ctr"/>
           <a:lstStyle/>
           <a:p>
-            <a:r>
-              <a:rPr lang="es-VE" b="1" dirty="0">
-                <a:solidFill>
-                  <a:srgbClr val="00B0F0"/>
-                </a:solidFill>
-              </a:rPr>
-              <a:t>*logo*      </a:t>
-            </a:r>
-            <a:r>
-              <a:rPr lang="es-VE" b="1" dirty="0">
+            <a:pPr algn="ctr"/>
+            <a:r>
+              <a:rPr lang="es-VE" sz="2000" dirty="0">
                 <a:solidFill>
                   <a:schemeClr val="bg1"/>
                 </a:solidFill>
               </a:rPr>
-              <a:t>Adopción     </a:t>
-            </a:r>
-            <a:r>
-              <a:rPr lang="es-VE" b="1" u="sng" dirty="0">
+              <a:t>Volver</a:t>
+            </a:r>
+            <a:endParaRPr lang="en-US" sz="2000" dirty="0">
+              <a:solidFill>
+                <a:schemeClr val="bg1"/>
+              </a:solidFill>
+            </a:endParaRPr>
+          </a:p>
+        </p:txBody>
+      </p:sp>
+      <p:sp>
+        <p:nvSpPr>
+          <p:cNvPr id="21" name="Rectangle: Rounded Corners 7">
+            <a:extLst>
+              <a:ext uri="{FF2B5EF4-FFF2-40B4-BE49-F238E27FC236}">
+                <a16:creationId xmlns:a16="http://schemas.microsoft.com/office/drawing/2014/main" id="{9885FB0B-B4BB-4A73-993B-E8E6430310FF}"/>
+              </a:ext>
+            </a:extLst>
+          </p:cNvPr>
+          <p:cNvSpPr/>
+          <p:nvPr/>
+        </p:nvSpPr>
+        <p:spPr>
+          <a:xfrm>
+            <a:off x="3457935" y="2239373"/>
+            <a:ext cx="4561594" cy="351405"/>
+          </a:xfrm>
+          <a:prstGeom prst="roundRect">
+            <a:avLst/>
+          </a:prstGeom>
+          <a:solidFill>
+            <a:schemeClr val="bg1"/>
+          </a:solidFill>
+          <a:ln>
+            <a:noFill/>
+          </a:ln>
+        </p:spPr>
+        <p:style>
+          <a:lnRef idx="2">
+            <a:schemeClr val="accent1">
+              <a:shade val="50000"/>
+            </a:schemeClr>
+          </a:lnRef>
+          <a:fillRef idx="1">
+            <a:schemeClr val="accent1"/>
+          </a:fillRef>
+          <a:effectRef idx="0">
+            <a:schemeClr val="accent1"/>
+          </a:effectRef>
+          <a:fontRef idx="minor">
+            <a:schemeClr val="lt1"/>
+          </a:fontRef>
+        </p:style>
+        <p:txBody>
+          <a:bodyPr rtlCol="0" anchor="ctr"/>
+          <a:lstStyle/>
+          <a:p>
+            <a:pPr algn="ctr"/>
+            <a:endParaRPr lang="en-US" sz="2000" dirty="0">
+              <a:solidFill>
+                <a:schemeClr val="bg1"/>
+              </a:solidFill>
+            </a:endParaRPr>
+          </a:p>
+        </p:txBody>
+      </p:sp>
+      <p:sp>
+        <p:nvSpPr>
+          <p:cNvPr id="22" name="Rectangle: Rounded Corners 7">
+            <a:extLst>
+              <a:ext uri="{FF2B5EF4-FFF2-40B4-BE49-F238E27FC236}">
+                <a16:creationId xmlns:a16="http://schemas.microsoft.com/office/drawing/2014/main" id="{BFEB839F-832A-491A-B256-3224A7EDF1A5}"/>
+              </a:ext>
+            </a:extLst>
+          </p:cNvPr>
+          <p:cNvSpPr/>
+          <p:nvPr/>
+        </p:nvSpPr>
+        <p:spPr>
+          <a:xfrm>
+            <a:off x="3457935" y="3093454"/>
+            <a:ext cx="4561594" cy="351405"/>
+          </a:xfrm>
+          <a:prstGeom prst="roundRect">
+            <a:avLst/>
+          </a:prstGeom>
+          <a:solidFill>
+            <a:schemeClr val="bg1"/>
+          </a:solidFill>
+          <a:ln>
+            <a:noFill/>
+          </a:ln>
+        </p:spPr>
+        <p:style>
+          <a:lnRef idx="2">
+            <a:schemeClr val="accent1">
+              <a:shade val="50000"/>
+            </a:schemeClr>
+          </a:lnRef>
+          <a:fillRef idx="1">
+            <a:schemeClr val="accent1"/>
+          </a:fillRef>
+          <a:effectRef idx="0">
+            <a:schemeClr val="accent1"/>
+          </a:effectRef>
+          <a:fontRef idx="minor">
+            <a:schemeClr val="lt1"/>
+          </a:fontRef>
+        </p:style>
+        <p:txBody>
+          <a:bodyPr rtlCol="0" anchor="ctr"/>
+          <a:lstStyle/>
+          <a:p>
+            <a:pPr algn="ctr"/>
+            <a:endParaRPr lang="en-US" sz="2000" dirty="0">
+              <a:solidFill>
+                <a:schemeClr val="bg1"/>
+              </a:solidFill>
+            </a:endParaRPr>
+          </a:p>
+        </p:txBody>
+      </p:sp>
+      <p:sp>
+        <p:nvSpPr>
+          <p:cNvPr id="24" name="Rectangle: Rounded Corners 7">
+            <a:extLst>
+              <a:ext uri="{FF2B5EF4-FFF2-40B4-BE49-F238E27FC236}">
+                <a16:creationId xmlns:a16="http://schemas.microsoft.com/office/drawing/2014/main" id="{BB800196-C789-402B-B61F-A0CCEF10F81B}"/>
+              </a:ext>
+            </a:extLst>
+          </p:cNvPr>
+          <p:cNvSpPr/>
+          <p:nvPr/>
+        </p:nvSpPr>
+        <p:spPr>
+          <a:xfrm>
+            <a:off x="3457935" y="3932099"/>
+            <a:ext cx="4561594" cy="340102"/>
+          </a:xfrm>
+          <a:prstGeom prst="roundRect">
+            <a:avLst/>
+          </a:prstGeom>
+          <a:solidFill>
+            <a:schemeClr val="bg1"/>
+          </a:solidFill>
+          <a:ln>
+            <a:noFill/>
+          </a:ln>
+        </p:spPr>
+        <p:style>
+          <a:lnRef idx="2">
+            <a:schemeClr val="accent1">
+              <a:shade val="50000"/>
+            </a:schemeClr>
+          </a:lnRef>
+          <a:fillRef idx="1">
+            <a:schemeClr val="accent1"/>
+          </a:fillRef>
+          <a:effectRef idx="0">
+            <a:schemeClr val="accent1"/>
+          </a:effectRef>
+          <a:fontRef idx="minor">
+            <a:schemeClr val="lt1"/>
+          </a:fontRef>
+        </p:style>
+        <p:txBody>
+          <a:bodyPr rtlCol="0" anchor="ctr"/>
+          <a:lstStyle/>
+          <a:p>
+            <a:pPr algn="ctr"/>
+            <a:endParaRPr lang="en-US" sz="2000" dirty="0">
+              <a:solidFill>
+                <a:schemeClr val="bg1"/>
+              </a:solidFill>
+            </a:endParaRPr>
+          </a:p>
+        </p:txBody>
+      </p:sp>
+      <p:sp>
+        <p:nvSpPr>
+          <p:cNvPr id="18" name="Rectangle 7">
+            <a:extLst>
+              <a:ext uri="{FF2B5EF4-FFF2-40B4-BE49-F238E27FC236}">
+                <a16:creationId xmlns:a16="http://schemas.microsoft.com/office/drawing/2014/main" id="{DB221DED-D2EF-46C2-BBE5-0DA5977B10DE}"/>
+              </a:ext>
+            </a:extLst>
+          </p:cNvPr>
+          <p:cNvSpPr/>
+          <p:nvPr/>
+        </p:nvSpPr>
+        <p:spPr>
+          <a:xfrm>
+            <a:off x="3281228" y="4284801"/>
+            <a:ext cx="2083585" cy="400110"/>
+          </a:xfrm>
+          <a:prstGeom prst="rect">
+            <a:avLst/>
+          </a:prstGeom>
+          <a:noFill/>
+        </p:spPr>
+        <p:txBody>
+          <a:bodyPr wrap="square" lIns="91440" tIns="45720" rIns="91440" bIns="45720">
+            <a:spAutoFit/>
+          </a:bodyPr>
+          <a:lstStyle/>
+          <a:p>
+            <a:pPr algn="ctr"/>
+            <a:r>
+              <a:rPr lang="en-US" sz="2000" b="0" cap="none" spc="0" dirty="0">
+                <a:ln w="0"/>
                 <a:solidFill>
-                  <a:srgbClr val="00B0F0"/>
+                  <a:schemeClr val="tx1"/>
                 </a:solidFill>
+                <a:effectLst>
+                  <a:outerShdw blurRad="38100" dist="19050" dir="2700000" algn="tl" rotWithShape="0">
+                    <a:schemeClr val="dk1">
+                      <a:alpha val="40000"/>
+                    </a:schemeClr>
+                  </a:outerShdw>
+                </a:effectLst>
               </a:rPr>
-              <a:t>Consejos</a:t>
-            </a:r>
-            <a:r>
-              <a:rPr lang="es-VE" b="1" dirty="0">
+              <a:t>¿</a:t>
+            </a:r>
+            <a:r>
+              <a:rPr lang="en-US" sz="2000" b="0" cap="none" spc="0" dirty="0" err="1">
+                <a:ln w="0"/>
                 <a:solidFill>
-                  <a:schemeClr val="bg1"/>
+                  <a:schemeClr val="tx1"/>
                 </a:solidFill>
+                <a:effectLst>
+                  <a:outerShdw blurRad="38100" dist="19050" dir="2700000" algn="tl" rotWithShape="0">
+                    <a:schemeClr val="dk1">
+                      <a:alpha val="40000"/>
+                    </a:schemeClr>
+                  </a:outerShdw>
+                </a:effectLst>
               </a:rPr>
-              <a:t>       Cat-</a:t>
-            </a:r>
-            <a:r>
-              <a:rPr lang="es-VE" b="1" dirty="0" err="1">
+              <a:t>Esterilizado</a:t>
+            </a:r>
+            <a:r>
+              <a:rPr lang="en-US" sz="2000" b="0" cap="none" spc="0" dirty="0">
+                <a:ln w="0"/>
                 <a:solidFill>
-                  <a:schemeClr val="bg1"/>
+                  <a:schemeClr val="tx1"/>
                 </a:solidFill>
+                <a:effectLst>
+                  <a:outerShdw blurRad="38100" dist="19050" dir="2700000" algn="tl" rotWithShape="0">
+                    <a:schemeClr val="dk1">
+                      <a:alpha val="40000"/>
+                    </a:schemeClr>
+                  </a:outerShdw>
+                </a:effectLst>
               </a:rPr>
-              <a:t>Sitters</a:t>
-            </a:r>
-            <a:r>
-              <a:rPr lang="es-VE" b="1" dirty="0">
+              <a:t>?</a:t>
+            </a:r>
+          </a:p>
+        </p:txBody>
+      </p:sp>
+      <p:sp>
+        <p:nvSpPr>
+          <p:cNvPr id="25" name="Rectangle: Rounded Corners 7">
+            <a:extLst>
+              <a:ext uri="{FF2B5EF4-FFF2-40B4-BE49-F238E27FC236}">
+                <a16:creationId xmlns:a16="http://schemas.microsoft.com/office/drawing/2014/main" id="{53A252FC-75E8-4EB1-A849-9D540BA47253}"/>
+              </a:ext>
+            </a:extLst>
+          </p:cNvPr>
+          <p:cNvSpPr/>
+          <p:nvPr/>
+        </p:nvSpPr>
+        <p:spPr>
+          <a:xfrm>
+            <a:off x="3457935" y="4739100"/>
+            <a:ext cx="4561594" cy="400110"/>
+          </a:xfrm>
+          <a:prstGeom prst="roundRect">
+            <a:avLst/>
+          </a:prstGeom>
+          <a:solidFill>
+            <a:schemeClr val="bg1"/>
+          </a:solidFill>
+          <a:ln>
+            <a:noFill/>
+          </a:ln>
+        </p:spPr>
+        <p:style>
+          <a:lnRef idx="2">
+            <a:schemeClr val="accent1">
+              <a:shade val="50000"/>
+            </a:schemeClr>
+          </a:lnRef>
+          <a:fillRef idx="1">
+            <a:schemeClr val="accent1"/>
+          </a:fillRef>
+          <a:effectRef idx="0">
+            <a:schemeClr val="accent1"/>
+          </a:effectRef>
+          <a:fontRef idx="minor">
+            <a:schemeClr val="lt1"/>
+          </a:fontRef>
+        </p:style>
+        <p:txBody>
+          <a:bodyPr rtlCol="0" anchor="ctr"/>
+          <a:lstStyle/>
+          <a:p>
+            <a:pPr algn="ctr"/>
+            <a:endParaRPr lang="en-US" sz="2000" dirty="0">
+              <a:solidFill>
+                <a:schemeClr val="bg1"/>
+              </a:solidFill>
+            </a:endParaRPr>
+          </a:p>
+        </p:txBody>
+      </p:sp>
+      <p:sp>
+        <p:nvSpPr>
+          <p:cNvPr id="26" name="Rectangle 7">
+            <a:extLst>
+              <a:ext uri="{FF2B5EF4-FFF2-40B4-BE49-F238E27FC236}">
+                <a16:creationId xmlns:a16="http://schemas.microsoft.com/office/drawing/2014/main" id="{D2CC1645-0A8A-48A4-A82A-274D9B5DB2A7}"/>
+              </a:ext>
+            </a:extLst>
+          </p:cNvPr>
+          <p:cNvSpPr/>
+          <p:nvPr/>
+        </p:nvSpPr>
+        <p:spPr>
+          <a:xfrm>
+            <a:off x="3002431" y="5134856"/>
+            <a:ext cx="1555120" cy="400110"/>
+          </a:xfrm>
+          <a:prstGeom prst="rect">
+            <a:avLst/>
+          </a:prstGeom>
+          <a:noFill/>
+        </p:spPr>
+        <p:txBody>
+          <a:bodyPr wrap="square" lIns="91440" tIns="45720" rIns="91440" bIns="45720">
+            <a:spAutoFit/>
+          </a:bodyPr>
+          <a:lstStyle/>
+          <a:p>
+            <a:pPr algn="ctr"/>
+            <a:r>
+              <a:rPr lang="en-US" sz="2000" b="0" cap="none" spc="0" dirty="0">
+                <a:ln w="0"/>
                 <a:solidFill>
-                  <a:schemeClr val="bg1"/>
+                  <a:schemeClr val="tx1"/>
                 </a:solidFill>
+                <a:effectLst>
+                  <a:outerShdw blurRad="38100" dist="19050" dir="2700000" algn="tl" rotWithShape="0">
+                    <a:schemeClr val="dk1">
+                      <a:alpha val="40000"/>
+                    </a:schemeClr>
+                  </a:outerShdw>
+                </a:effectLst>
               </a:rPr>
-              <a:t>       Mi Perfil        Chat       </a:t>
-            </a:r>
-            <a:r>
-              <a:rPr lang="es-VE" b="1" dirty="0" err="1">
-                <a:solidFill>
-                  <a:schemeClr val="bg1"/>
-                </a:solidFill>
-              </a:rPr>
-              <a:t>Logout</a:t>
-            </a:r>
-            <a:endParaRPr lang="en-US" b="1" dirty="0">
+              <a:t>Peso:</a:t>
+            </a:r>
+          </a:p>
+        </p:txBody>
+      </p:sp>
+      <p:sp>
+        <p:nvSpPr>
+          <p:cNvPr id="27" name="Rectangle: Rounded Corners 7">
+            <a:extLst>
+              <a:ext uri="{FF2B5EF4-FFF2-40B4-BE49-F238E27FC236}">
+                <a16:creationId xmlns:a16="http://schemas.microsoft.com/office/drawing/2014/main" id="{C4991078-95D9-4679-B320-A0E68EC07C12}"/>
+              </a:ext>
+            </a:extLst>
+          </p:cNvPr>
+          <p:cNvSpPr/>
+          <p:nvPr/>
+        </p:nvSpPr>
+        <p:spPr>
+          <a:xfrm>
+            <a:off x="3457935" y="5546794"/>
+            <a:ext cx="4561594" cy="334477"/>
+          </a:xfrm>
+          <a:prstGeom prst="roundRect">
+            <a:avLst/>
+          </a:prstGeom>
+          <a:solidFill>
+            <a:schemeClr val="bg1"/>
+          </a:solidFill>
+          <a:ln>
+            <a:noFill/>
+          </a:ln>
+        </p:spPr>
+        <p:style>
+          <a:lnRef idx="2">
+            <a:schemeClr val="accent1">
+              <a:shade val="50000"/>
+            </a:schemeClr>
+          </a:lnRef>
+          <a:fillRef idx="1">
+            <a:schemeClr val="accent1"/>
+          </a:fillRef>
+          <a:effectRef idx="0">
+            <a:schemeClr val="accent1"/>
+          </a:effectRef>
+          <a:fontRef idx="minor">
+            <a:schemeClr val="lt1"/>
+          </a:fontRef>
+        </p:style>
+        <p:txBody>
+          <a:bodyPr rtlCol="0" anchor="ctr"/>
+          <a:lstStyle/>
+          <a:p>
+            <a:pPr algn="ctr"/>
+            <a:endParaRPr lang="en-US" sz="2000" dirty="0">
               <a:solidFill>
                 <a:schemeClr val="bg1"/>
               </a:solidFill>
@@ -21396,7 +23045,7 @@
     </p:spTree>
     <p:extLst>
       <p:ext uri="{BB962C8B-B14F-4D97-AF65-F5344CB8AC3E}">
-        <p14:creationId xmlns:p14="http://schemas.microsoft.com/office/powerpoint/2010/main" val="1754581919"/>
+        <p14:creationId xmlns:p14="http://schemas.microsoft.com/office/powerpoint/2010/main" val="1455221604"/>
       </p:ext>
     </p:extLst>
   </p:cSld>
@@ -21492,8 +23141,8 @@
         </p:nvSpPr>
         <p:spPr>
           <a:xfrm>
-            <a:off x="337350" y="1359762"/>
-            <a:ext cx="11505461" cy="5298490"/>
+            <a:off x="343269" y="1768836"/>
+            <a:ext cx="11505461" cy="2069238"/>
           </a:xfrm>
           <a:prstGeom prst="rect">
             <a:avLst/>
@@ -21550,8 +23199,8 @@
         </p:nvSpPr>
         <p:spPr>
           <a:xfrm>
-            <a:off x="3372420" y="1435756"/>
-            <a:ext cx="5435319" cy="707886"/>
+            <a:off x="3496507" y="1918278"/>
+            <a:ext cx="2457724" cy="1569660"/>
           </a:xfrm>
           <a:prstGeom prst="rect">
             <a:avLst/>
@@ -21559,7 +23208,7 @@
           <a:noFill/>
         </p:spPr>
         <p:txBody>
-          <a:bodyPr wrap="square" lIns="91440" tIns="45720" rIns="91440" bIns="45720">
+          <a:bodyPr wrap="none" lIns="91440" tIns="45720" rIns="91440" bIns="45720">
             <a:spAutoFit/>
           </a:bodyPr>
           <a:lstStyle/>
@@ -21579,7 +23228,7 @@
                   </a:outerShdw>
                 </a:effectLst>
               </a:rPr>
-              <a:t>Título</a:t>
+              <a:t>Consejo</a:t>
             </a:r>
             <a:r>
               <a:rPr lang="en-US" sz="4000" b="0" cap="none" spc="0" dirty="0">
@@ -21595,14 +23244,29 @@
                   </a:outerShdw>
                 </a:effectLst>
               </a:rPr>
-              <a:t> del </a:t>
-            </a:r>
-            <a:r>
-              <a:rPr lang="en-US" sz="4000" b="0" cap="none" spc="0" dirty="0" err="1">
+              <a:t> 1</a:t>
+            </a:r>
+          </a:p>
+          <a:p>
+            <a:pPr algn="ctr"/>
+            <a:endParaRPr lang="en-US" sz="3600" b="0" cap="none" spc="0" dirty="0">
+              <a:ln w="0"/>
+              <a:solidFill>
+                <a:schemeClr val="tx1"/>
+              </a:solidFill>
+              <a:effectLst>
+                <a:outerShdw blurRad="38100" dist="19050" dir="2700000" algn="tl" rotWithShape="0">
+                  <a:schemeClr val="dk1">
+                    <a:alpha val="40000"/>
+                  </a:schemeClr>
+                </a:outerShdw>
+              </a:effectLst>
+            </a:endParaRPr>
+          </a:p>
+          <a:p>
+            <a:r>
+              <a:rPr lang="en-US" sz="2000" dirty="0" err="1">
                 <a:ln w="0"/>
-                <a:solidFill>
-                  <a:schemeClr val="tx1"/>
-                </a:solidFill>
                 <a:effectLst>
                   <a:outerShdw blurRad="38100" dist="19050" dir="2700000" algn="tl" rotWithShape="0">
                     <a:schemeClr val="dk1">
@@ -21611,9 +23275,9 @@
                   </a:outerShdw>
                 </a:effectLst>
               </a:rPr>
-              <a:t>consejo</a:t>
-            </a:r>
-            <a:endParaRPr lang="en-US" sz="4000" b="0" cap="none" spc="0" dirty="0">
+              <a:t>Detalles</a:t>
+            </a:r>
+            <a:endParaRPr lang="en-US" sz="2000" b="0" cap="none" spc="0" dirty="0">
               <a:ln w="0"/>
               <a:solidFill>
                 <a:schemeClr val="tx1"/>
@@ -21643,8 +23307,8 @@
         </p:nvSpPr>
         <p:spPr>
           <a:xfrm>
-            <a:off x="2113775" y="2219636"/>
-            <a:ext cx="8086668" cy="3519778"/>
+            <a:off x="565212" y="1918278"/>
+            <a:ext cx="2805344" cy="1713390"/>
           </a:xfrm>
           <a:prstGeom prst="rect">
             <a:avLst/>
@@ -21695,10 +23359,10 @@
       </p:sp>
       <p:sp>
         <p:nvSpPr>
-          <p:cNvPr id="14" name="Rectangle 13">
+          <p:cNvPr id="10" name="Rectangle 9">
             <a:extLst>
               <a:ext uri="{FF2B5EF4-FFF2-40B4-BE49-F238E27FC236}">
-                <a16:creationId xmlns:a16="http://schemas.microsoft.com/office/drawing/2014/main" id="{C30E4FBC-4C68-4FE5-A2F5-2A0E01D66239}"/>
+                <a16:creationId xmlns:a16="http://schemas.microsoft.com/office/drawing/2014/main" id="{48D1187B-93F3-4F98-A980-CDE35D5A5B7C}"/>
               </a:ext>
             </a:extLst>
           </p:cNvPr>
@@ -21707,75 +23371,16 @@
         </p:nvSpPr>
         <p:spPr>
           <a:xfrm>
-            <a:off x="3267368" y="5985092"/>
-            <a:ext cx="5435319" cy="461665"/>
+            <a:off x="343269" y="4079250"/>
+            <a:ext cx="11505461" cy="2069238"/>
           </a:xfrm>
           <a:prstGeom prst="rect">
             <a:avLst/>
           </a:prstGeom>
-          <a:noFill/>
-        </p:spPr>
-        <p:txBody>
-          <a:bodyPr wrap="square" lIns="91440" tIns="45720" rIns="91440" bIns="45720">
-            <a:spAutoFit/>
-          </a:bodyPr>
-          <a:lstStyle/>
-          <a:p>
-            <a:pPr algn="ctr"/>
-            <a:r>
-              <a:rPr lang="en-US" sz="2400" b="0" cap="none" spc="0" dirty="0" err="1">
-                <a:ln w="0"/>
-                <a:solidFill>
-                  <a:schemeClr val="tx1"/>
-                </a:solidFill>
-                <a:effectLst>
-                  <a:outerShdw blurRad="38100" dist="19050" dir="2700000" algn="tl" rotWithShape="0">
-                    <a:schemeClr val="dk1">
-                      <a:alpha val="40000"/>
-                    </a:schemeClr>
-                  </a:outerShdw>
-                </a:effectLst>
-              </a:rPr>
-              <a:t>Información</a:t>
-            </a:r>
-            <a:endParaRPr lang="en-US" sz="4000" b="0" cap="none" spc="0" dirty="0">
-              <a:ln w="0"/>
-              <a:solidFill>
-                <a:schemeClr val="tx1"/>
-              </a:solidFill>
-              <a:effectLst>
-                <a:outerShdw blurRad="38100" dist="19050" dir="2700000" algn="tl" rotWithShape="0">
-                  <a:schemeClr val="dk1">
-                    <a:alpha val="40000"/>
-                  </a:schemeClr>
-                </a:outerShdw>
-              </a:effectLst>
-            </a:endParaRPr>
-          </a:p>
-        </p:txBody>
-      </p:sp>
-      <p:sp>
-        <p:nvSpPr>
-          <p:cNvPr id="11" name="Rectangle: Rounded Corners 7">
-            <a:extLst>
-              <a:ext uri="{FF2B5EF4-FFF2-40B4-BE49-F238E27FC236}">
-                <a16:creationId xmlns:a16="http://schemas.microsoft.com/office/drawing/2014/main" id="{DA923F4A-19FC-4D10-933A-DEF461171D00}"/>
-              </a:ext>
-            </a:extLst>
-          </p:cNvPr>
-          <p:cNvSpPr/>
-          <p:nvPr/>
-        </p:nvSpPr>
-        <p:spPr>
-          <a:xfrm>
-            <a:off x="481403" y="6215924"/>
-            <a:ext cx="1776425" cy="316371"/>
-          </a:xfrm>
-          <a:prstGeom prst="roundRect">
-            <a:avLst/>
-          </a:prstGeom>
           <a:solidFill>
-            <a:srgbClr val="FF0000"/>
+            <a:schemeClr val="bg1">
+              <a:lumMod val="85000"/>
+            </a:schemeClr>
           </a:solidFill>
           <a:ln>
             <a:noFill/>
@@ -21802,15 +23407,7 @@
           <a:lstStyle/>
           <a:p>
             <a:pPr algn="ctr"/>
-            <a:r>
-              <a:rPr lang="es-VE" sz="2000" dirty="0">
-                <a:solidFill>
-                  <a:schemeClr val="bg1"/>
-                </a:solidFill>
-              </a:rPr>
-              <a:t>Volver</a:t>
-            </a:r>
-            <a:endParaRPr lang="en-US" sz="2000" dirty="0">
+            <a:endParaRPr lang="en-US" b="1" dirty="0">
               <a:solidFill>
                 <a:schemeClr val="bg1"/>
               </a:solidFill>
@@ -21820,10 +23417,182 @@
       </p:sp>
       <p:sp>
         <p:nvSpPr>
-          <p:cNvPr id="12" name="Rectangle 1">
+          <p:cNvPr id="11" name="Rectangle 10">
             <a:extLst>
               <a:ext uri="{FF2B5EF4-FFF2-40B4-BE49-F238E27FC236}">
-                <a16:creationId xmlns:a16="http://schemas.microsoft.com/office/drawing/2014/main" id="{960AF216-8FFE-42B0-BBA6-3690BAEDEFD9}"/>
+                <a16:creationId xmlns:a16="http://schemas.microsoft.com/office/drawing/2014/main" id="{A1716EC3-E2BF-4FB4-BD24-01ECCA06BB98}"/>
+              </a:ext>
+            </a:extLst>
+          </p:cNvPr>
+          <p:cNvSpPr/>
+          <p:nvPr/>
+        </p:nvSpPr>
+        <p:spPr>
+          <a:xfrm>
+            <a:off x="3496507" y="4300557"/>
+            <a:ext cx="2457724" cy="1569660"/>
+          </a:xfrm>
+          <a:prstGeom prst="rect">
+            <a:avLst/>
+          </a:prstGeom>
+          <a:noFill/>
+        </p:spPr>
+        <p:txBody>
+          <a:bodyPr wrap="none" lIns="91440" tIns="45720" rIns="91440" bIns="45720">
+            <a:spAutoFit/>
+          </a:bodyPr>
+          <a:lstStyle/>
+          <a:p>
+            <a:pPr algn="ctr"/>
+            <a:r>
+              <a:rPr lang="en-US" sz="4000" b="0" cap="none" spc="0" dirty="0" err="1">
+                <a:ln w="0"/>
+                <a:solidFill>
+                  <a:schemeClr val="tx1"/>
+                </a:solidFill>
+                <a:effectLst>
+                  <a:outerShdw blurRad="38100" dist="19050" dir="2700000" algn="tl" rotWithShape="0">
+                    <a:schemeClr val="dk1">
+                      <a:alpha val="40000"/>
+                    </a:schemeClr>
+                  </a:outerShdw>
+                </a:effectLst>
+              </a:rPr>
+              <a:t>Consejo</a:t>
+            </a:r>
+            <a:r>
+              <a:rPr lang="en-US" sz="4000" b="0" cap="none" spc="0" dirty="0">
+                <a:ln w="0"/>
+                <a:solidFill>
+                  <a:schemeClr val="tx1"/>
+                </a:solidFill>
+                <a:effectLst>
+                  <a:outerShdw blurRad="38100" dist="19050" dir="2700000" algn="tl" rotWithShape="0">
+                    <a:schemeClr val="dk1">
+                      <a:alpha val="40000"/>
+                    </a:schemeClr>
+                  </a:outerShdw>
+                </a:effectLst>
+              </a:rPr>
+              <a:t> 2</a:t>
+            </a:r>
+          </a:p>
+          <a:p>
+            <a:pPr algn="ctr"/>
+            <a:endParaRPr lang="en-US" sz="3600" b="0" cap="none" spc="0" dirty="0">
+              <a:ln w="0"/>
+              <a:solidFill>
+                <a:schemeClr val="tx1"/>
+              </a:solidFill>
+              <a:effectLst>
+                <a:outerShdw blurRad="38100" dist="19050" dir="2700000" algn="tl" rotWithShape="0">
+                  <a:schemeClr val="dk1">
+                    <a:alpha val="40000"/>
+                  </a:schemeClr>
+                </a:outerShdw>
+              </a:effectLst>
+            </a:endParaRPr>
+          </a:p>
+          <a:p>
+            <a:r>
+              <a:rPr lang="en-US" sz="2000" dirty="0" err="1">
+                <a:ln w="0"/>
+                <a:effectLst>
+                  <a:outerShdw blurRad="38100" dist="19050" dir="2700000" algn="tl" rotWithShape="0">
+                    <a:schemeClr val="dk1">
+                      <a:alpha val="40000"/>
+                    </a:schemeClr>
+                  </a:outerShdw>
+                </a:effectLst>
+              </a:rPr>
+              <a:t>Detalles</a:t>
+            </a:r>
+            <a:endParaRPr lang="en-US" sz="2000" b="0" cap="none" spc="0" dirty="0">
+              <a:ln w="0"/>
+              <a:solidFill>
+                <a:schemeClr val="tx1"/>
+              </a:solidFill>
+              <a:effectLst>
+                <a:outerShdw blurRad="38100" dist="19050" dir="2700000" algn="tl" rotWithShape="0">
+                  <a:schemeClr val="dk1">
+                    <a:alpha val="40000"/>
+                  </a:schemeClr>
+                </a:outerShdw>
+              </a:effectLst>
+            </a:endParaRPr>
+          </a:p>
+        </p:txBody>
+      </p:sp>
+      <p:sp>
+        <p:nvSpPr>
+          <p:cNvPr id="12" name="Rectangle 11">
+            <a:extLst>
+              <a:ext uri="{FF2B5EF4-FFF2-40B4-BE49-F238E27FC236}">
+                <a16:creationId xmlns:a16="http://schemas.microsoft.com/office/drawing/2014/main" id="{DDAB76A2-ABB1-4E2C-A3B8-B14276C33DB0}"/>
+              </a:ext>
+            </a:extLst>
+          </p:cNvPr>
+          <p:cNvSpPr/>
+          <p:nvPr/>
+        </p:nvSpPr>
+        <p:spPr>
+          <a:xfrm>
+            <a:off x="565212" y="4228692"/>
+            <a:ext cx="2805344" cy="1713390"/>
+          </a:xfrm>
+          <a:prstGeom prst="rect">
+            <a:avLst/>
+          </a:prstGeom>
+          <a:solidFill>
+            <a:schemeClr val="bg1"/>
+          </a:solidFill>
+          <a:ln>
+            <a:noFill/>
+          </a:ln>
+        </p:spPr>
+        <p:style>
+          <a:lnRef idx="2">
+            <a:schemeClr val="accent1">
+              <a:shade val="50000"/>
+            </a:schemeClr>
+          </a:lnRef>
+          <a:fillRef idx="1">
+            <a:schemeClr val="accent1"/>
+          </a:fillRef>
+          <a:effectRef idx="0">
+            <a:schemeClr val="accent1"/>
+          </a:effectRef>
+          <a:fontRef idx="minor">
+            <a:schemeClr val="lt1"/>
+          </a:fontRef>
+        </p:style>
+        <p:txBody>
+          <a:bodyPr rtlCol="0" anchor="ctr"/>
+          <a:lstStyle/>
+          <a:p>
+            <a:pPr algn="ctr"/>
+            <a:r>
+              <a:rPr lang="es-VE" dirty="0">
+                <a:solidFill>
+                  <a:schemeClr val="tx1"/>
+                </a:solidFill>
+              </a:rPr>
+              <a:t>Imagen</a:t>
+            </a:r>
+            <a:endParaRPr lang="en-US" dirty="0">
+              <a:solidFill>
+                <a:schemeClr val="tx1"/>
+              </a:solidFill>
+            </a:endParaRPr>
+          </a:p>
+        </p:txBody>
+      </p:sp>
+      <p:sp>
+        <p:nvSpPr>
+          <p:cNvPr id="14" name="Rectangle 1">
+            <a:extLst>
+              <a:ext uri="{FF2B5EF4-FFF2-40B4-BE49-F238E27FC236}">
+                <a16:creationId xmlns:a16="http://schemas.microsoft.com/office/drawing/2014/main" id="{DD2453B6-0793-4062-A020-42CCAD792199}"/>
               </a:ext>
             </a:extLst>
           </p:cNvPr>
@@ -21932,10 +23701,121 @@
           </a:p>
         </p:txBody>
       </p:sp>
+      <p:sp>
+        <p:nvSpPr>
+          <p:cNvPr id="16" name="Rectangle: Rounded Corners 17">
+            <a:extLst>
+              <a:ext uri="{FF2B5EF4-FFF2-40B4-BE49-F238E27FC236}">
+                <a16:creationId xmlns:a16="http://schemas.microsoft.com/office/drawing/2014/main" id="{2C00F6C3-869F-436D-90B3-98F76F10FFC8}"/>
+              </a:ext>
+            </a:extLst>
+          </p:cNvPr>
+          <p:cNvSpPr/>
+          <p:nvPr/>
+        </p:nvSpPr>
+        <p:spPr>
+          <a:xfrm>
+            <a:off x="8977428" y="1206507"/>
+            <a:ext cx="2871302" cy="453539"/>
+          </a:xfrm>
+          <a:prstGeom prst="roundRect">
+            <a:avLst/>
+          </a:prstGeom>
+          <a:noFill/>
+          <a:ln w="28575">
+            <a:solidFill>
+              <a:schemeClr val="tx1"/>
+            </a:solidFill>
+          </a:ln>
+        </p:spPr>
+        <p:style>
+          <a:lnRef idx="2">
+            <a:schemeClr val="accent6"/>
+          </a:lnRef>
+          <a:fillRef idx="1">
+            <a:schemeClr val="lt1"/>
+          </a:fillRef>
+          <a:effectRef idx="0">
+            <a:schemeClr val="accent6"/>
+          </a:effectRef>
+          <a:fontRef idx="minor">
+            <a:schemeClr val="dk1"/>
+          </a:fontRef>
+        </p:style>
+        <p:txBody>
+          <a:bodyPr rtlCol="0" anchor="ctr"/>
+          <a:lstStyle/>
+          <a:p>
+            <a:pPr algn="ctr"/>
+            <a:endParaRPr lang="en-US"/>
+          </a:p>
+        </p:txBody>
+      </p:sp>
+      <p:sp>
+        <p:nvSpPr>
+          <p:cNvPr id="17" name="Rectangle 18">
+            <a:extLst>
+              <a:ext uri="{FF2B5EF4-FFF2-40B4-BE49-F238E27FC236}">
+                <a16:creationId xmlns:a16="http://schemas.microsoft.com/office/drawing/2014/main" id="{0FB21FA0-DF87-4143-8258-DE26A8B5A22D}"/>
+              </a:ext>
+            </a:extLst>
+          </p:cNvPr>
+          <p:cNvSpPr/>
+          <p:nvPr/>
+        </p:nvSpPr>
+        <p:spPr>
+          <a:xfrm>
+            <a:off x="9181011" y="1206507"/>
+            <a:ext cx="2464136" cy="400110"/>
+          </a:xfrm>
+          <a:prstGeom prst="rect">
+            <a:avLst/>
+          </a:prstGeom>
+          <a:noFill/>
+        </p:spPr>
+        <p:txBody>
+          <a:bodyPr wrap="none" lIns="91440" tIns="45720" rIns="91440" bIns="45720">
+            <a:spAutoFit/>
+          </a:bodyPr>
+          <a:lstStyle/>
+          <a:p>
+            <a:pPr algn="ctr"/>
+            <a:r>
+              <a:rPr lang="es-VE" sz="2000" b="0" cap="none" spc="0" dirty="0">
+                <a:ln w="0"/>
+                <a:solidFill>
+                  <a:schemeClr val="tx1"/>
+                </a:solidFill>
+                <a:effectLst>
+                  <a:outerShdw blurRad="38100" dist="19050" dir="2700000" algn="tl" rotWithShape="0">
+                    <a:schemeClr val="dk1">
+                      <a:alpha val="40000"/>
+                    </a:schemeClr>
+                  </a:outerShdw>
+                </a:effectLst>
+              </a:rPr>
+              <a:t>Publicar un consejo</a:t>
+            </a:r>
+            <a:endParaRPr lang="en-US" sz="2000" b="0" cap="none" spc="0" dirty="0">
+              <a:ln w="0"/>
+              <a:solidFill>
+                <a:schemeClr val="tx1"/>
+              </a:solidFill>
+              <a:effectLst>
+                <a:outerShdw blurRad="38100" dist="19050" dir="2700000" algn="tl" rotWithShape="0">
+                  <a:schemeClr val="dk1">
+                    <a:alpha val="40000"/>
+                  </a:schemeClr>
+                </a:outerShdw>
+              </a:effectLst>
+            </a:endParaRPr>
+          </a:p>
+        </p:txBody>
+      </p:sp>
     </p:spTree>
     <p:extLst>
       <p:ext uri="{BB962C8B-B14F-4D97-AF65-F5344CB8AC3E}">
-        <p14:creationId xmlns:p14="http://schemas.microsoft.com/office/powerpoint/2010/main" val="599880843"/>
+        <p14:creationId xmlns:p14="http://schemas.microsoft.com/office/powerpoint/2010/main" val="1754581919"/>
       </p:ext>
     </p:extLst>
   </p:cSld>
@@ -22031,8 +23911,8 @@
         </p:nvSpPr>
         <p:spPr>
           <a:xfrm>
-            <a:off x="337350" y="2238066"/>
-            <a:ext cx="11505461" cy="2069238"/>
+            <a:off x="337350" y="1359762"/>
+            <a:ext cx="11505461" cy="5298490"/>
           </a:xfrm>
           <a:prstGeom prst="rect">
             <a:avLst/>
@@ -22089,8 +23969,8 @@
         </p:nvSpPr>
         <p:spPr>
           <a:xfrm>
-            <a:off x="3546255" y="2387508"/>
-            <a:ext cx="2598789" cy="1569660"/>
+            <a:off x="3372420" y="1435756"/>
+            <a:ext cx="5435319" cy="707886"/>
           </a:xfrm>
           <a:prstGeom prst="rect">
             <a:avLst/>
@@ -22098,7 +23978,7 @@
           <a:noFill/>
         </p:spPr>
         <p:txBody>
-          <a:bodyPr wrap="none" lIns="91440" tIns="45720" rIns="91440" bIns="45720">
+          <a:bodyPr wrap="square" lIns="91440" tIns="45720" rIns="91440" bIns="45720">
             <a:spAutoFit/>
           </a:bodyPr>
           <a:lstStyle/>
@@ -22118,7 +23998,7 @@
                   </a:outerShdw>
                 </a:effectLst>
               </a:rPr>
-              <a:t>Catsitter</a:t>
+              <a:t>Título</a:t>
             </a:r>
             <a:r>
               <a:rPr lang="en-US" sz="4000" b="0" cap="none" spc="0" dirty="0">
@@ -22134,29 +24014,14 @@
                   </a:outerShdw>
                 </a:effectLst>
               </a:rPr>
-              <a:t> 1</a:t>
-            </a:r>
-          </a:p>
-          <a:p>
-            <a:pPr algn="ctr"/>
-            <a:endParaRPr lang="en-US" sz="3600" b="0" cap="none" spc="0" dirty="0">
-              <a:ln w="0"/>
-              <a:solidFill>
-                <a:schemeClr val="tx1"/>
-              </a:solidFill>
-              <a:effectLst>
-                <a:outerShdw blurRad="38100" dist="19050" dir="2700000" algn="tl" rotWithShape="0">
-                  <a:schemeClr val="dk1">
-                    <a:alpha val="40000"/>
-                  </a:schemeClr>
-                </a:outerShdw>
-              </a:effectLst>
-            </a:endParaRPr>
-          </a:p>
-          <a:p>
-            <a:r>
-              <a:rPr lang="en-US" sz="2000" dirty="0" err="1">
+              <a:t> del </a:t>
+            </a:r>
+            <a:r>
+              <a:rPr lang="en-US" sz="4000" b="0" cap="none" spc="0" dirty="0" err="1">
                 <a:ln w="0"/>
+                <a:solidFill>
+                  <a:schemeClr val="tx1"/>
+                </a:solidFill>
                 <a:effectLst>
                   <a:outerShdw blurRad="38100" dist="19050" dir="2700000" algn="tl" rotWithShape="0">
                     <a:schemeClr val="dk1">
@@ -22165,9 +24030,9 @@
                   </a:outerShdw>
                 </a:effectLst>
               </a:rPr>
-              <a:t>Descripción</a:t>
-            </a:r>
-            <a:endParaRPr lang="en-US" sz="2000" b="0" cap="none" spc="0" dirty="0">
+              <a:t>consejo</a:t>
+            </a:r>
+            <a:endParaRPr lang="en-US" sz="4000" b="0" cap="none" spc="0" dirty="0">
               <a:ln w="0"/>
               <a:solidFill>
                 <a:schemeClr val="tx1"/>
@@ -22197,8 +24062,8 @@
         </p:nvSpPr>
         <p:spPr>
           <a:xfrm>
-            <a:off x="559293" y="2387508"/>
-            <a:ext cx="2805344" cy="1713390"/>
+            <a:off x="4087894" y="2254453"/>
+            <a:ext cx="4016211" cy="1614427"/>
           </a:xfrm>
           <a:prstGeom prst="rect">
             <a:avLst/>
@@ -22237,7 +24102,7 @@
                   <a:schemeClr val="tx1"/>
                 </a:solidFill>
               </a:rPr>
-              <a:t>Foto de perfil</a:t>
+              <a:t>Imagen</a:t>
             </a:r>
             <a:endParaRPr lang="en-US" dirty="0">
               <a:solidFill>
@@ -22249,10 +24114,10 @@
       </p:sp>
       <p:sp>
         <p:nvSpPr>
-          <p:cNvPr id="10" name="Rectangle 9">
+          <p:cNvPr id="14" name="Rectangle 13">
             <a:extLst>
               <a:ext uri="{FF2B5EF4-FFF2-40B4-BE49-F238E27FC236}">
-                <a16:creationId xmlns:a16="http://schemas.microsoft.com/office/drawing/2014/main" id="{48D1187B-93F3-4F98-A980-CDE35D5A5B7C}"/>
+                <a16:creationId xmlns:a16="http://schemas.microsoft.com/office/drawing/2014/main" id="{C30E4FBC-4C68-4FE5-A2F5-2A0E01D66239}"/>
               </a:ext>
             </a:extLst>
           </p:cNvPr>
@@ -22261,16 +24126,75 @@
         </p:nvSpPr>
         <p:spPr>
           <a:xfrm>
-            <a:off x="337350" y="4548480"/>
-            <a:ext cx="11505461" cy="2069238"/>
+            <a:off x="3372420" y="4483526"/>
+            <a:ext cx="5435319" cy="461665"/>
           </a:xfrm>
           <a:prstGeom prst="rect">
             <a:avLst/>
           </a:prstGeom>
+          <a:noFill/>
+        </p:spPr>
+        <p:txBody>
+          <a:bodyPr wrap="square" lIns="91440" tIns="45720" rIns="91440" bIns="45720">
+            <a:spAutoFit/>
+          </a:bodyPr>
+          <a:lstStyle/>
+          <a:p>
+            <a:pPr algn="ctr"/>
+            <a:r>
+              <a:rPr lang="en-US" sz="2400" b="0" cap="none" spc="0" dirty="0" err="1">
+                <a:ln w="0"/>
+                <a:solidFill>
+                  <a:schemeClr val="tx1"/>
+                </a:solidFill>
+                <a:effectLst>
+                  <a:outerShdw blurRad="38100" dist="19050" dir="2700000" algn="tl" rotWithShape="0">
+                    <a:schemeClr val="dk1">
+                      <a:alpha val="40000"/>
+                    </a:schemeClr>
+                  </a:outerShdw>
+                </a:effectLst>
+              </a:rPr>
+              <a:t>Información</a:t>
+            </a:r>
+            <a:endParaRPr lang="en-US" sz="4000" b="0" cap="none" spc="0" dirty="0">
+              <a:ln w="0"/>
+              <a:solidFill>
+                <a:schemeClr val="tx1"/>
+              </a:solidFill>
+              <a:effectLst>
+                <a:outerShdw blurRad="38100" dist="19050" dir="2700000" algn="tl" rotWithShape="0">
+                  <a:schemeClr val="dk1">
+                    <a:alpha val="40000"/>
+                  </a:schemeClr>
+                </a:outerShdw>
+              </a:effectLst>
+            </a:endParaRPr>
+          </a:p>
+        </p:txBody>
+      </p:sp>
+      <p:sp>
+        <p:nvSpPr>
+          <p:cNvPr id="11" name="Rectangle: Rounded Corners 7">
+            <a:extLst>
+              <a:ext uri="{FF2B5EF4-FFF2-40B4-BE49-F238E27FC236}">
+                <a16:creationId xmlns:a16="http://schemas.microsoft.com/office/drawing/2014/main" id="{DA923F4A-19FC-4D10-933A-DEF461171D00}"/>
+              </a:ext>
+            </a:extLst>
+          </p:cNvPr>
+          <p:cNvSpPr/>
+          <p:nvPr/>
+        </p:nvSpPr>
+        <p:spPr>
+          <a:xfrm>
+            <a:off x="481403" y="6215924"/>
+            <a:ext cx="1776425" cy="316371"/>
+          </a:xfrm>
+          <a:prstGeom prst="roundRect">
+            <a:avLst/>
+          </a:prstGeom>
           <a:solidFill>
-            <a:schemeClr val="bg1">
-              <a:lumMod val="85000"/>
-            </a:schemeClr>
+            <a:srgbClr val="FF0000"/>
           </a:solidFill>
           <a:ln>
             <a:noFill/>
@@ -22297,7 +24221,15 @@
           <a:lstStyle/>
           <a:p>
             <a:pPr algn="ctr"/>
-            <a:endParaRPr lang="en-US" b="1" dirty="0">
+            <a:r>
+              <a:rPr lang="es-VE" sz="2000" dirty="0">
+                <a:solidFill>
+                  <a:schemeClr val="bg1"/>
+                </a:solidFill>
+              </a:rPr>
+              <a:t>Volver</a:t>
+            </a:r>
+            <a:endParaRPr lang="en-US" sz="2000" dirty="0">
               <a:solidFill>
                 <a:schemeClr val="bg1"/>
               </a:solidFill>
@@ -22307,10 +24239,10 @@
       </p:sp>
       <p:sp>
         <p:nvSpPr>
-          <p:cNvPr id="11" name="Rectangle 10">
+          <p:cNvPr id="12" name="Rectangle 1">
             <a:extLst>
               <a:ext uri="{FF2B5EF4-FFF2-40B4-BE49-F238E27FC236}">
-                <a16:creationId xmlns:a16="http://schemas.microsoft.com/office/drawing/2014/main" id="{A1716EC3-E2BF-4FB4-BD24-01ECCA06BB98}"/>
+                <a16:creationId xmlns:a16="http://schemas.microsoft.com/office/drawing/2014/main" id="{960AF216-8FFE-42B0-BBA6-3690BAEDEFD9}"/>
               </a:ext>
             </a:extLst>
           </p:cNvPr>
@@ -22319,528 +24251,7 @@
         </p:nvSpPr>
         <p:spPr>
           <a:xfrm>
-            <a:off x="3546254" y="4769787"/>
-            <a:ext cx="2598789" cy="1569660"/>
-          </a:xfrm>
-          <a:prstGeom prst="rect">
-            <a:avLst/>
-          </a:prstGeom>
-          <a:noFill/>
-        </p:spPr>
-        <p:txBody>
-          <a:bodyPr wrap="none" lIns="91440" tIns="45720" rIns="91440" bIns="45720">
-            <a:spAutoFit/>
-          </a:bodyPr>
-          <a:lstStyle/>
-          <a:p>
-            <a:pPr algn="ctr"/>
-            <a:r>
-              <a:rPr lang="en-US" sz="4000" b="0" cap="none" spc="0" dirty="0" err="1">
-                <a:ln w="0"/>
-                <a:solidFill>
-                  <a:schemeClr val="tx1"/>
-                </a:solidFill>
-                <a:effectLst>
-                  <a:outerShdw blurRad="38100" dist="19050" dir="2700000" algn="tl" rotWithShape="0">
-                    <a:schemeClr val="dk1">
-                      <a:alpha val="40000"/>
-                    </a:schemeClr>
-                  </a:outerShdw>
-                </a:effectLst>
-              </a:rPr>
-              <a:t>Catsitter</a:t>
-            </a:r>
-            <a:r>
-              <a:rPr lang="en-US" sz="4000" b="0" cap="none" spc="0" dirty="0">
-                <a:ln w="0"/>
-                <a:solidFill>
-                  <a:schemeClr val="tx1"/>
-                </a:solidFill>
-                <a:effectLst>
-                  <a:outerShdw blurRad="38100" dist="19050" dir="2700000" algn="tl" rotWithShape="0">
-                    <a:schemeClr val="dk1">
-                      <a:alpha val="40000"/>
-                    </a:schemeClr>
-                  </a:outerShdw>
-                </a:effectLst>
-              </a:rPr>
-              <a:t> 2</a:t>
-            </a:r>
-          </a:p>
-          <a:p>
-            <a:pPr algn="ctr"/>
-            <a:endParaRPr lang="en-US" sz="3600" b="0" cap="none" spc="0" dirty="0">
-              <a:ln w="0"/>
-              <a:solidFill>
-                <a:schemeClr val="tx1"/>
-              </a:solidFill>
-              <a:effectLst>
-                <a:outerShdw blurRad="38100" dist="19050" dir="2700000" algn="tl" rotWithShape="0">
-                  <a:schemeClr val="dk1">
-                    <a:alpha val="40000"/>
-                  </a:schemeClr>
-                </a:outerShdw>
-              </a:effectLst>
-            </a:endParaRPr>
-          </a:p>
-          <a:p>
-            <a:r>
-              <a:rPr lang="en-US" sz="2000" dirty="0" err="1">
-                <a:ln w="0"/>
-                <a:effectLst>
-                  <a:outerShdw blurRad="38100" dist="19050" dir="2700000" algn="tl" rotWithShape="0">
-                    <a:schemeClr val="dk1">
-                      <a:alpha val="40000"/>
-                    </a:schemeClr>
-                  </a:outerShdw>
-                </a:effectLst>
-              </a:rPr>
-              <a:t>Descripción</a:t>
-            </a:r>
-            <a:endParaRPr lang="en-US" sz="2000" b="0" cap="none" spc="0" dirty="0">
-              <a:ln w="0"/>
-              <a:solidFill>
-                <a:schemeClr val="tx1"/>
-              </a:solidFill>
-              <a:effectLst>
-                <a:outerShdw blurRad="38100" dist="19050" dir="2700000" algn="tl" rotWithShape="0">
-                  <a:schemeClr val="dk1">
-                    <a:alpha val="40000"/>
-                  </a:schemeClr>
-                </a:outerShdw>
-              </a:effectLst>
-            </a:endParaRPr>
-          </a:p>
-        </p:txBody>
-      </p:sp>
-      <p:sp>
-        <p:nvSpPr>
-          <p:cNvPr id="12" name="Rectangle 11">
-            <a:extLst>
-              <a:ext uri="{FF2B5EF4-FFF2-40B4-BE49-F238E27FC236}">
-                <a16:creationId xmlns:a16="http://schemas.microsoft.com/office/drawing/2014/main" id="{DDAB76A2-ABB1-4E2C-A3B8-B14276C33DB0}"/>
-              </a:ext>
-            </a:extLst>
-          </p:cNvPr>
-          <p:cNvSpPr/>
-          <p:nvPr/>
-        </p:nvSpPr>
-        <p:spPr>
-          <a:xfrm>
-            <a:off x="559293" y="4697922"/>
-            <a:ext cx="2805344" cy="1713390"/>
-          </a:xfrm>
-          <a:prstGeom prst="rect">
-            <a:avLst/>
-          </a:prstGeom>
-          <a:solidFill>
-            <a:schemeClr val="bg1"/>
-          </a:solidFill>
-          <a:ln>
-            <a:noFill/>
-          </a:ln>
-        </p:spPr>
-        <p:style>
-          <a:lnRef idx="2">
-            <a:schemeClr val="accent1">
-              <a:shade val="50000"/>
-            </a:schemeClr>
-          </a:lnRef>
-          <a:fillRef idx="1">
-            <a:schemeClr val="accent1"/>
-          </a:fillRef>
-          <a:effectRef idx="0">
-            <a:schemeClr val="accent1"/>
-          </a:effectRef>
-          <a:fontRef idx="minor">
-            <a:schemeClr val="lt1"/>
-          </a:fontRef>
-        </p:style>
-        <p:txBody>
-          <a:bodyPr rtlCol="0" anchor="ctr"/>
-          <a:lstStyle/>
-          <a:p>
-            <a:pPr algn="ctr"/>
-            <a:r>
-              <a:rPr lang="es-VE" dirty="0">
-                <a:solidFill>
-                  <a:schemeClr val="tx1"/>
-                </a:solidFill>
-              </a:rPr>
-              <a:t>Foto de perfil</a:t>
-            </a:r>
-            <a:endParaRPr lang="en-US" dirty="0">
-              <a:solidFill>
-                <a:schemeClr val="tx1"/>
-              </a:solidFill>
-            </a:endParaRPr>
-          </a:p>
-        </p:txBody>
-      </p:sp>
-      <p:sp>
-        <p:nvSpPr>
-          <p:cNvPr id="34" name="Triángulo isósceles 33">
-            <a:extLst>
-              <a:ext uri="{FF2B5EF4-FFF2-40B4-BE49-F238E27FC236}">
-                <a16:creationId xmlns:a16="http://schemas.microsoft.com/office/drawing/2014/main" id="{80A44F97-C4CA-4F73-AFFA-9A4F18DB3B97}"/>
-              </a:ext>
-            </a:extLst>
-          </p:cNvPr>
-          <p:cNvSpPr/>
-          <p:nvPr/>
-        </p:nvSpPr>
-        <p:spPr>
-          <a:xfrm>
-            <a:off x="10897579" y="3414700"/>
-            <a:ext cx="813732" cy="759558"/>
-          </a:xfrm>
-          <a:prstGeom prst="triangle">
-            <a:avLst/>
-          </a:prstGeom>
-          <a:solidFill>
-            <a:srgbClr val="FF0000"/>
-          </a:solidFill>
-        </p:spPr>
-        <p:style>
-          <a:lnRef idx="2">
-            <a:schemeClr val="accent1">
-              <a:shade val="50000"/>
-            </a:schemeClr>
-          </a:lnRef>
-          <a:fillRef idx="1">
-            <a:schemeClr val="accent1"/>
-          </a:fillRef>
-          <a:effectRef idx="0">
-            <a:schemeClr val="accent1"/>
-          </a:effectRef>
-          <a:fontRef idx="minor">
-            <a:schemeClr val="lt1"/>
-          </a:fontRef>
-        </p:style>
-        <p:txBody>
-          <a:bodyPr rtlCol="0" anchor="ctr"/>
-          <a:lstStyle/>
-          <a:p>
-            <a:pPr algn="ctr"/>
-            <a:endParaRPr lang="es-ES" sz="6000" dirty="0"/>
-          </a:p>
-        </p:txBody>
-      </p:sp>
-      <p:sp>
-        <p:nvSpPr>
-          <p:cNvPr id="35" name="Rectangle 10">
-            <a:extLst>
-              <a:ext uri="{FF2B5EF4-FFF2-40B4-BE49-F238E27FC236}">
-                <a16:creationId xmlns:a16="http://schemas.microsoft.com/office/drawing/2014/main" id="{9B2E0D7E-8036-4E46-AB6C-AA1A4619FE4D}"/>
-              </a:ext>
-            </a:extLst>
-          </p:cNvPr>
-          <p:cNvSpPr/>
-          <p:nvPr/>
-        </p:nvSpPr>
-        <p:spPr>
-          <a:xfrm>
-            <a:off x="11150603" y="3528614"/>
-            <a:ext cx="314510" cy="707886"/>
-          </a:xfrm>
-          <a:prstGeom prst="rect">
-            <a:avLst/>
-          </a:prstGeom>
-          <a:noFill/>
-        </p:spPr>
-        <p:txBody>
-          <a:bodyPr wrap="none" lIns="91440" tIns="45720" rIns="91440" bIns="45720">
-            <a:spAutoFit/>
-          </a:bodyPr>
-          <a:lstStyle/>
-          <a:p>
-            <a:r>
-              <a:rPr lang="en-US" sz="4000" b="1" dirty="0">
-                <a:ln w="0"/>
-                <a:effectLst>
-                  <a:outerShdw blurRad="38100" dist="19050" dir="2700000" algn="tl" rotWithShape="0">
-                    <a:schemeClr val="dk1">
-                      <a:alpha val="40000"/>
-                    </a:schemeClr>
-                  </a:outerShdw>
-                </a:effectLst>
-              </a:rPr>
-              <a:t>!</a:t>
-            </a:r>
-            <a:endParaRPr lang="en-US" sz="4000" b="1" cap="none" spc="0" dirty="0">
-              <a:ln w="0"/>
-              <a:solidFill>
-                <a:schemeClr val="tx1"/>
-              </a:solidFill>
-              <a:effectLst>
-                <a:outerShdw blurRad="38100" dist="19050" dir="2700000" algn="tl" rotWithShape="0">
-                  <a:schemeClr val="dk1">
-                    <a:alpha val="40000"/>
-                  </a:schemeClr>
-                </a:outerShdw>
-              </a:effectLst>
-            </a:endParaRPr>
-          </a:p>
-        </p:txBody>
-      </p:sp>
-      <p:sp>
-        <p:nvSpPr>
-          <p:cNvPr id="36" name="Triángulo isósceles 35">
-            <a:extLst>
-              <a:ext uri="{FF2B5EF4-FFF2-40B4-BE49-F238E27FC236}">
-                <a16:creationId xmlns:a16="http://schemas.microsoft.com/office/drawing/2014/main" id="{99F5EC4F-F6C6-42F8-AFC3-91C377763419}"/>
-              </a:ext>
-            </a:extLst>
-          </p:cNvPr>
-          <p:cNvSpPr/>
-          <p:nvPr/>
-        </p:nvSpPr>
-        <p:spPr>
-          <a:xfrm>
-            <a:off x="10897579" y="5651754"/>
-            <a:ext cx="813732" cy="759558"/>
-          </a:xfrm>
-          <a:prstGeom prst="triangle">
-            <a:avLst/>
-          </a:prstGeom>
-          <a:solidFill>
-            <a:srgbClr val="FF0000"/>
-          </a:solidFill>
-        </p:spPr>
-        <p:style>
-          <a:lnRef idx="2">
-            <a:schemeClr val="accent1">
-              <a:shade val="50000"/>
-            </a:schemeClr>
-          </a:lnRef>
-          <a:fillRef idx="1">
-            <a:schemeClr val="accent1"/>
-          </a:fillRef>
-          <a:effectRef idx="0">
-            <a:schemeClr val="accent1"/>
-          </a:effectRef>
-          <a:fontRef idx="minor">
-            <a:schemeClr val="lt1"/>
-          </a:fontRef>
-        </p:style>
-        <p:txBody>
-          <a:bodyPr rtlCol="0" anchor="ctr"/>
-          <a:lstStyle/>
-          <a:p>
-            <a:pPr algn="ctr"/>
-            <a:endParaRPr lang="es-ES" sz="6000" dirty="0"/>
-          </a:p>
-        </p:txBody>
-      </p:sp>
-      <p:sp>
-        <p:nvSpPr>
-          <p:cNvPr id="37" name="Rectangle 10">
-            <a:extLst>
-              <a:ext uri="{FF2B5EF4-FFF2-40B4-BE49-F238E27FC236}">
-                <a16:creationId xmlns:a16="http://schemas.microsoft.com/office/drawing/2014/main" id="{619E3F3C-9557-45B8-B7BE-A1A5906BC749}"/>
-              </a:ext>
-            </a:extLst>
-          </p:cNvPr>
-          <p:cNvSpPr/>
-          <p:nvPr/>
-        </p:nvSpPr>
-        <p:spPr>
-          <a:xfrm>
-            <a:off x="11150603" y="5765668"/>
-            <a:ext cx="314510" cy="707886"/>
-          </a:xfrm>
-          <a:prstGeom prst="rect">
-            <a:avLst/>
-          </a:prstGeom>
-          <a:noFill/>
-        </p:spPr>
-        <p:txBody>
-          <a:bodyPr wrap="none" lIns="91440" tIns="45720" rIns="91440" bIns="45720">
-            <a:spAutoFit/>
-          </a:bodyPr>
-          <a:lstStyle/>
-          <a:p>
-            <a:r>
-              <a:rPr lang="en-US" sz="4000" b="1" dirty="0">
-                <a:ln w="0"/>
-                <a:effectLst>
-                  <a:outerShdw blurRad="38100" dist="19050" dir="2700000" algn="tl" rotWithShape="0">
-                    <a:schemeClr val="dk1">
-                      <a:alpha val="40000"/>
-                    </a:schemeClr>
-                  </a:outerShdw>
-                </a:effectLst>
-              </a:rPr>
-              <a:t>!</a:t>
-            </a:r>
-            <a:endParaRPr lang="en-US" sz="4000" b="1" cap="none" spc="0" dirty="0">
-              <a:ln w="0"/>
-              <a:solidFill>
-                <a:schemeClr val="tx1"/>
-              </a:solidFill>
-              <a:effectLst>
-                <a:outerShdw blurRad="38100" dist="19050" dir="2700000" algn="tl" rotWithShape="0">
-                  <a:schemeClr val="dk1">
-                    <a:alpha val="40000"/>
-                  </a:schemeClr>
-                </a:outerShdw>
-              </a:effectLst>
-            </a:endParaRPr>
-          </a:p>
-        </p:txBody>
-      </p:sp>
-      <p:sp>
-        <p:nvSpPr>
-          <p:cNvPr id="2" name="Rectangle: Rounded Corners 1">
-            <a:extLst>
-              <a:ext uri="{FF2B5EF4-FFF2-40B4-BE49-F238E27FC236}">
-                <a16:creationId xmlns:a16="http://schemas.microsoft.com/office/drawing/2014/main" id="{AD688467-04BE-4DCA-98EF-C699E60F5ACB}"/>
-              </a:ext>
-            </a:extLst>
-          </p:cNvPr>
-          <p:cNvSpPr/>
-          <p:nvPr/>
-        </p:nvSpPr>
-        <p:spPr>
-          <a:xfrm>
-            <a:off x="8518358" y="1491915"/>
-            <a:ext cx="3324453" cy="603523"/>
-          </a:xfrm>
-          <a:prstGeom prst="roundRect">
-            <a:avLst/>
-          </a:prstGeom>
-          <a:noFill/>
-          <a:ln w="28575">
-            <a:solidFill>
-              <a:schemeClr val="tx1"/>
-            </a:solidFill>
-          </a:ln>
-        </p:spPr>
-        <p:style>
-          <a:lnRef idx="2">
-            <a:schemeClr val="accent6"/>
-          </a:lnRef>
-          <a:fillRef idx="1">
-            <a:schemeClr val="lt1"/>
-          </a:fillRef>
-          <a:effectRef idx="0">
-            <a:schemeClr val="accent6"/>
-          </a:effectRef>
-          <a:fontRef idx="minor">
-            <a:schemeClr val="dk1"/>
-          </a:fontRef>
-        </p:style>
-        <p:txBody>
-          <a:bodyPr rtlCol="0" anchor="ctr"/>
-          <a:lstStyle/>
-          <a:p>
-            <a:pPr algn="ctr"/>
-            <a:endParaRPr lang="en-US"/>
-          </a:p>
-        </p:txBody>
-      </p:sp>
-      <p:sp>
-        <p:nvSpPr>
-          <p:cNvPr id="32" name="Rectangle 31">
-            <a:extLst>
-              <a:ext uri="{FF2B5EF4-FFF2-40B4-BE49-F238E27FC236}">
-                <a16:creationId xmlns:a16="http://schemas.microsoft.com/office/drawing/2014/main" id="{16D05F49-4973-4C17-87B9-F423095E1C5B}"/>
-              </a:ext>
-            </a:extLst>
-          </p:cNvPr>
-          <p:cNvSpPr/>
-          <p:nvPr/>
-        </p:nvSpPr>
-        <p:spPr>
-          <a:xfrm>
-            <a:off x="8625980" y="1588846"/>
-            <a:ext cx="3108543" cy="400110"/>
-          </a:xfrm>
-          <a:prstGeom prst="rect">
-            <a:avLst/>
-          </a:prstGeom>
-          <a:noFill/>
-        </p:spPr>
-        <p:txBody>
-          <a:bodyPr wrap="none" lIns="91440" tIns="45720" rIns="91440" bIns="45720">
-            <a:spAutoFit/>
-          </a:bodyPr>
-          <a:lstStyle/>
-          <a:p>
-            <a:pPr algn="ctr"/>
-            <a:r>
-              <a:rPr lang="es-VE" sz="2000" b="0" cap="none" spc="0" dirty="0">
-                <a:ln w="0"/>
-                <a:solidFill>
-                  <a:schemeClr val="tx1"/>
-                </a:solidFill>
-                <a:effectLst>
-                  <a:outerShdw blurRad="38100" dist="19050" dir="2700000" algn="tl" rotWithShape="0">
-                    <a:schemeClr val="dk1">
-                      <a:alpha val="40000"/>
-                    </a:schemeClr>
-                  </a:outerShdw>
-                </a:effectLst>
-              </a:rPr>
-              <a:t>Convertirse en </a:t>
-            </a:r>
-            <a:r>
-              <a:rPr lang="es-VE" sz="2000" dirty="0">
-                <a:ln w="0"/>
-                <a:effectLst>
-                  <a:outerShdw blurRad="38100" dist="19050" dir="2700000" algn="tl" rotWithShape="0">
-                    <a:schemeClr val="dk1">
-                      <a:alpha val="40000"/>
-                    </a:schemeClr>
-                  </a:outerShdw>
-                </a:effectLst>
-              </a:rPr>
-              <a:t>Cat-</a:t>
-            </a:r>
-            <a:r>
-              <a:rPr lang="es-VE" sz="2000" dirty="0" err="1">
-                <a:ln w="0"/>
-                <a:effectLst>
-                  <a:outerShdw blurRad="38100" dist="19050" dir="2700000" algn="tl" rotWithShape="0">
-                    <a:schemeClr val="dk1">
-                      <a:alpha val="40000"/>
-                    </a:schemeClr>
-                  </a:outerShdw>
-                </a:effectLst>
-              </a:rPr>
-              <a:t>Sitter</a:t>
-            </a:r>
-            <a:endParaRPr lang="en-US" sz="2000" b="0" cap="none" spc="0" dirty="0">
-              <a:ln w="0"/>
-              <a:solidFill>
-                <a:schemeClr val="tx1"/>
-              </a:solidFill>
-              <a:effectLst>
-                <a:outerShdw blurRad="38100" dist="19050" dir="2700000" algn="tl" rotWithShape="0">
-                  <a:schemeClr val="dk1">
-                    <a:alpha val="40000"/>
-                  </a:schemeClr>
-                </a:outerShdw>
-              </a:effectLst>
-            </a:endParaRPr>
-          </a:p>
-        </p:txBody>
-      </p:sp>
-      <p:sp>
-        <p:nvSpPr>
-          <p:cNvPr id="16" name="Rectangle 1">
-            <a:extLst>
-              <a:ext uri="{FF2B5EF4-FFF2-40B4-BE49-F238E27FC236}">
-                <a16:creationId xmlns:a16="http://schemas.microsoft.com/office/drawing/2014/main" id="{5D84D264-224E-404B-A240-5B0A6F2D586D}"/>
-              </a:ext>
-            </a:extLst>
-          </p:cNvPr>
-          <p:cNvSpPr/>
-          <p:nvPr/>
-        </p:nvSpPr>
-        <p:spPr>
-          <a:xfrm>
-            <a:off x="105167" y="92040"/>
+            <a:off x="94695" y="106531"/>
             <a:ext cx="12002610" cy="905523"/>
           </a:xfrm>
           <a:prstGeom prst="rect">
@@ -22882,7 +24293,7 @@
                   <a:srgbClr val="00B0F0"/>
                 </a:solidFill>
               </a:rPr>
-              <a:t>*logo*     </a:t>
+              <a:t>*logo*      </a:t>
             </a:r>
             <a:r>
               <a:rPr lang="es-VE" b="1" dirty="0">
@@ -22890,7 +24301,7 @@
                   <a:schemeClr val="bg1"/>
                 </a:solidFill>
               </a:rPr>
-              <a:t> Adopción     Consejos       </a:t>
+              <a:t>Adopción     </a:t>
             </a:r>
             <a:r>
               <a:rPr lang="es-VE" b="1" u="sng" dirty="0">
@@ -22898,23 +24309,7 @@
                   <a:srgbClr val="00B0F0"/>
                 </a:solidFill>
               </a:rPr>
-              <a:t>Cat-</a:t>
-            </a:r>
-            <a:r>
-              <a:rPr lang="es-VE" b="1" u="sng" dirty="0" err="1">
-                <a:solidFill>
-                  <a:srgbClr val="00B0F0"/>
-                </a:solidFill>
-              </a:rPr>
-              <a:t>Sitters</a:t>
-            </a:r>
-            <a:r>
-              <a:rPr lang="es-VE" b="1" u="sng" dirty="0">
-                <a:solidFill>
-                  <a:srgbClr val="00B0F0"/>
-                </a:solidFill>
-              </a:rPr>
-              <a:t> </a:t>
+              <a:t>Consejos</a:t>
             </a:r>
             <a:r>
               <a:rPr lang="es-VE" b="1" dirty="0">
@@ -22922,7 +24317,23 @@
                   <a:schemeClr val="bg1"/>
                 </a:solidFill>
               </a:rPr>
-              <a:t>      Mi Perfil        Chat       </a:t>
+              <a:t>       Cat-</a:t>
+            </a:r>
+            <a:r>
+              <a:rPr lang="es-VE" b="1" dirty="0" err="1">
+                <a:solidFill>
+                  <a:schemeClr val="bg1"/>
+                </a:solidFill>
+              </a:rPr>
+              <a:t>Sitters</a:t>
+            </a:r>
+            <a:r>
+              <a:rPr lang="es-VE" b="1" dirty="0">
+                <a:solidFill>
+                  <a:schemeClr val="bg1"/>
+                </a:solidFill>
+              </a:rPr>
+              <a:t>       Mi Perfil        Chat       </a:t>
             </a:r>
             <a:r>
               <a:rPr lang="es-VE" b="1" dirty="0" err="1">
@@ -22943,7 +24354,7 @@
     </p:spTree>
     <p:extLst>
       <p:ext uri="{BB962C8B-B14F-4D97-AF65-F5344CB8AC3E}">
-        <p14:creationId xmlns:p14="http://schemas.microsoft.com/office/powerpoint/2010/main" val="3853591599"/>
+        <p14:creationId xmlns:p14="http://schemas.microsoft.com/office/powerpoint/2010/main" val="599880843"/>
       </p:ext>
     </p:extLst>
   </p:cSld>
@@ -23039,8 +24450,8 @@
         </p:nvSpPr>
         <p:spPr>
           <a:xfrm>
-            <a:off x="337350" y="1359762"/>
-            <a:ext cx="11505461" cy="3989034"/>
+            <a:off x="337350" y="2238066"/>
+            <a:ext cx="11505461" cy="2069238"/>
           </a:xfrm>
           <a:prstGeom prst="rect">
             <a:avLst/>
@@ -23097,8 +24508,8 @@
         </p:nvSpPr>
         <p:spPr>
           <a:xfrm>
-            <a:off x="3793919" y="1509204"/>
-            <a:ext cx="2103461" cy="1261884"/>
+            <a:off x="3546255" y="2387508"/>
+            <a:ext cx="2598789" cy="1569660"/>
           </a:xfrm>
           <a:prstGeom prst="rect">
             <a:avLst/>
@@ -23112,6 +24523,22 @@
           <a:lstStyle/>
           <a:p>
             <a:pPr algn="ctr"/>
+            <a:r>
+              <a:rPr lang="en-US" sz="4000" b="0" cap="none" spc="0" dirty="0" err="1">
+                <a:ln w="0"/>
+                <a:solidFill>
+                  <a:schemeClr val="tx1"/>
+                </a:solidFill>
+                <a:effectLst>
+                  <a:outerShdw blurRad="38100" dist="19050" dir="2700000" algn="tl" rotWithShape="0">
+                    <a:schemeClr val="dk1">
+                      <a:alpha val="40000"/>
+                    </a:schemeClr>
+                  </a:outerShdw>
+                </a:effectLst>
+              </a:rPr>
+              <a:t>Catsitter</a:t>
+            </a:r>
             <a:r>
               <a:rPr lang="en-US" sz="4000" b="0" cap="none" spc="0" dirty="0">
                 <a:ln w="0"/>
@@ -23126,14 +24553,29 @@
                   </a:outerShdw>
                 </a:effectLst>
               </a:rPr>
-              <a:t>Mi </a:t>
-            </a:r>
-            <a:r>
-              <a:rPr lang="en-US" sz="4000" b="0" cap="none" spc="0" dirty="0" err="1">
+              <a:t> 1</a:t>
+            </a:r>
+          </a:p>
+          <a:p>
+            <a:pPr algn="ctr"/>
+            <a:endParaRPr lang="en-US" sz="3600" b="0" cap="none" spc="0" dirty="0">
+              <a:ln w="0"/>
+              <a:solidFill>
+                <a:schemeClr val="tx1"/>
+              </a:solidFill>
+              <a:effectLst>
+                <a:outerShdw blurRad="38100" dist="19050" dir="2700000" algn="tl" rotWithShape="0">
+                  <a:schemeClr val="dk1">
+                    <a:alpha val="40000"/>
+                  </a:schemeClr>
+                </a:outerShdw>
+              </a:effectLst>
+            </a:endParaRPr>
+          </a:p>
+          <a:p>
+            <a:r>
+              <a:rPr lang="en-US" sz="2000" dirty="0" err="1">
                 <a:ln w="0"/>
-                <a:solidFill>
-                  <a:schemeClr val="tx1"/>
-                </a:solidFill>
                 <a:effectLst>
                   <a:outerShdw blurRad="38100" dist="19050" dir="2700000" algn="tl" rotWithShape="0">
                     <a:schemeClr val="dk1">
@@ -23142,25 +24584,9 @@
                   </a:outerShdw>
                 </a:effectLst>
               </a:rPr>
-              <a:t>perfil</a:t>
-            </a:r>
-            <a:endParaRPr lang="en-US" sz="4000" b="0" cap="none" spc="0" dirty="0">
-              <a:ln w="0"/>
-              <a:solidFill>
-                <a:schemeClr val="tx1"/>
-              </a:solidFill>
-              <a:effectLst>
-                <a:outerShdw blurRad="38100" dist="19050" dir="2700000" algn="tl" rotWithShape="0">
-                  <a:schemeClr val="dk1">
-                    <a:alpha val="40000"/>
-                  </a:schemeClr>
-                </a:outerShdw>
-              </a:effectLst>
-            </a:endParaRPr>
-          </a:p>
-          <a:p>
-            <a:pPr algn="ctr"/>
-            <a:endParaRPr lang="en-US" sz="3600" b="0" cap="none" spc="0" dirty="0">
+              <a:t>Descripción</a:t>
+            </a:r>
+            <a:endParaRPr lang="en-US" sz="2000" b="0" cap="none" spc="0" dirty="0">
               <a:ln w="0"/>
               <a:solidFill>
                 <a:schemeClr val="tx1"/>
@@ -23190,7 +24616,7 @@
         </p:nvSpPr>
         <p:spPr>
           <a:xfrm>
-            <a:off x="559293" y="1509204"/>
+            <a:off x="559293" y="2387508"/>
             <a:ext cx="2805344" cy="1713390"/>
           </a:xfrm>
           <a:prstGeom prst="rect">
@@ -23242,10 +24668,10 @@
       </p:sp>
       <p:sp>
         <p:nvSpPr>
-          <p:cNvPr id="22" name="Rectangle 7">
+          <p:cNvPr id="10" name="Rectangle 9">
             <a:extLst>
               <a:ext uri="{FF2B5EF4-FFF2-40B4-BE49-F238E27FC236}">
-                <a16:creationId xmlns:a16="http://schemas.microsoft.com/office/drawing/2014/main" id="{D587A42D-DFA3-4438-8FFB-A49414A38134}"/>
+                <a16:creationId xmlns:a16="http://schemas.microsoft.com/office/drawing/2014/main" id="{48D1187B-93F3-4F98-A980-CDE35D5A5B7C}"/>
               </a:ext>
             </a:extLst>
           </p:cNvPr>
@@ -23254,97 +24680,16 @@
         </p:nvSpPr>
         <p:spPr>
           <a:xfrm>
-            <a:off x="559293" y="3429000"/>
-            <a:ext cx="2731838" cy="400110"/>
+            <a:off x="337350" y="4548480"/>
+            <a:ext cx="11505461" cy="2069238"/>
           </a:xfrm>
           <a:prstGeom prst="rect">
             <a:avLst/>
           </a:prstGeom>
-          <a:noFill/>
-        </p:spPr>
-        <p:txBody>
-          <a:bodyPr wrap="none" lIns="91440" tIns="45720" rIns="91440" bIns="45720">
-            <a:spAutoFit/>
-          </a:bodyPr>
-          <a:lstStyle/>
-          <a:p>
-            <a:r>
-              <a:rPr lang="en-US" sz="2000" dirty="0" err="1">
-                <a:ln w="0"/>
-                <a:effectLst>
-                  <a:outerShdw blurRad="38100" dist="19050" dir="2700000" algn="tl" rotWithShape="0">
-                    <a:schemeClr val="dk1">
-                      <a:alpha val="40000"/>
-                    </a:schemeClr>
-                  </a:outerShdw>
-                </a:effectLst>
-              </a:rPr>
-              <a:t>Descripción</a:t>
-            </a:r>
-            <a:r>
-              <a:rPr lang="en-US" sz="2000" dirty="0">
-                <a:ln w="0"/>
-                <a:effectLst>
-                  <a:outerShdw blurRad="38100" dist="19050" dir="2700000" algn="tl" rotWithShape="0">
-                    <a:schemeClr val="dk1">
-                      <a:alpha val="40000"/>
-                    </a:schemeClr>
-                  </a:outerShdw>
-                </a:effectLst>
-              </a:rPr>
-              <a:t> </a:t>
-            </a:r>
-            <a:r>
-              <a:rPr lang="en-US" sz="2000" dirty="0" err="1">
-                <a:ln w="0"/>
-                <a:effectLst>
-                  <a:outerShdw blurRad="38100" dist="19050" dir="2700000" algn="tl" rotWithShape="0">
-                    <a:schemeClr val="dk1">
-                      <a:alpha val="40000"/>
-                    </a:schemeClr>
-                  </a:outerShdw>
-                </a:effectLst>
-              </a:rPr>
-              <a:t>extendida</a:t>
-            </a:r>
-            <a:endParaRPr lang="en-US" sz="2000" b="0" cap="none" spc="0" dirty="0">
-              <a:ln w="0"/>
-              <a:solidFill>
-                <a:schemeClr val="tx1"/>
-              </a:solidFill>
-              <a:effectLst>
-                <a:outerShdw blurRad="38100" dist="19050" dir="2700000" algn="tl" rotWithShape="0">
-                  <a:schemeClr val="dk1">
-                    <a:alpha val="40000"/>
-                  </a:schemeClr>
-                </a:outerShdw>
-              </a:effectLst>
-            </a:endParaRPr>
-          </a:p>
-        </p:txBody>
-      </p:sp>
-      <p:sp>
-        <p:nvSpPr>
-          <p:cNvPr id="23" name="Rectangle: Rounded Corners 7">
-            <a:extLst>
-              <a:ext uri="{FF2B5EF4-FFF2-40B4-BE49-F238E27FC236}">
-                <a16:creationId xmlns:a16="http://schemas.microsoft.com/office/drawing/2014/main" id="{AB7E9AEE-AEE4-4A8F-8EFF-C9B6D41E71CC}"/>
-              </a:ext>
-            </a:extLst>
-          </p:cNvPr>
-          <p:cNvSpPr/>
-          <p:nvPr/>
-        </p:nvSpPr>
-        <p:spPr>
-          <a:xfrm>
-            <a:off x="8968117" y="5620148"/>
-            <a:ext cx="2782036" cy="717205"/>
-          </a:xfrm>
-          <a:prstGeom prst="roundRect">
-            <a:avLst/>
-          </a:prstGeom>
           <a:solidFill>
-            <a:schemeClr val="accent6"/>
+            <a:schemeClr val="bg1">
+              <a:lumMod val="85000"/>
+            </a:schemeClr>
           </a:solidFill>
           <a:ln>
             <a:noFill/>
@@ -23371,15 +24716,7 @@
           <a:lstStyle/>
           <a:p>
             <a:pPr algn="ctr"/>
-            <a:r>
-              <a:rPr lang="es-VE" sz="2000" dirty="0">
-                <a:solidFill>
-                  <a:schemeClr val="bg1"/>
-                </a:solidFill>
-              </a:rPr>
-              <a:t>Cambiar contraseña</a:t>
-            </a:r>
-            <a:endParaRPr lang="en-US" sz="2000" dirty="0">
+            <a:endParaRPr lang="en-US" b="1" dirty="0">
               <a:solidFill>
                 <a:schemeClr val="bg1"/>
               </a:solidFill>
@@ -23389,10 +24726,10 @@
       </p:sp>
       <p:sp>
         <p:nvSpPr>
-          <p:cNvPr id="10" name="Rectangle: Rounded Corners 7">
+          <p:cNvPr id="11" name="Rectangle 10">
             <a:extLst>
               <a:ext uri="{FF2B5EF4-FFF2-40B4-BE49-F238E27FC236}">
-                <a16:creationId xmlns:a16="http://schemas.microsoft.com/office/drawing/2014/main" id="{3954CC66-711D-4879-B280-A6F650B3FDB2}"/>
+                <a16:creationId xmlns:a16="http://schemas.microsoft.com/office/drawing/2014/main" id="{A1716EC3-E2BF-4FB4-BD24-01ECCA06BB98}"/>
               </a:ext>
             </a:extLst>
           </p:cNvPr>
@@ -23401,14 +24738,122 @@
         </p:nvSpPr>
         <p:spPr>
           <a:xfrm>
-            <a:off x="5838929" y="5620148"/>
-            <a:ext cx="2782036" cy="717205"/>
+            <a:off x="3546254" y="4769787"/>
+            <a:ext cx="2598789" cy="1569660"/>
           </a:xfrm>
-          <a:prstGeom prst="roundRect">
+          <a:prstGeom prst="rect">
+            <a:avLst/>
+          </a:prstGeom>
+          <a:noFill/>
+        </p:spPr>
+        <p:txBody>
+          <a:bodyPr wrap="none" lIns="91440" tIns="45720" rIns="91440" bIns="45720">
+            <a:spAutoFit/>
+          </a:bodyPr>
+          <a:lstStyle/>
+          <a:p>
+            <a:pPr algn="ctr"/>
+            <a:r>
+              <a:rPr lang="en-US" sz="4000" b="0" cap="none" spc="0" dirty="0" err="1">
+                <a:ln w="0"/>
+                <a:solidFill>
+                  <a:schemeClr val="tx1"/>
+                </a:solidFill>
+                <a:effectLst>
+                  <a:outerShdw blurRad="38100" dist="19050" dir="2700000" algn="tl" rotWithShape="0">
+                    <a:schemeClr val="dk1">
+                      <a:alpha val="40000"/>
+                    </a:schemeClr>
+                  </a:outerShdw>
+                </a:effectLst>
+              </a:rPr>
+              <a:t>Catsitter</a:t>
+            </a:r>
+            <a:r>
+              <a:rPr lang="en-US" sz="4000" b="0" cap="none" spc="0" dirty="0">
+                <a:ln w="0"/>
+                <a:solidFill>
+                  <a:schemeClr val="tx1"/>
+                </a:solidFill>
+                <a:effectLst>
+                  <a:outerShdw blurRad="38100" dist="19050" dir="2700000" algn="tl" rotWithShape="0">
+                    <a:schemeClr val="dk1">
+                      <a:alpha val="40000"/>
+                    </a:schemeClr>
+                  </a:outerShdw>
+                </a:effectLst>
+              </a:rPr>
+              <a:t> 2</a:t>
+            </a:r>
+          </a:p>
+          <a:p>
+            <a:pPr algn="ctr"/>
+            <a:endParaRPr lang="en-US" sz="3600" b="0" cap="none" spc="0" dirty="0">
+              <a:ln w="0"/>
+              <a:solidFill>
+                <a:schemeClr val="tx1"/>
+              </a:solidFill>
+              <a:effectLst>
+                <a:outerShdw blurRad="38100" dist="19050" dir="2700000" algn="tl" rotWithShape="0">
+                  <a:schemeClr val="dk1">
+                    <a:alpha val="40000"/>
+                  </a:schemeClr>
+                </a:outerShdw>
+              </a:effectLst>
+            </a:endParaRPr>
+          </a:p>
+          <a:p>
+            <a:r>
+              <a:rPr lang="en-US" sz="2000" dirty="0" err="1">
+                <a:ln w="0"/>
+                <a:effectLst>
+                  <a:outerShdw blurRad="38100" dist="19050" dir="2700000" algn="tl" rotWithShape="0">
+                    <a:schemeClr val="dk1">
+                      <a:alpha val="40000"/>
+                    </a:schemeClr>
+                  </a:outerShdw>
+                </a:effectLst>
+              </a:rPr>
+              <a:t>Descripción</a:t>
+            </a:r>
+            <a:endParaRPr lang="en-US" sz="2000" b="0" cap="none" spc="0" dirty="0">
+              <a:ln w="0"/>
+              <a:solidFill>
+                <a:schemeClr val="tx1"/>
+              </a:solidFill>
+              <a:effectLst>
+                <a:outerShdw blurRad="38100" dist="19050" dir="2700000" algn="tl" rotWithShape="0">
+                  <a:schemeClr val="dk1">
+                    <a:alpha val="40000"/>
+                  </a:schemeClr>
+                </a:outerShdw>
+              </a:effectLst>
+            </a:endParaRPr>
+          </a:p>
+        </p:txBody>
+      </p:sp>
+      <p:sp>
+        <p:nvSpPr>
+          <p:cNvPr id="12" name="Rectangle 11">
+            <a:extLst>
+              <a:ext uri="{FF2B5EF4-FFF2-40B4-BE49-F238E27FC236}">
+                <a16:creationId xmlns:a16="http://schemas.microsoft.com/office/drawing/2014/main" id="{DDAB76A2-ABB1-4E2C-A3B8-B14276C33DB0}"/>
+              </a:ext>
+            </a:extLst>
+          </p:cNvPr>
+          <p:cNvSpPr/>
+          <p:nvPr/>
+        </p:nvSpPr>
+        <p:spPr>
+          <a:xfrm>
+            <a:off x="559293" y="4697922"/>
+            <a:ext cx="2805344" cy="1713390"/>
+          </a:xfrm>
+          <a:prstGeom prst="rect">
             <a:avLst/>
           </a:prstGeom>
           <a:solidFill>
-            <a:schemeClr val="accent6"/>
+            <a:schemeClr val="bg1"/>
           </a:solidFill>
           <a:ln>
             <a:noFill/>
@@ -23436,16 +24881,16 @@
           <a:p>
             <a:pPr algn="ctr"/>
             <a:r>
-              <a:rPr lang="es-VE" sz="2000" dirty="0">
+              <a:rPr lang="es-VE" dirty="0">
                 <a:solidFill>
-                  <a:schemeClr val="bg1"/>
+                  <a:schemeClr val="tx1"/>
                 </a:solidFill>
               </a:rPr>
-              <a:t>Cambiar foto de perfil</a:t>
-            </a:r>
-            <a:endParaRPr lang="en-US" sz="2000" dirty="0">
-              <a:solidFill>
-                <a:schemeClr val="bg1"/>
+              <a:t>Foto de perfil</a:t>
+            </a:r>
+            <a:endParaRPr lang="en-US" dirty="0">
+              <a:solidFill>
+                <a:schemeClr val="tx1"/>
               </a:solidFill>
             </a:endParaRPr>
           </a:p>
@@ -23453,10 +24898,10 @@
       </p:sp>
       <p:sp>
         <p:nvSpPr>
-          <p:cNvPr id="12" name="Rectangle 1">
+          <p:cNvPr id="34" name="Triángulo isósceles 33">
             <a:extLst>
               <a:ext uri="{FF2B5EF4-FFF2-40B4-BE49-F238E27FC236}">
-                <a16:creationId xmlns:a16="http://schemas.microsoft.com/office/drawing/2014/main" id="{4A7B54AA-0ADB-4588-BB02-09B7045D5F8D}"/>
+                <a16:creationId xmlns:a16="http://schemas.microsoft.com/office/drawing/2014/main" id="{80A44F97-C4CA-4F73-AFFA-9A4F18DB3B97}"/>
               </a:ext>
             </a:extLst>
           </p:cNvPr>
@@ -23465,7 +24910,356 @@
         </p:nvSpPr>
         <p:spPr>
           <a:xfrm>
-            <a:off x="88775" y="106531"/>
+            <a:off x="10897579" y="3414700"/>
+            <a:ext cx="813732" cy="759558"/>
+          </a:xfrm>
+          <a:prstGeom prst="triangle">
+            <a:avLst/>
+          </a:prstGeom>
+          <a:solidFill>
+            <a:srgbClr val="FF0000"/>
+          </a:solidFill>
+        </p:spPr>
+        <p:style>
+          <a:lnRef idx="2">
+            <a:schemeClr val="accent1">
+              <a:shade val="50000"/>
+            </a:schemeClr>
+          </a:lnRef>
+          <a:fillRef idx="1">
+            <a:schemeClr val="accent1"/>
+          </a:fillRef>
+          <a:effectRef idx="0">
+            <a:schemeClr val="accent1"/>
+          </a:effectRef>
+          <a:fontRef idx="minor">
+            <a:schemeClr val="lt1"/>
+          </a:fontRef>
+        </p:style>
+        <p:txBody>
+          <a:bodyPr rtlCol="0" anchor="ctr"/>
+          <a:lstStyle/>
+          <a:p>
+            <a:pPr algn="ctr"/>
+            <a:endParaRPr lang="es-ES" sz="6000" dirty="0"/>
+          </a:p>
+        </p:txBody>
+      </p:sp>
+      <p:sp>
+        <p:nvSpPr>
+          <p:cNvPr id="35" name="Rectangle 10">
+            <a:extLst>
+              <a:ext uri="{FF2B5EF4-FFF2-40B4-BE49-F238E27FC236}">
+                <a16:creationId xmlns:a16="http://schemas.microsoft.com/office/drawing/2014/main" id="{9B2E0D7E-8036-4E46-AB6C-AA1A4619FE4D}"/>
+              </a:ext>
+            </a:extLst>
+          </p:cNvPr>
+          <p:cNvSpPr/>
+          <p:nvPr/>
+        </p:nvSpPr>
+        <p:spPr>
+          <a:xfrm>
+            <a:off x="11150603" y="3528614"/>
+            <a:ext cx="314510" cy="707886"/>
+          </a:xfrm>
+          <a:prstGeom prst="rect">
+            <a:avLst/>
+          </a:prstGeom>
+          <a:noFill/>
+        </p:spPr>
+        <p:txBody>
+          <a:bodyPr wrap="none" lIns="91440" tIns="45720" rIns="91440" bIns="45720">
+            <a:spAutoFit/>
+          </a:bodyPr>
+          <a:lstStyle/>
+          <a:p>
+            <a:r>
+              <a:rPr lang="en-US" sz="4000" b="1" dirty="0">
+                <a:ln w="0"/>
+                <a:effectLst>
+                  <a:outerShdw blurRad="38100" dist="19050" dir="2700000" algn="tl" rotWithShape="0">
+                    <a:schemeClr val="dk1">
+                      <a:alpha val="40000"/>
+                    </a:schemeClr>
+                  </a:outerShdw>
+                </a:effectLst>
+              </a:rPr>
+              <a:t>!</a:t>
+            </a:r>
+            <a:endParaRPr lang="en-US" sz="4000" b="1" cap="none" spc="0" dirty="0">
+              <a:ln w="0"/>
+              <a:solidFill>
+                <a:schemeClr val="tx1"/>
+              </a:solidFill>
+              <a:effectLst>
+                <a:outerShdw blurRad="38100" dist="19050" dir="2700000" algn="tl" rotWithShape="0">
+                  <a:schemeClr val="dk1">
+                    <a:alpha val="40000"/>
+                  </a:schemeClr>
+                </a:outerShdw>
+              </a:effectLst>
+            </a:endParaRPr>
+          </a:p>
+        </p:txBody>
+      </p:sp>
+      <p:sp>
+        <p:nvSpPr>
+          <p:cNvPr id="36" name="Triángulo isósceles 35">
+            <a:extLst>
+              <a:ext uri="{FF2B5EF4-FFF2-40B4-BE49-F238E27FC236}">
+                <a16:creationId xmlns:a16="http://schemas.microsoft.com/office/drawing/2014/main" id="{99F5EC4F-F6C6-42F8-AFC3-91C377763419}"/>
+              </a:ext>
+            </a:extLst>
+          </p:cNvPr>
+          <p:cNvSpPr/>
+          <p:nvPr/>
+        </p:nvSpPr>
+        <p:spPr>
+          <a:xfrm>
+            <a:off x="10897579" y="5651754"/>
+            <a:ext cx="813732" cy="759558"/>
+          </a:xfrm>
+          <a:prstGeom prst="triangle">
+            <a:avLst/>
+          </a:prstGeom>
+          <a:solidFill>
+            <a:srgbClr val="FF0000"/>
+          </a:solidFill>
+        </p:spPr>
+        <p:style>
+          <a:lnRef idx="2">
+            <a:schemeClr val="accent1">
+              <a:shade val="50000"/>
+            </a:schemeClr>
+          </a:lnRef>
+          <a:fillRef idx="1">
+            <a:schemeClr val="accent1"/>
+          </a:fillRef>
+          <a:effectRef idx="0">
+            <a:schemeClr val="accent1"/>
+          </a:effectRef>
+          <a:fontRef idx="minor">
+            <a:schemeClr val="lt1"/>
+          </a:fontRef>
+        </p:style>
+        <p:txBody>
+          <a:bodyPr rtlCol="0" anchor="ctr"/>
+          <a:lstStyle/>
+          <a:p>
+            <a:pPr algn="ctr"/>
+            <a:endParaRPr lang="es-ES" sz="6000" dirty="0"/>
+          </a:p>
+        </p:txBody>
+      </p:sp>
+      <p:sp>
+        <p:nvSpPr>
+          <p:cNvPr id="37" name="Rectangle 10">
+            <a:extLst>
+              <a:ext uri="{FF2B5EF4-FFF2-40B4-BE49-F238E27FC236}">
+                <a16:creationId xmlns:a16="http://schemas.microsoft.com/office/drawing/2014/main" id="{619E3F3C-9557-45B8-B7BE-A1A5906BC749}"/>
+              </a:ext>
+            </a:extLst>
+          </p:cNvPr>
+          <p:cNvSpPr/>
+          <p:nvPr/>
+        </p:nvSpPr>
+        <p:spPr>
+          <a:xfrm>
+            <a:off x="11150603" y="5765668"/>
+            <a:ext cx="314510" cy="707886"/>
+          </a:xfrm>
+          <a:prstGeom prst="rect">
+            <a:avLst/>
+          </a:prstGeom>
+          <a:noFill/>
+        </p:spPr>
+        <p:txBody>
+          <a:bodyPr wrap="none" lIns="91440" tIns="45720" rIns="91440" bIns="45720">
+            <a:spAutoFit/>
+          </a:bodyPr>
+          <a:lstStyle/>
+          <a:p>
+            <a:r>
+              <a:rPr lang="en-US" sz="4000" b="1" dirty="0">
+                <a:ln w="0"/>
+                <a:effectLst>
+                  <a:outerShdw blurRad="38100" dist="19050" dir="2700000" algn="tl" rotWithShape="0">
+                    <a:schemeClr val="dk1">
+                      <a:alpha val="40000"/>
+                    </a:schemeClr>
+                  </a:outerShdw>
+                </a:effectLst>
+              </a:rPr>
+              <a:t>!</a:t>
+            </a:r>
+            <a:endParaRPr lang="en-US" sz="4000" b="1" cap="none" spc="0" dirty="0">
+              <a:ln w="0"/>
+              <a:solidFill>
+                <a:schemeClr val="tx1"/>
+              </a:solidFill>
+              <a:effectLst>
+                <a:outerShdw blurRad="38100" dist="19050" dir="2700000" algn="tl" rotWithShape="0">
+                  <a:schemeClr val="dk1">
+                    <a:alpha val="40000"/>
+                  </a:schemeClr>
+                </a:outerShdw>
+              </a:effectLst>
+            </a:endParaRPr>
+          </a:p>
+        </p:txBody>
+      </p:sp>
+      <p:sp>
+        <p:nvSpPr>
+          <p:cNvPr id="2" name="Rectangle: Rounded Corners 1">
+            <a:extLst>
+              <a:ext uri="{FF2B5EF4-FFF2-40B4-BE49-F238E27FC236}">
+                <a16:creationId xmlns:a16="http://schemas.microsoft.com/office/drawing/2014/main" id="{AD688467-04BE-4DCA-98EF-C699E60F5ACB}"/>
+              </a:ext>
+            </a:extLst>
+          </p:cNvPr>
+          <p:cNvSpPr/>
+          <p:nvPr/>
+        </p:nvSpPr>
+        <p:spPr>
+          <a:xfrm>
+            <a:off x="8518358" y="1491915"/>
+            <a:ext cx="3324453" cy="603523"/>
+          </a:xfrm>
+          <a:prstGeom prst="roundRect">
+            <a:avLst/>
+          </a:prstGeom>
+          <a:noFill/>
+          <a:ln w="28575">
+            <a:solidFill>
+              <a:schemeClr val="tx1"/>
+            </a:solidFill>
+          </a:ln>
+        </p:spPr>
+        <p:style>
+          <a:lnRef idx="2">
+            <a:schemeClr val="accent6"/>
+          </a:lnRef>
+          <a:fillRef idx="1">
+            <a:schemeClr val="lt1"/>
+          </a:fillRef>
+          <a:effectRef idx="0">
+            <a:schemeClr val="accent6"/>
+          </a:effectRef>
+          <a:fontRef idx="minor">
+            <a:schemeClr val="dk1"/>
+          </a:fontRef>
+        </p:style>
+        <p:txBody>
+          <a:bodyPr rtlCol="0" anchor="ctr"/>
+          <a:lstStyle/>
+          <a:p>
+            <a:pPr algn="ctr"/>
+            <a:endParaRPr lang="en-US"/>
+          </a:p>
+        </p:txBody>
+      </p:sp>
+      <p:sp>
+        <p:nvSpPr>
+          <p:cNvPr id="32" name="Rectangle 31">
+            <a:extLst>
+              <a:ext uri="{FF2B5EF4-FFF2-40B4-BE49-F238E27FC236}">
+                <a16:creationId xmlns:a16="http://schemas.microsoft.com/office/drawing/2014/main" id="{16D05F49-4973-4C17-87B9-F423095E1C5B}"/>
+              </a:ext>
+            </a:extLst>
+          </p:cNvPr>
+          <p:cNvSpPr/>
+          <p:nvPr/>
+        </p:nvSpPr>
+        <p:spPr>
+          <a:xfrm>
+            <a:off x="8625980" y="1588846"/>
+            <a:ext cx="3108543" cy="400110"/>
+          </a:xfrm>
+          <a:prstGeom prst="rect">
+            <a:avLst/>
+          </a:prstGeom>
+          <a:noFill/>
+        </p:spPr>
+        <p:txBody>
+          <a:bodyPr wrap="none" lIns="91440" tIns="45720" rIns="91440" bIns="45720">
+            <a:spAutoFit/>
+          </a:bodyPr>
+          <a:lstStyle/>
+          <a:p>
+            <a:pPr algn="ctr"/>
+            <a:r>
+              <a:rPr lang="es-VE" sz="2000" b="0" cap="none" spc="0" dirty="0">
+                <a:ln w="0"/>
+                <a:solidFill>
+                  <a:schemeClr val="tx1"/>
+                </a:solidFill>
+                <a:effectLst>
+                  <a:outerShdw blurRad="38100" dist="19050" dir="2700000" algn="tl" rotWithShape="0">
+                    <a:schemeClr val="dk1">
+                      <a:alpha val="40000"/>
+                    </a:schemeClr>
+                  </a:outerShdw>
+                </a:effectLst>
+              </a:rPr>
+              <a:t>Convertirse en </a:t>
+            </a:r>
+            <a:r>
+              <a:rPr lang="es-VE" sz="2000" dirty="0">
+                <a:ln w="0"/>
+                <a:effectLst>
+                  <a:outerShdw blurRad="38100" dist="19050" dir="2700000" algn="tl" rotWithShape="0">
+                    <a:schemeClr val="dk1">
+                      <a:alpha val="40000"/>
+                    </a:schemeClr>
+                  </a:outerShdw>
+                </a:effectLst>
+              </a:rPr>
+              <a:t>Cat-</a:t>
+            </a:r>
+            <a:r>
+              <a:rPr lang="es-VE" sz="2000" dirty="0" err="1">
+                <a:ln w="0"/>
+                <a:effectLst>
+                  <a:outerShdw blurRad="38100" dist="19050" dir="2700000" algn="tl" rotWithShape="0">
+                    <a:schemeClr val="dk1">
+                      <a:alpha val="40000"/>
+                    </a:schemeClr>
+                  </a:outerShdw>
+                </a:effectLst>
+              </a:rPr>
+              <a:t>Sitter</a:t>
+            </a:r>
+            <a:endParaRPr lang="en-US" sz="2000" b="0" cap="none" spc="0" dirty="0">
+              <a:ln w="0"/>
+              <a:solidFill>
+                <a:schemeClr val="tx1"/>
+              </a:solidFill>
+              <a:effectLst>
+                <a:outerShdw blurRad="38100" dist="19050" dir="2700000" algn="tl" rotWithShape="0">
+                  <a:schemeClr val="dk1">
+                    <a:alpha val="40000"/>
+                  </a:schemeClr>
+                </a:outerShdw>
+              </a:effectLst>
+            </a:endParaRPr>
+          </a:p>
+        </p:txBody>
+      </p:sp>
+      <p:sp>
+        <p:nvSpPr>
+          <p:cNvPr id="16" name="Rectangle 1">
+            <a:extLst>
+              <a:ext uri="{FF2B5EF4-FFF2-40B4-BE49-F238E27FC236}">
+                <a16:creationId xmlns:a16="http://schemas.microsoft.com/office/drawing/2014/main" id="{5D84D264-224E-404B-A240-5B0A6F2D586D}"/>
+              </a:ext>
+            </a:extLst>
+          </p:cNvPr>
+          <p:cNvSpPr/>
+          <p:nvPr/>
+        </p:nvSpPr>
+        <p:spPr>
+          <a:xfrm>
+            <a:off x="105167" y="92040"/>
             <a:ext cx="12002610" cy="905523"/>
           </a:xfrm>
           <a:prstGeom prst="rect">
@@ -23515,12 +25309,20 @@
                   <a:schemeClr val="bg1"/>
                 </a:solidFill>
               </a:rPr>
-              <a:t> Adopción     Consejos       Cat-</a:t>
-            </a:r>
-            <a:r>
-              <a:rPr lang="es-VE" b="1" dirty="0" err="1">
+              <a:t> Adopción     Consejos       </a:t>
+            </a:r>
+            <a:r>
+              <a:rPr lang="es-VE" b="1" u="sng" dirty="0">
                 <a:solidFill>
-                  <a:schemeClr val="bg1"/>
+                  <a:srgbClr val="00B0F0"/>
+                </a:solidFill>
+              </a:rPr>
+              <a:t>Cat-</a:t>
+            </a:r>
+            <a:r>
+              <a:rPr lang="es-VE" b="1" u="sng" dirty="0" err="1">
+                <a:solidFill>
+                  <a:srgbClr val="00B0F0"/>
                 </a:solidFill>
               </a:rPr>
               <a:t>Sitters</a:t>
@@ -23539,23 +25341,7 @@
                   <a:schemeClr val="bg1"/>
                 </a:solidFill>
               </a:rPr>
-              <a:t>      </a:t>
-            </a:r>
-            <a:r>
-              <a:rPr lang="es-VE" b="1" u="sng" dirty="0">
-                <a:solidFill>
-                  <a:srgbClr val="00B0F0"/>
-                </a:solidFill>
-              </a:rPr>
-              <a:t>Mi Perfil</a:t>
-            </a:r>
-            <a:r>
-              <a:rPr lang="es-VE" b="1" dirty="0">
-                <a:solidFill>
-                  <a:schemeClr val="bg1"/>
-                </a:solidFill>
-              </a:rPr>
-              <a:t>        Chat       </a:t>
+              <a:t>      Mi Perfil        Chat       </a:t>
             </a:r>
             <a:r>
               <a:rPr lang="es-VE" b="1" dirty="0" err="1">
@@ -23576,7 +25362,7 @@
     </p:spTree>
     <p:extLst>
       <p:ext uri="{BB962C8B-B14F-4D97-AF65-F5344CB8AC3E}">
-        <p14:creationId xmlns:p14="http://schemas.microsoft.com/office/powerpoint/2010/main" val="867515054"/>
+        <p14:creationId xmlns:p14="http://schemas.microsoft.com/office/powerpoint/2010/main" val="3853591599"/>
       </p:ext>
     </p:extLst>
   </p:cSld>

--- a/Docs/Documento de diseño Cat-Attack.pptx
+++ b/Docs/Documento de diseño Cat-Attack.pptx
@@ -21,6 +21,11 @@
     <p:sldId id="265" r:id="rId15"/>
     <p:sldId id="271" r:id="rId16"/>
     <p:sldId id="269" r:id="rId17"/>
+    <p:sldId id="274" r:id="rId18"/>
+    <p:sldId id="275" r:id="rId19"/>
+    <p:sldId id="276" r:id="rId20"/>
+    <p:sldId id="277" r:id="rId21"/>
+    <p:sldId id="278" r:id="rId22"/>
   </p:sldIdLst>
   <p:sldSz cx="12192000" cy="6858000"/>
   <p:notesSz cx="6858000" cy="9144000"/>
@@ -16812,98 +16817,6 @@
       </p:sp>
       <p:sp>
         <p:nvSpPr>
-          <p:cNvPr id="14" name="Rectangle 10">
-            <a:extLst>
-              <a:ext uri="{FF2B5EF4-FFF2-40B4-BE49-F238E27FC236}">
-                <a16:creationId xmlns:a16="http://schemas.microsoft.com/office/drawing/2014/main" id="{29C8EECF-C1D9-4A22-9FD3-FA6C5996270A}"/>
-              </a:ext>
-            </a:extLst>
-          </p:cNvPr>
-          <p:cNvSpPr/>
-          <p:nvPr/>
-        </p:nvSpPr>
-        <p:spPr>
-          <a:xfrm>
-            <a:off x="9610453" y="1450481"/>
-            <a:ext cx="1939955" cy="400110"/>
-          </a:xfrm>
-          <a:prstGeom prst="rect">
-            <a:avLst/>
-          </a:prstGeom>
-          <a:noFill/>
-        </p:spPr>
-        <p:txBody>
-          <a:bodyPr wrap="none" lIns="91440" tIns="45720" rIns="91440" bIns="45720">
-            <a:spAutoFit/>
-          </a:bodyPr>
-          <a:lstStyle/>
-          <a:p>
-            <a:r>
-              <a:rPr lang="en-US" sz="2000" b="0" cap="none" spc="0" dirty="0" err="1">
-                <a:ln w="0"/>
-                <a:solidFill>
-                  <a:schemeClr val="tx1"/>
-                </a:solidFill>
-                <a:effectLst>
-                  <a:outerShdw blurRad="38100" dist="19050" dir="2700000" algn="tl" rotWithShape="0">
-                    <a:schemeClr val="dk1">
-                      <a:alpha val="40000"/>
-                    </a:schemeClr>
-                  </a:outerShdw>
-                </a:effectLst>
-              </a:rPr>
-              <a:t>Usuario</a:t>
-            </a:r>
-            <a:r>
-              <a:rPr lang="en-US" sz="2000" b="0" cap="none" spc="0" dirty="0">
-                <a:ln w="0"/>
-                <a:solidFill>
-                  <a:schemeClr val="tx1"/>
-                </a:solidFill>
-                <a:effectLst>
-                  <a:outerShdw blurRad="38100" dist="19050" dir="2700000" algn="tl" rotWithShape="0">
-                    <a:schemeClr val="dk1">
-                      <a:alpha val="40000"/>
-                    </a:schemeClr>
-                  </a:outerShdw>
-                </a:effectLst>
-              </a:rPr>
-              <a:t> </a:t>
-            </a:r>
-            <a:r>
-              <a:rPr lang="en-US" sz="2000" b="0" cap="none" spc="0" dirty="0" err="1">
-                <a:ln w="0"/>
-                <a:solidFill>
-                  <a:schemeClr val="tx1"/>
-                </a:solidFill>
-                <a:effectLst>
-                  <a:outerShdw blurRad="38100" dist="19050" dir="2700000" algn="tl" rotWithShape="0">
-                    <a:schemeClr val="dk1">
-                      <a:alpha val="40000"/>
-                    </a:schemeClr>
-                  </a:outerShdw>
-                </a:effectLst>
-              </a:rPr>
-              <a:t>emisor</a:t>
-            </a:r>
-            <a:endParaRPr lang="en-US" sz="2000" b="0" cap="none" spc="0" dirty="0">
-              <a:ln w="0"/>
-              <a:solidFill>
-                <a:schemeClr val="tx1"/>
-              </a:solidFill>
-              <a:effectLst>
-                <a:outerShdw blurRad="38100" dist="19050" dir="2700000" algn="tl" rotWithShape="0">
-                  <a:schemeClr val="dk1">
-                    <a:alpha val="40000"/>
-                  </a:schemeClr>
-                </a:outerShdw>
-              </a:effectLst>
-            </a:endParaRPr>
-          </a:p>
-        </p:txBody>
-      </p:sp>
-      <p:sp>
-        <p:nvSpPr>
           <p:cNvPr id="15" name="Rectangle 7">
             <a:extLst>
               <a:ext uri="{FF2B5EF4-FFF2-40B4-BE49-F238E27FC236}">
@@ -16993,98 +16906,6 @@
                 </a:effectLst>
               </a:rPr>
               <a:t>Detalles</a:t>
-            </a:r>
-            <a:endParaRPr lang="en-US" sz="2000" b="0" cap="none" spc="0" dirty="0">
-              <a:ln w="0"/>
-              <a:solidFill>
-                <a:schemeClr val="tx1"/>
-              </a:solidFill>
-              <a:effectLst>
-                <a:outerShdw blurRad="38100" dist="19050" dir="2700000" algn="tl" rotWithShape="0">
-                  <a:schemeClr val="dk1">
-                    <a:alpha val="40000"/>
-                  </a:schemeClr>
-                </a:outerShdw>
-              </a:effectLst>
-            </a:endParaRPr>
-          </a:p>
-        </p:txBody>
-      </p:sp>
-      <p:sp>
-        <p:nvSpPr>
-          <p:cNvPr id="16" name="Rectangle 10">
-            <a:extLst>
-              <a:ext uri="{FF2B5EF4-FFF2-40B4-BE49-F238E27FC236}">
-                <a16:creationId xmlns:a16="http://schemas.microsoft.com/office/drawing/2014/main" id="{3D9E0167-78E5-46E6-9FBC-F1CD9D105AEC}"/>
-              </a:ext>
-            </a:extLst>
-          </p:cNvPr>
-          <p:cNvSpPr/>
-          <p:nvPr/>
-        </p:nvSpPr>
-        <p:spPr>
-          <a:xfrm>
-            <a:off x="9610453" y="3734972"/>
-            <a:ext cx="1939955" cy="400110"/>
-          </a:xfrm>
-          <a:prstGeom prst="rect">
-            <a:avLst/>
-          </a:prstGeom>
-          <a:noFill/>
-        </p:spPr>
-        <p:txBody>
-          <a:bodyPr wrap="none" lIns="91440" tIns="45720" rIns="91440" bIns="45720">
-            <a:spAutoFit/>
-          </a:bodyPr>
-          <a:lstStyle/>
-          <a:p>
-            <a:r>
-              <a:rPr lang="en-US" sz="2000" b="0" cap="none" spc="0" dirty="0" err="1">
-                <a:ln w="0"/>
-                <a:solidFill>
-                  <a:schemeClr val="tx1"/>
-                </a:solidFill>
-                <a:effectLst>
-                  <a:outerShdw blurRad="38100" dist="19050" dir="2700000" algn="tl" rotWithShape="0">
-                    <a:schemeClr val="dk1">
-                      <a:alpha val="40000"/>
-                    </a:schemeClr>
-                  </a:outerShdw>
-                </a:effectLst>
-              </a:rPr>
-              <a:t>Usuario</a:t>
-            </a:r>
-            <a:r>
-              <a:rPr lang="en-US" sz="2000" b="0" cap="none" spc="0" dirty="0">
-                <a:ln w="0"/>
-                <a:solidFill>
-                  <a:schemeClr val="tx1"/>
-                </a:solidFill>
-                <a:effectLst>
-                  <a:outerShdw blurRad="38100" dist="19050" dir="2700000" algn="tl" rotWithShape="0">
-                    <a:schemeClr val="dk1">
-                      <a:alpha val="40000"/>
-                    </a:schemeClr>
-                  </a:outerShdw>
-                </a:effectLst>
-              </a:rPr>
-              <a:t> </a:t>
-            </a:r>
-            <a:r>
-              <a:rPr lang="en-US" sz="2000" b="0" cap="none" spc="0" dirty="0" err="1">
-                <a:ln w="0"/>
-                <a:solidFill>
-                  <a:schemeClr val="tx1"/>
-                </a:solidFill>
-                <a:effectLst>
-                  <a:outerShdw blurRad="38100" dist="19050" dir="2700000" algn="tl" rotWithShape="0">
-                    <a:schemeClr val="dk1">
-                      <a:alpha val="40000"/>
-                    </a:schemeClr>
-                  </a:outerShdw>
-                </a:effectLst>
-              </a:rPr>
-              <a:t>emisor</a:t>
             </a:r>
             <a:endParaRPr lang="en-US" sz="2000" b="0" cap="none" spc="0" dirty="0">
               <a:ln w="0"/>
@@ -17156,7 +16977,7 @@
                   <a:schemeClr val="bg1"/>
                 </a:solidFill>
               </a:rPr>
-              <a:t>Resolver incidencia</a:t>
+              <a:t>Borrar</a:t>
             </a:r>
             <a:endParaRPr lang="en-US" sz="2000" dirty="0">
               <a:solidFill>
@@ -17220,7 +17041,135 @@
                   <a:schemeClr val="bg1"/>
                 </a:solidFill>
               </a:rPr>
-              <a:t>Resolver incidencia</a:t>
+              <a:t>Borrar</a:t>
+            </a:r>
+            <a:endParaRPr lang="en-US" sz="2000" dirty="0">
+              <a:solidFill>
+                <a:schemeClr val="bg1"/>
+              </a:solidFill>
+            </a:endParaRPr>
+          </a:p>
+        </p:txBody>
+      </p:sp>
+      <p:sp>
+        <p:nvSpPr>
+          <p:cNvPr id="12" name="Rectangle: Rounded Corners 7">
+            <a:extLst>
+              <a:ext uri="{FF2B5EF4-FFF2-40B4-BE49-F238E27FC236}">
+                <a16:creationId xmlns:a16="http://schemas.microsoft.com/office/drawing/2014/main" id="{4A3D23B0-944A-4D55-A3E4-7967CE83A9C3}"/>
+              </a:ext>
+            </a:extLst>
+          </p:cNvPr>
+          <p:cNvSpPr/>
+          <p:nvPr/>
+        </p:nvSpPr>
+        <p:spPr>
+          <a:xfrm>
+            <a:off x="5791234" y="2561971"/>
+            <a:ext cx="2782036" cy="717205"/>
+          </a:xfrm>
+          <a:prstGeom prst="roundRect">
+            <a:avLst/>
+          </a:prstGeom>
+          <a:solidFill>
+            <a:srgbClr val="00B050"/>
+          </a:solidFill>
+          <a:ln>
+            <a:noFill/>
+          </a:ln>
+        </p:spPr>
+        <p:style>
+          <a:lnRef idx="2">
+            <a:schemeClr val="accent1">
+              <a:shade val="50000"/>
+            </a:schemeClr>
+          </a:lnRef>
+          <a:fillRef idx="1">
+            <a:schemeClr val="accent1"/>
+          </a:fillRef>
+          <a:effectRef idx="0">
+            <a:schemeClr val="accent1"/>
+          </a:effectRef>
+          <a:fontRef idx="minor">
+            <a:schemeClr val="lt1"/>
+          </a:fontRef>
+        </p:style>
+        <p:txBody>
+          <a:bodyPr rtlCol="0" anchor="ctr"/>
+          <a:lstStyle/>
+          <a:p>
+            <a:pPr algn="ctr"/>
+            <a:r>
+              <a:rPr lang="es-VE" sz="2000" dirty="0">
+                <a:solidFill>
+                  <a:schemeClr val="bg1"/>
+                </a:solidFill>
+              </a:rPr>
+              <a:t>Resolver</a:t>
+            </a:r>
+            <a:endParaRPr lang="en-US" sz="2000" dirty="0">
+              <a:solidFill>
+                <a:schemeClr val="bg1"/>
+              </a:solidFill>
+            </a:endParaRPr>
+          </a:p>
+        </p:txBody>
+      </p:sp>
+      <p:sp>
+        <p:nvSpPr>
+          <p:cNvPr id="18" name="Rectangle: Rounded Corners 7">
+            <a:extLst>
+              <a:ext uri="{FF2B5EF4-FFF2-40B4-BE49-F238E27FC236}">
+                <a16:creationId xmlns:a16="http://schemas.microsoft.com/office/drawing/2014/main" id="{A107556D-4CB6-4365-824C-F908F5171AFA}"/>
+              </a:ext>
+            </a:extLst>
+          </p:cNvPr>
+          <p:cNvSpPr/>
+          <p:nvPr/>
+        </p:nvSpPr>
+        <p:spPr>
+          <a:xfrm>
+            <a:off x="5791234" y="4864922"/>
+            <a:ext cx="2782036" cy="717205"/>
+          </a:xfrm>
+          <a:prstGeom prst="roundRect">
+            <a:avLst/>
+          </a:prstGeom>
+          <a:solidFill>
+            <a:srgbClr val="00B050"/>
+          </a:solidFill>
+          <a:ln>
+            <a:noFill/>
+          </a:ln>
+        </p:spPr>
+        <p:style>
+          <a:lnRef idx="2">
+            <a:schemeClr val="accent1">
+              <a:shade val="50000"/>
+            </a:schemeClr>
+          </a:lnRef>
+          <a:fillRef idx="1">
+            <a:schemeClr val="accent1"/>
+          </a:fillRef>
+          <a:effectRef idx="0">
+            <a:schemeClr val="accent1"/>
+          </a:effectRef>
+          <a:fontRef idx="minor">
+            <a:schemeClr val="lt1"/>
+          </a:fontRef>
+        </p:style>
+        <p:txBody>
+          <a:bodyPr rtlCol="0" anchor="ctr"/>
+          <a:lstStyle/>
+          <a:p>
+            <a:pPr algn="ctr"/>
+            <a:r>
+              <a:rPr lang="es-VE" sz="2000" dirty="0">
+                <a:solidFill>
+                  <a:schemeClr val="bg1"/>
+                </a:solidFill>
+              </a:rPr>
+              <a:t>Resolver</a:t>
             </a:r>
             <a:endParaRPr lang="en-US" sz="2000" dirty="0">
               <a:solidFill>
@@ -18394,6 +18343,788 @@
 </p:sld>
 </file>
 
+<file path=ppt/slides/slide17.xml><?xml version="1.0" encoding="utf-8"?>
+<p:sld xmlns:a="http://schemas.openxmlformats.org/drawingml/2006/main" xmlns:r="http://schemas.openxmlformats.org/officeDocument/2006/relationships" xmlns:p="http://schemas.openxmlformats.org/presentationml/2006/main">
+  <p:cSld>
+    <p:spTree>
+      <p:nvGrpSpPr>
+        <p:cNvPr id="1" name=""/>
+        <p:cNvGrpSpPr/>
+        <p:nvPr/>
+      </p:nvGrpSpPr>
+      <p:grpSpPr>
+        <a:xfrm>
+          <a:off x="0" y="0"/>
+          <a:ext cx="0" cy="0"/>
+          <a:chOff x="0" y="0"/>
+          <a:chExt cx="0" cy="0"/>
+        </a:xfrm>
+      </p:grpSpPr>
+      <p:sp>
+        <p:nvSpPr>
+          <p:cNvPr id="2" name="Rectangle 1">
+            <a:extLst>
+              <a:ext uri="{FF2B5EF4-FFF2-40B4-BE49-F238E27FC236}">
+                <a16:creationId xmlns:a16="http://schemas.microsoft.com/office/drawing/2014/main" id="{10843CF8-49A6-4FAE-9CA5-E01E74755B2A}"/>
+              </a:ext>
+            </a:extLst>
+          </p:cNvPr>
+          <p:cNvSpPr/>
+          <p:nvPr/>
+        </p:nvSpPr>
+        <p:spPr>
+          <a:xfrm>
+            <a:off x="1416674" y="2037542"/>
+            <a:ext cx="9358652" cy="2554545"/>
+          </a:xfrm>
+          <a:prstGeom prst="rect">
+            <a:avLst/>
+          </a:prstGeom>
+          <a:noFill/>
+        </p:spPr>
+        <p:txBody>
+          <a:bodyPr wrap="none" lIns="91440" tIns="45720" rIns="91440" bIns="45720">
+            <a:spAutoFit/>
+          </a:bodyPr>
+          <a:lstStyle/>
+          <a:p>
+            <a:pPr algn="ctr"/>
+            <a:r>
+              <a:rPr lang="en-US" sz="8000" b="1" dirty="0">
+                <a:ln w="10160">
+                  <a:solidFill>
+                    <a:schemeClr val="tx1"/>
+                  </a:solidFill>
+                  <a:prstDash val="solid"/>
+                </a:ln>
+                <a:solidFill>
+                  <a:srgbClr val="FFFFFF"/>
+                </a:solidFill>
+                <a:effectLst>
+                  <a:outerShdw blurRad="38100" dist="22860" dir="5400000" algn="tl" rotWithShape="0">
+                    <a:srgbClr val="000000">
+                      <a:alpha val="30000"/>
+                    </a:srgbClr>
+                  </a:outerShdw>
+                </a:effectLst>
+              </a:rPr>
+              <a:t>ARQUITECTURA DE </a:t>
+            </a:r>
+          </a:p>
+          <a:p>
+            <a:pPr algn="ctr"/>
+            <a:r>
+              <a:rPr lang="en-US" sz="8000" b="1" dirty="0">
+                <a:ln w="10160">
+                  <a:solidFill>
+                    <a:schemeClr val="tx1"/>
+                  </a:solidFill>
+                  <a:prstDash val="solid"/>
+                </a:ln>
+                <a:solidFill>
+                  <a:srgbClr val="FFFFFF"/>
+                </a:solidFill>
+                <a:effectLst>
+                  <a:outerShdw blurRad="38100" dist="22860" dir="5400000" algn="tl" rotWithShape="0">
+                    <a:srgbClr val="000000">
+                      <a:alpha val="30000"/>
+                    </a:srgbClr>
+                  </a:outerShdw>
+                </a:effectLst>
+              </a:rPr>
+              <a:t>CAT-ATTACK</a:t>
+            </a:r>
+            <a:endParaRPr lang="en-US" sz="9800" b="1" cap="none" spc="0" dirty="0">
+              <a:ln w="10160">
+                <a:solidFill>
+                  <a:schemeClr val="tx1"/>
+                </a:solidFill>
+                <a:prstDash val="solid"/>
+              </a:ln>
+              <a:solidFill>
+                <a:srgbClr val="FFFFFF"/>
+              </a:solidFill>
+              <a:effectLst>
+                <a:outerShdw blurRad="38100" dist="22860" dir="5400000" algn="tl" rotWithShape="0">
+                  <a:srgbClr val="000000">
+                    <a:alpha val="30000"/>
+                  </a:srgbClr>
+                </a:outerShdw>
+              </a:effectLst>
+            </a:endParaRPr>
+          </a:p>
+        </p:txBody>
+      </p:sp>
+    </p:spTree>
+    <p:extLst>
+      <p:ext uri="{BB962C8B-B14F-4D97-AF65-F5344CB8AC3E}">
+        <p14:creationId xmlns:p14="http://schemas.microsoft.com/office/powerpoint/2010/main" val="360016224"/>
+      </p:ext>
+    </p:extLst>
+  </p:cSld>
+  <p:clrMapOvr>
+    <a:masterClrMapping/>
+  </p:clrMapOvr>
+</p:sld>
+</file>
+
+<file path=ppt/slides/slide18.xml><?xml version="1.0" encoding="utf-8"?>
+<p:sld xmlns:a="http://schemas.openxmlformats.org/drawingml/2006/main" xmlns:r="http://schemas.openxmlformats.org/officeDocument/2006/relationships" xmlns:p="http://schemas.openxmlformats.org/presentationml/2006/main">
+  <p:cSld>
+    <p:spTree>
+      <p:nvGrpSpPr>
+        <p:cNvPr id="1" name=""/>
+        <p:cNvGrpSpPr/>
+        <p:nvPr/>
+      </p:nvGrpSpPr>
+      <p:grpSpPr>
+        <a:xfrm>
+          <a:off x="0" y="0"/>
+          <a:ext cx="0" cy="0"/>
+          <a:chOff x="0" y="0"/>
+          <a:chExt cx="0" cy="0"/>
+        </a:xfrm>
+      </p:grpSpPr>
+      <p:sp>
+        <p:nvSpPr>
+          <p:cNvPr id="3" name="Rectangle 1">
+            <a:extLst>
+              <a:ext uri="{FF2B5EF4-FFF2-40B4-BE49-F238E27FC236}">
+                <a16:creationId xmlns:a16="http://schemas.microsoft.com/office/drawing/2014/main" id="{6F7AC910-5847-41EC-95CE-CD38BCA3BCD8}"/>
+              </a:ext>
+            </a:extLst>
+          </p:cNvPr>
+          <p:cNvSpPr/>
+          <p:nvPr/>
+        </p:nvSpPr>
+        <p:spPr>
+          <a:xfrm>
+            <a:off x="94695" y="106531"/>
+            <a:ext cx="12002610" cy="905523"/>
+          </a:xfrm>
+          <a:prstGeom prst="rect">
+            <a:avLst/>
+          </a:prstGeom>
+          <a:solidFill>
+            <a:schemeClr val="tx1">
+              <a:lumMod val="65000"/>
+              <a:lumOff val="35000"/>
+            </a:schemeClr>
+          </a:solidFill>
+          <a:ln>
+            <a:noFill/>
+          </a:ln>
+        </p:spPr>
+        <p:style>
+          <a:lnRef idx="2">
+            <a:schemeClr val="accent1">
+              <a:shade val="50000"/>
+            </a:schemeClr>
+          </a:lnRef>
+          <a:fillRef idx="1">
+            <a:schemeClr val="accent1"/>
+          </a:fillRef>
+          <a:effectRef idx="0">
+            <a:schemeClr val="accent1"/>
+          </a:effectRef>
+          <a:fontRef idx="minor">
+            <a:schemeClr val="lt1"/>
+          </a:fontRef>
+        </p:style>
+        <p:txBody>
+          <a:bodyPr rtlCol="0" anchor="ctr"/>
+          <a:lstStyle/>
+          <a:p>
+            <a:pPr algn="ctr"/>
+            <a:r>
+              <a:rPr lang="es-VE" b="1" dirty="0">
+                <a:solidFill>
+                  <a:schemeClr val="bg1"/>
+                </a:solidFill>
+              </a:rPr>
+              <a:t>Arquitecturas de Cat-</a:t>
+            </a:r>
+            <a:r>
+              <a:rPr lang="es-VE" b="1" dirty="0" err="1">
+                <a:solidFill>
+                  <a:schemeClr val="bg1"/>
+                </a:solidFill>
+              </a:rPr>
+              <a:t>Attack</a:t>
+            </a:r>
+            <a:endParaRPr lang="en-US" b="1" dirty="0">
+              <a:solidFill>
+                <a:schemeClr val="bg1"/>
+              </a:solidFill>
+            </a:endParaRPr>
+          </a:p>
+        </p:txBody>
+      </p:sp>
+      <p:sp>
+        <p:nvSpPr>
+          <p:cNvPr id="4" name="CuadroTexto 3">
+            <a:extLst>
+              <a:ext uri="{FF2B5EF4-FFF2-40B4-BE49-F238E27FC236}">
+                <a16:creationId xmlns:a16="http://schemas.microsoft.com/office/drawing/2014/main" id="{6D57F9F2-7C51-4BB2-8F0F-EC4704ABFDCD}"/>
+              </a:ext>
+            </a:extLst>
+          </p:cNvPr>
+          <p:cNvSpPr txBox="1"/>
+          <p:nvPr/>
+        </p:nvSpPr>
+        <p:spPr>
+          <a:xfrm>
+            <a:off x="409072" y="1126125"/>
+            <a:ext cx="9930065" cy="4801314"/>
+          </a:xfrm>
+          <a:prstGeom prst="rect">
+            <a:avLst/>
+          </a:prstGeom>
+          <a:noFill/>
+        </p:spPr>
+        <p:txBody>
+          <a:bodyPr wrap="square" rtlCol="0">
+            <a:spAutoFit/>
+          </a:bodyPr>
+          <a:lstStyle/>
+          <a:p>
+            <a:r>
+              <a:rPr lang="es-ES" b="1" dirty="0"/>
+              <a:t>Proyecto:</a:t>
+            </a:r>
+          </a:p>
+          <a:p>
+            <a:r>
+              <a:rPr lang="es-ES" dirty="0"/>
+              <a:t>El servidor está basado en el </a:t>
+            </a:r>
+            <a:r>
+              <a:rPr lang="es-ES" dirty="0" err="1"/>
+              <a:t>framework</a:t>
+            </a:r>
+            <a:r>
+              <a:rPr lang="es-ES" dirty="0"/>
+              <a:t> Express de Node.js</a:t>
+            </a:r>
+          </a:p>
+          <a:p>
+            <a:endParaRPr lang="es-ES" b="1" dirty="0"/>
+          </a:p>
+          <a:p>
+            <a:r>
+              <a:rPr lang="es-ES" b="1" dirty="0"/>
+              <a:t>Estructura del proyecto:</a:t>
+            </a:r>
+          </a:p>
+          <a:p>
+            <a:r>
+              <a:rPr lang="es-ES" dirty="0"/>
+              <a:t>Creada con Express </a:t>
+            </a:r>
+            <a:r>
+              <a:rPr lang="es-ES" dirty="0" err="1"/>
+              <a:t>Generator</a:t>
+            </a:r>
+            <a:r>
+              <a:rPr lang="es-ES" dirty="0"/>
+              <a:t>.</a:t>
+            </a:r>
+          </a:p>
+          <a:p>
+            <a:pPr marL="285750" indent="-285750">
+              <a:buFontTx/>
+              <a:buChar char="-"/>
+            </a:pPr>
+            <a:r>
+              <a:rPr lang="es-ES" dirty="0"/>
+              <a:t>/</a:t>
+            </a:r>
+            <a:r>
+              <a:rPr lang="es-ES" dirty="0" err="1"/>
+              <a:t>bin</a:t>
+            </a:r>
+            <a:r>
+              <a:rPr lang="es-ES" dirty="0"/>
+              <a:t>/www: Usado para iniciar el servidor</a:t>
+            </a:r>
+          </a:p>
+          <a:p>
+            <a:pPr marL="285750" indent="-285750">
+              <a:buFontTx/>
+              <a:buChar char="-"/>
+            </a:pPr>
+            <a:r>
+              <a:rPr lang="es-ES" dirty="0"/>
+              <a:t>/</a:t>
+            </a:r>
+            <a:r>
+              <a:rPr lang="es-ES" dirty="0" err="1"/>
+              <a:t>routes</a:t>
+            </a:r>
+            <a:r>
+              <a:rPr lang="es-ES" dirty="0"/>
+              <a:t>/: encaminamiento del servidor</a:t>
+            </a:r>
+          </a:p>
+          <a:p>
+            <a:pPr marL="285750" indent="-285750">
+              <a:buFontTx/>
+              <a:buChar char="-"/>
+            </a:pPr>
+            <a:r>
+              <a:rPr lang="es-ES" dirty="0"/>
+              <a:t>/</a:t>
+            </a:r>
+            <a:r>
+              <a:rPr lang="es-ES" dirty="0" err="1"/>
+              <a:t>public</a:t>
+            </a:r>
+            <a:r>
+              <a:rPr lang="es-ES" dirty="0"/>
+              <a:t>/: archivos estáticos</a:t>
+            </a:r>
+          </a:p>
+          <a:p>
+            <a:pPr marL="285750" indent="-285750">
+              <a:buFontTx/>
+              <a:buChar char="-"/>
+            </a:pPr>
+            <a:r>
+              <a:rPr lang="es-ES" dirty="0"/>
+              <a:t>/</a:t>
+            </a:r>
+            <a:r>
+              <a:rPr lang="es-ES" dirty="0" err="1"/>
+              <a:t>views</a:t>
+            </a:r>
+            <a:r>
+              <a:rPr lang="es-ES" dirty="0"/>
+              <a:t>/: </a:t>
+            </a:r>
+            <a:r>
+              <a:rPr lang="es-ES" dirty="0" err="1"/>
+              <a:t>templates</a:t>
+            </a:r>
+            <a:endParaRPr lang="es-ES" dirty="0"/>
+          </a:p>
+          <a:p>
+            <a:pPr marL="285750" indent="-285750">
+              <a:buFontTx/>
+              <a:buChar char="-"/>
+            </a:pPr>
+            <a:r>
+              <a:rPr lang="es-ES" dirty="0"/>
+              <a:t>/</a:t>
+            </a:r>
+            <a:r>
+              <a:rPr lang="es-ES" dirty="0" err="1"/>
+              <a:t>passport</a:t>
+            </a:r>
+            <a:r>
+              <a:rPr lang="es-ES" dirty="0"/>
+              <a:t>/: autenticación</a:t>
+            </a:r>
+          </a:p>
+          <a:p>
+            <a:pPr marL="285750" indent="-285750">
+              <a:buFontTx/>
+              <a:buChar char="-"/>
+            </a:pPr>
+            <a:r>
+              <a:rPr lang="es-ES" dirty="0"/>
+              <a:t>/</a:t>
+            </a:r>
+            <a:r>
+              <a:rPr lang="es-ES" dirty="0" err="1"/>
+              <a:t>models</a:t>
+            </a:r>
+            <a:r>
+              <a:rPr lang="es-ES" dirty="0"/>
+              <a:t>/: modelos (estructura de los objetos persistentes)</a:t>
+            </a:r>
+          </a:p>
+          <a:p>
+            <a:pPr marL="285750" indent="-285750">
+              <a:buFontTx/>
+              <a:buChar char="-"/>
+            </a:pPr>
+            <a:r>
+              <a:rPr lang="es-ES" dirty="0"/>
+              <a:t>index.js: lógica del servidor</a:t>
+            </a:r>
+          </a:p>
+          <a:p>
+            <a:pPr marL="285750" indent="-285750">
+              <a:buFontTx/>
+              <a:buChar char="-"/>
+            </a:pPr>
+            <a:r>
+              <a:rPr lang="es-ES" dirty="0"/>
+              <a:t>database.js: conexión a la BBDD</a:t>
+            </a:r>
+          </a:p>
+          <a:p>
+            <a:pPr marL="285750" indent="-285750">
+              <a:buFontTx/>
+              <a:buChar char="-"/>
+            </a:pPr>
+            <a:r>
+              <a:rPr lang="es-ES" dirty="0"/>
+              <a:t>keys.js: URI de conexión a </a:t>
+            </a:r>
+            <a:r>
+              <a:rPr lang="es-ES" dirty="0" err="1"/>
+              <a:t>mongoDB</a:t>
+            </a:r>
+            <a:endParaRPr lang="es-ES" dirty="0"/>
+          </a:p>
+          <a:p>
+            <a:pPr marL="285750" indent="-285750">
+              <a:buFontTx/>
+              <a:buChar char="-"/>
+            </a:pPr>
+            <a:endParaRPr lang="es-ES" dirty="0"/>
+          </a:p>
+          <a:p>
+            <a:r>
+              <a:rPr lang="es-ES" b="1" dirty="0" err="1"/>
+              <a:t>Template</a:t>
+            </a:r>
+            <a:r>
+              <a:rPr lang="es-ES" b="1" dirty="0"/>
+              <a:t>:</a:t>
+            </a:r>
+          </a:p>
+          <a:p>
+            <a:r>
+              <a:rPr lang="es-ES" dirty="0"/>
+              <a:t>Utilizamos el motor de </a:t>
+            </a:r>
+            <a:r>
+              <a:rPr lang="es-ES" dirty="0" err="1"/>
+              <a:t>templates</a:t>
+            </a:r>
+            <a:r>
+              <a:rPr lang="es-ES" dirty="0"/>
+              <a:t> </a:t>
+            </a:r>
+            <a:r>
+              <a:rPr lang="es-ES" b="1" dirty="0" err="1"/>
+              <a:t>Nunjucks</a:t>
+            </a:r>
+            <a:r>
+              <a:rPr lang="es-ES" b="1" dirty="0"/>
+              <a:t>.</a:t>
+            </a:r>
+          </a:p>
+        </p:txBody>
+      </p:sp>
+    </p:spTree>
+    <p:extLst>
+      <p:ext uri="{BB962C8B-B14F-4D97-AF65-F5344CB8AC3E}">
+        <p14:creationId xmlns:p14="http://schemas.microsoft.com/office/powerpoint/2010/main" val="2719857856"/>
+      </p:ext>
+    </p:extLst>
+  </p:cSld>
+  <p:clrMapOvr>
+    <a:masterClrMapping/>
+  </p:clrMapOvr>
+</p:sld>
+</file>
+
+<file path=ppt/slides/slide19.xml><?xml version="1.0" encoding="utf-8"?>
+<p:sld xmlns:a="http://schemas.openxmlformats.org/drawingml/2006/main" xmlns:r="http://schemas.openxmlformats.org/officeDocument/2006/relationships" xmlns:p="http://schemas.openxmlformats.org/presentationml/2006/main">
+  <p:cSld>
+    <p:spTree>
+      <p:nvGrpSpPr>
+        <p:cNvPr id="1" name=""/>
+        <p:cNvGrpSpPr/>
+        <p:nvPr/>
+      </p:nvGrpSpPr>
+      <p:grpSpPr>
+        <a:xfrm>
+          <a:off x="0" y="0"/>
+          <a:ext cx="0" cy="0"/>
+          <a:chOff x="0" y="0"/>
+          <a:chExt cx="0" cy="0"/>
+        </a:xfrm>
+      </p:grpSpPr>
+      <p:sp>
+        <p:nvSpPr>
+          <p:cNvPr id="3" name="CuadroTexto 2">
+            <a:extLst>
+              <a:ext uri="{FF2B5EF4-FFF2-40B4-BE49-F238E27FC236}">
+                <a16:creationId xmlns:a16="http://schemas.microsoft.com/office/drawing/2014/main" id="{EAFA46BE-DCEF-484A-8D7A-29311608D103}"/>
+              </a:ext>
+            </a:extLst>
+          </p:cNvPr>
+          <p:cNvSpPr txBox="1"/>
+          <p:nvPr/>
+        </p:nvSpPr>
+        <p:spPr>
+          <a:xfrm>
+            <a:off x="393031" y="1133980"/>
+            <a:ext cx="11405937" cy="2862322"/>
+          </a:xfrm>
+          <a:prstGeom prst="rect">
+            <a:avLst/>
+          </a:prstGeom>
+          <a:noFill/>
+        </p:spPr>
+        <p:txBody>
+          <a:bodyPr wrap="square">
+            <a:spAutoFit/>
+          </a:bodyPr>
+          <a:lstStyle/>
+          <a:p>
+            <a:r>
+              <a:rPr lang="es-ES" b="1" dirty="0"/>
+              <a:t>Para el registro y el </a:t>
+            </a:r>
+            <a:r>
+              <a:rPr lang="es-ES" b="1" dirty="0" err="1"/>
+              <a:t>login</a:t>
+            </a:r>
+            <a:r>
+              <a:rPr lang="es-ES" b="1" dirty="0"/>
+              <a:t>:</a:t>
+            </a:r>
+          </a:p>
+          <a:p>
+            <a:r>
+              <a:rPr lang="es-ES" dirty="0"/>
+              <a:t>Utilizamos la librería Passport con una estrategia de autenticación local.</a:t>
+            </a:r>
+          </a:p>
+          <a:p>
+            <a:r>
+              <a:rPr lang="es-ES" dirty="0"/>
+              <a:t>Passport rellena automáticamente el parámetro </a:t>
+            </a:r>
+            <a:r>
+              <a:rPr lang="es-ES" dirty="0" err="1"/>
+              <a:t>user</a:t>
+            </a:r>
+            <a:r>
+              <a:rPr lang="es-ES" dirty="0"/>
+              <a:t> que usamos en los </a:t>
+            </a:r>
+            <a:r>
+              <a:rPr lang="es-ES" dirty="0" err="1"/>
+              <a:t>templates</a:t>
+            </a:r>
+            <a:r>
+              <a:rPr lang="es-ES" dirty="0"/>
+              <a:t>.</a:t>
+            </a:r>
+          </a:p>
+          <a:p>
+            <a:r>
+              <a:rPr lang="es-ES" dirty="0"/>
+              <a:t>En los métodos local-</a:t>
+            </a:r>
+            <a:r>
+              <a:rPr lang="es-ES" dirty="0" err="1"/>
+              <a:t>signin</a:t>
+            </a:r>
+            <a:r>
+              <a:rPr lang="es-ES" dirty="0"/>
+              <a:t> y local-</a:t>
+            </a:r>
+            <a:r>
+              <a:rPr lang="es-ES" dirty="0" err="1"/>
+              <a:t>signup</a:t>
+            </a:r>
+            <a:r>
+              <a:rPr lang="es-ES" dirty="0"/>
+              <a:t> se gestionan el registro y </a:t>
+            </a:r>
+            <a:r>
+              <a:rPr lang="es-ES" dirty="0" err="1"/>
+              <a:t>login</a:t>
+            </a:r>
+            <a:r>
+              <a:rPr lang="es-ES" dirty="0"/>
+              <a:t> a la aplicación, haciendo uso de una base de datos.</a:t>
+            </a:r>
+          </a:p>
+          <a:p>
+            <a:endParaRPr lang="es-ES" dirty="0"/>
+          </a:p>
+          <a:p>
+            <a:r>
+              <a:rPr lang="es-ES" b="1" dirty="0"/>
+              <a:t>Base de datos:</a:t>
+            </a:r>
+          </a:p>
+          <a:p>
+            <a:r>
+              <a:rPr lang="es-ES" dirty="0"/>
+              <a:t>Usamos </a:t>
+            </a:r>
+            <a:r>
+              <a:rPr lang="es-ES" dirty="0" err="1"/>
+              <a:t>mongoDB</a:t>
+            </a:r>
+            <a:r>
+              <a:rPr lang="es-ES" dirty="0"/>
+              <a:t>, y para manejarla utilizamos la librería </a:t>
+            </a:r>
+            <a:r>
+              <a:rPr lang="es-ES" dirty="0" err="1"/>
+              <a:t>mongoose</a:t>
+            </a:r>
+            <a:r>
+              <a:rPr lang="es-ES" dirty="0"/>
+              <a:t>.</a:t>
+            </a:r>
+          </a:p>
+          <a:p>
+            <a:r>
+              <a:rPr lang="es-ES" dirty="0" err="1"/>
+              <a:t>Mongoose</a:t>
+            </a:r>
+            <a:r>
+              <a:rPr lang="es-ES" dirty="0"/>
+              <a:t> es un </a:t>
+            </a:r>
+            <a:r>
+              <a:rPr lang="es-ES" dirty="0" err="1"/>
+              <a:t>Object</a:t>
+            </a:r>
+            <a:r>
+              <a:rPr lang="es-ES" dirty="0"/>
+              <a:t> </a:t>
+            </a:r>
+            <a:r>
+              <a:rPr lang="es-ES" dirty="0" err="1"/>
+              <a:t>Relationship</a:t>
+            </a:r>
+            <a:r>
+              <a:rPr lang="es-ES" dirty="0"/>
+              <a:t> Manager; facilita la interacción con la base de datos.</a:t>
+            </a:r>
+          </a:p>
+          <a:p>
+            <a:r>
+              <a:rPr lang="es-ES" dirty="0"/>
+              <a:t>Cuenta con las siguientes colecciones: </a:t>
+            </a:r>
+            <a:r>
+              <a:rPr lang="es-ES" dirty="0" err="1"/>
+              <a:t>adopcions</a:t>
+            </a:r>
+            <a:r>
+              <a:rPr lang="es-ES" dirty="0"/>
+              <a:t>, </a:t>
+            </a:r>
+            <a:r>
+              <a:rPr lang="es-ES" dirty="0" err="1"/>
+              <a:t>catsitters</a:t>
+            </a:r>
+            <a:r>
+              <a:rPr lang="es-ES" dirty="0"/>
+              <a:t>, consejos, incidencias y </a:t>
+            </a:r>
+            <a:r>
+              <a:rPr lang="es-ES" dirty="0" err="1"/>
+              <a:t>users</a:t>
+            </a:r>
+            <a:r>
+              <a:rPr lang="es-ES" dirty="0"/>
+              <a:t>.</a:t>
+            </a:r>
+          </a:p>
+        </p:txBody>
+      </p:sp>
+      <p:sp>
+        <p:nvSpPr>
+          <p:cNvPr id="4" name="Rectangle 1">
+            <a:extLst>
+              <a:ext uri="{FF2B5EF4-FFF2-40B4-BE49-F238E27FC236}">
+                <a16:creationId xmlns:a16="http://schemas.microsoft.com/office/drawing/2014/main" id="{1133A31A-88BE-459E-89F9-4C32FF4F30DA}"/>
+              </a:ext>
+            </a:extLst>
+          </p:cNvPr>
+          <p:cNvSpPr/>
+          <p:nvPr/>
+        </p:nvSpPr>
+        <p:spPr>
+          <a:xfrm>
+            <a:off x="94695" y="106531"/>
+            <a:ext cx="12002610" cy="905523"/>
+          </a:xfrm>
+          <a:prstGeom prst="rect">
+            <a:avLst/>
+          </a:prstGeom>
+          <a:solidFill>
+            <a:schemeClr val="tx1">
+              <a:lumMod val="65000"/>
+              <a:lumOff val="35000"/>
+            </a:schemeClr>
+          </a:solidFill>
+          <a:ln>
+            <a:noFill/>
+          </a:ln>
+        </p:spPr>
+        <p:style>
+          <a:lnRef idx="2">
+            <a:schemeClr val="accent1">
+              <a:shade val="50000"/>
+            </a:schemeClr>
+          </a:lnRef>
+          <a:fillRef idx="1">
+            <a:schemeClr val="accent1"/>
+          </a:fillRef>
+          <a:effectRef idx="0">
+            <a:schemeClr val="accent1"/>
+          </a:effectRef>
+          <a:fontRef idx="minor">
+            <a:schemeClr val="lt1"/>
+          </a:fontRef>
+        </p:style>
+        <p:txBody>
+          <a:bodyPr rtlCol="0" anchor="ctr"/>
+          <a:lstStyle/>
+          <a:p>
+            <a:pPr algn="ctr"/>
+            <a:r>
+              <a:rPr lang="es-VE" b="1" dirty="0">
+                <a:solidFill>
+                  <a:schemeClr val="bg1"/>
+                </a:solidFill>
+              </a:rPr>
+              <a:t>Arquitecturas de Cat-</a:t>
+            </a:r>
+            <a:r>
+              <a:rPr lang="es-VE" b="1" dirty="0" err="1">
+                <a:solidFill>
+                  <a:schemeClr val="bg1"/>
+                </a:solidFill>
+              </a:rPr>
+              <a:t>Attack</a:t>
+            </a:r>
+            <a:endParaRPr lang="en-US" b="1" dirty="0">
+              <a:solidFill>
+                <a:schemeClr val="bg1"/>
+              </a:solidFill>
+            </a:endParaRPr>
+          </a:p>
+        </p:txBody>
+      </p:sp>
+    </p:spTree>
+    <p:extLst>
+      <p:ext uri="{BB962C8B-B14F-4D97-AF65-F5344CB8AC3E}">
+        <p14:creationId xmlns:p14="http://schemas.microsoft.com/office/powerpoint/2010/main" val="2076464582"/>
+      </p:ext>
+    </p:extLst>
+  </p:cSld>
+  <p:clrMapOvr>
+    <a:masterClrMapping/>
+  </p:clrMapOvr>
+</p:sld>
+</file>
+
 <file path=ppt/slides/slide2.xml><?xml version="1.0" encoding="utf-8"?>
 <p:sld xmlns:a="http://schemas.openxmlformats.org/drawingml/2006/main" xmlns:r="http://schemas.openxmlformats.org/officeDocument/2006/relationships" xmlns:p="http://schemas.openxmlformats.org/presentationml/2006/main">
   <p:cSld>
@@ -18967,6 +19698,560 @@
     <p:extLst>
       <p:ext uri="{BB962C8B-B14F-4D97-AF65-F5344CB8AC3E}">
         <p14:creationId xmlns:p14="http://schemas.microsoft.com/office/powerpoint/2010/main" val="1729139466"/>
+      </p:ext>
+    </p:extLst>
+  </p:cSld>
+  <p:clrMapOvr>
+    <a:masterClrMapping/>
+  </p:clrMapOvr>
+</p:sld>
+</file>
+
+<file path=ppt/slides/slide20.xml><?xml version="1.0" encoding="utf-8"?>
+<p:sld xmlns:a="http://schemas.openxmlformats.org/drawingml/2006/main" xmlns:r="http://schemas.openxmlformats.org/officeDocument/2006/relationships" xmlns:p="http://schemas.openxmlformats.org/presentationml/2006/main">
+  <p:cSld>
+    <p:spTree>
+      <p:nvGrpSpPr>
+        <p:cNvPr id="1" name=""/>
+        <p:cNvGrpSpPr/>
+        <p:nvPr/>
+      </p:nvGrpSpPr>
+      <p:grpSpPr>
+        <a:xfrm>
+          <a:off x="0" y="0"/>
+          <a:ext cx="0" cy="0"/>
+          <a:chOff x="0" y="0"/>
+          <a:chExt cx="0" cy="0"/>
+        </a:xfrm>
+      </p:grpSpPr>
+      <p:sp>
+        <p:nvSpPr>
+          <p:cNvPr id="2" name="Rectangle 1">
+            <a:extLst>
+              <a:ext uri="{FF2B5EF4-FFF2-40B4-BE49-F238E27FC236}">
+                <a16:creationId xmlns:a16="http://schemas.microsoft.com/office/drawing/2014/main" id="{C495F863-77F6-4304-99CA-84658ADCCA32}"/>
+              </a:ext>
+            </a:extLst>
+          </p:cNvPr>
+          <p:cNvSpPr/>
+          <p:nvPr/>
+        </p:nvSpPr>
+        <p:spPr>
+          <a:xfrm>
+            <a:off x="94695" y="106531"/>
+            <a:ext cx="12002610" cy="905523"/>
+          </a:xfrm>
+          <a:prstGeom prst="rect">
+            <a:avLst/>
+          </a:prstGeom>
+          <a:solidFill>
+            <a:schemeClr val="tx1">
+              <a:lumMod val="65000"/>
+              <a:lumOff val="35000"/>
+            </a:schemeClr>
+          </a:solidFill>
+          <a:ln>
+            <a:noFill/>
+          </a:ln>
+        </p:spPr>
+        <p:style>
+          <a:lnRef idx="2">
+            <a:schemeClr val="accent1">
+              <a:shade val="50000"/>
+            </a:schemeClr>
+          </a:lnRef>
+          <a:fillRef idx="1">
+            <a:schemeClr val="accent1"/>
+          </a:fillRef>
+          <a:effectRef idx="0">
+            <a:schemeClr val="accent1"/>
+          </a:effectRef>
+          <a:fontRef idx="minor">
+            <a:schemeClr val="lt1"/>
+          </a:fontRef>
+        </p:style>
+        <p:txBody>
+          <a:bodyPr rtlCol="0" anchor="ctr"/>
+          <a:lstStyle/>
+          <a:p>
+            <a:pPr algn="ctr"/>
+            <a:r>
+              <a:rPr lang="es-VE" b="1" dirty="0">
+                <a:solidFill>
+                  <a:schemeClr val="bg1"/>
+                </a:solidFill>
+              </a:rPr>
+              <a:t>Arquitecturas de Cat-</a:t>
+            </a:r>
+            <a:r>
+              <a:rPr lang="es-VE" b="1" dirty="0" err="1">
+                <a:solidFill>
+                  <a:schemeClr val="bg1"/>
+                </a:solidFill>
+              </a:rPr>
+              <a:t>Attack</a:t>
+            </a:r>
+            <a:endParaRPr lang="en-US" b="1" dirty="0">
+              <a:solidFill>
+                <a:schemeClr val="bg1"/>
+              </a:solidFill>
+            </a:endParaRPr>
+          </a:p>
+        </p:txBody>
+      </p:sp>
+      <p:sp>
+        <p:nvSpPr>
+          <p:cNvPr id="3" name="CuadroTexto 2">
+            <a:extLst>
+              <a:ext uri="{FF2B5EF4-FFF2-40B4-BE49-F238E27FC236}">
+                <a16:creationId xmlns:a16="http://schemas.microsoft.com/office/drawing/2014/main" id="{50EDCBFA-CB33-4F20-80D5-6F9C621CFAFC}"/>
+              </a:ext>
+            </a:extLst>
+          </p:cNvPr>
+          <p:cNvSpPr txBox="1"/>
+          <p:nvPr/>
+        </p:nvSpPr>
+        <p:spPr>
+          <a:xfrm>
+            <a:off x="393031" y="1133980"/>
+            <a:ext cx="11405937" cy="5078313"/>
+          </a:xfrm>
+          <a:prstGeom prst="rect">
+            <a:avLst/>
+          </a:prstGeom>
+          <a:noFill/>
+        </p:spPr>
+        <p:txBody>
+          <a:bodyPr wrap="square">
+            <a:spAutoFit/>
+          </a:bodyPr>
+          <a:lstStyle/>
+          <a:p>
+            <a:r>
+              <a:rPr lang="es-ES" dirty="0"/>
+              <a:t>La pantalla inicial es la de </a:t>
+            </a:r>
+            <a:r>
+              <a:rPr lang="es-ES" dirty="0" err="1"/>
+              <a:t>Login</a:t>
+            </a:r>
+            <a:r>
+              <a:rPr lang="es-ES" dirty="0"/>
+              <a:t>. Tiene 3 opciones principales: acceder al formulario de registro, validar las credenciales del formulario de </a:t>
+            </a:r>
+            <a:r>
+              <a:rPr lang="es-ES" dirty="0" err="1"/>
+              <a:t>login</a:t>
+            </a:r>
+            <a:r>
+              <a:rPr lang="es-ES" dirty="0"/>
+              <a:t> para acceder a la aplicación (</a:t>
+            </a:r>
+            <a:r>
+              <a:rPr lang="es-ES" dirty="0" err="1"/>
+              <a:t>login</a:t>
+            </a:r>
+            <a:r>
+              <a:rPr lang="es-ES" dirty="0"/>
+              <a:t> normal), o acceder como invitado sin necesidad de credenciales.</a:t>
+            </a:r>
+          </a:p>
+          <a:p>
+            <a:endParaRPr lang="es-ES" dirty="0"/>
+          </a:p>
+          <a:p>
+            <a:r>
+              <a:rPr lang="es-ES" dirty="0"/>
+              <a:t>Al </a:t>
+            </a:r>
+            <a:r>
+              <a:rPr lang="es-ES" dirty="0" err="1"/>
+              <a:t>loguear</a:t>
+            </a:r>
+            <a:r>
+              <a:rPr lang="es-ES" dirty="0"/>
+              <a:t> de manera correcta, el usuario será redirigido al </a:t>
+            </a:r>
+            <a:r>
+              <a:rPr lang="es-ES" dirty="0" err="1"/>
+              <a:t>dashboard</a:t>
+            </a:r>
+            <a:r>
+              <a:rPr lang="es-ES" dirty="0"/>
+              <a:t>, la página principal de Cat-</a:t>
+            </a:r>
+            <a:r>
+              <a:rPr lang="es-ES" dirty="0" err="1"/>
+              <a:t>Attack</a:t>
+            </a:r>
+            <a:r>
+              <a:rPr lang="es-ES" dirty="0"/>
+              <a:t>. Desde aquí, tiene acceso a un </a:t>
+            </a:r>
+            <a:r>
+              <a:rPr lang="es-ES" dirty="0" err="1"/>
+              <a:t>nav-var</a:t>
+            </a:r>
+            <a:r>
+              <a:rPr lang="es-ES" dirty="0"/>
+              <a:t> situado en la parte superior de la pantalla que le permitirá moverse a las diferentes páginas de la aplicación. </a:t>
+            </a:r>
+          </a:p>
+          <a:p>
+            <a:endParaRPr lang="es-ES" dirty="0"/>
+          </a:p>
+          <a:p>
+            <a:r>
+              <a:rPr lang="es-ES" dirty="0"/>
+              <a:t>Un usuario normal tiene acceso a las siguientes páginas: Inicio (el propio </a:t>
+            </a:r>
+            <a:r>
+              <a:rPr lang="es-ES" dirty="0" err="1"/>
+              <a:t>dashboard</a:t>
+            </a:r>
+            <a:r>
+              <a:rPr lang="es-ES" dirty="0"/>
+              <a:t>), Adopción, Consejos, Cat-</a:t>
+            </a:r>
+            <a:r>
+              <a:rPr lang="es-ES" dirty="0" err="1"/>
+              <a:t>sitters</a:t>
+            </a:r>
+            <a:r>
+              <a:rPr lang="es-ES" dirty="0"/>
+              <a:t>, Mi perfil y Chat.</a:t>
+            </a:r>
+          </a:p>
+          <a:p>
+            <a:endParaRPr lang="es-ES" dirty="0"/>
+          </a:p>
+          <a:p>
+            <a:r>
+              <a:rPr lang="es-ES" dirty="0"/>
+              <a:t>El usuario invitado tiene acceso a las todas páginas anteriores excepto al chat. No puede acceder a formularios de adopción o </a:t>
+            </a:r>
+            <a:r>
+              <a:rPr lang="es-ES" dirty="0" err="1"/>
+              <a:t>catsitting</a:t>
+            </a:r>
+            <a:r>
+              <a:rPr lang="es-ES" dirty="0"/>
+              <a:t>, enviar incidencias o modificar el perfil.</a:t>
+            </a:r>
+          </a:p>
+          <a:p>
+            <a:endParaRPr lang="es-ES" dirty="0"/>
+          </a:p>
+          <a:p>
+            <a:r>
+              <a:rPr lang="es-ES" dirty="0"/>
+              <a:t>Un usuario privilegiado (administrador) tiene acceso a todas las páginas anteriores, junto con una sección adicional de incidencias.</a:t>
+            </a:r>
+          </a:p>
+          <a:p>
+            <a:endParaRPr lang="es-ES" dirty="0"/>
+          </a:p>
+          <a:p>
+            <a:r>
+              <a:rPr lang="es-ES" dirty="0"/>
+              <a:t>Todos los usuarios cuentan con un botón de </a:t>
+            </a:r>
+            <a:r>
+              <a:rPr lang="es-ES" dirty="0" err="1"/>
+              <a:t>Logout</a:t>
+            </a:r>
+            <a:r>
+              <a:rPr lang="es-ES" dirty="0"/>
+              <a:t> en su </a:t>
+            </a:r>
+            <a:r>
+              <a:rPr lang="es-ES" dirty="0" err="1"/>
+              <a:t>nav-var</a:t>
+            </a:r>
+            <a:r>
+              <a:rPr lang="es-ES" dirty="0"/>
+              <a:t> para cerrar sesión en la aplicación.</a:t>
+            </a:r>
+          </a:p>
+        </p:txBody>
+      </p:sp>
+    </p:spTree>
+    <p:extLst>
+      <p:ext uri="{BB962C8B-B14F-4D97-AF65-F5344CB8AC3E}">
+        <p14:creationId xmlns:p14="http://schemas.microsoft.com/office/powerpoint/2010/main" val="3319403464"/>
+      </p:ext>
+    </p:extLst>
+  </p:cSld>
+  <p:clrMapOvr>
+    <a:masterClrMapping/>
+  </p:clrMapOvr>
+</p:sld>
+</file>
+
+<file path=ppt/slides/slide21.xml><?xml version="1.0" encoding="utf-8"?>
+<p:sld xmlns:a="http://schemas.openxmlformats.org/drawingml/2006/main" xmlns:r="http://schemas.openxmlformats.org/officeDocument/2006/relationships" xmlns:p="http://schemas.openxmlformats.org/presentationml/2006/main">
+  <p:cSld>
+    <p:spTree>
+      <p:nvGrpSpPr>
+        <p:cNvPr id="1" name=""/>
+        <p:cNvGrpSpPr/>
+        <p:nvPr/>
+      </p:nvGrpSpPr>
+      <p:grpSpPr>
+        <a:xfrm>
+          <a:off x="0" y="0"/>
+          <a:ext cx="0" cy="0"/>
+          <a:chOff x="0" y="0"/>
+          <a:chExt cx="0" cy="0"/>
+        </a:xfrm>
+      </p:grpSpPr>
+      <p:sp>
+        <p:nvSpPr>
+          <p:cNvPr id="2" name="Rectangle 1">
+            <a:extLst>
+              <a:ext uri="{FF2B5EF4-FFF2-40B4-BE49-F238E27FC236}">
+                <a16:creationId xmlns:a16="http://schemas.microsoft.com/office/drawing/2014/main" id="{C495F863-77F6-4304-99CA-84658ADCCA32}"/>
+              </a:ext>
+            </a:extLst>
+          </p:cNvPr>
+          <p:cNvSpPr/>
+          <p:nvPr/>
+        </p:nvSpPr>
+        <p:spPr>
+          <a:xfrm>
+            <a:off x="94695" y="106531"/>
+            <a:ext cx="12002610" cy="905523"/>
+          </a:xfrm>
+          <a:prstGeom prst="rect">
+            <a:avLst/>
+          </a:prstGeom>
+          <a:solidFill>
+            <a:schemeClr val="tx1">
+              <a:lumMod val="65000"/>
+              <a:lumOff val="35000"/>
+            </a:schemeClr>
+          </a:solidFill>
+          <a:ln>
+            <a:noFill/>
+          </a:ln>
+        </p:spPr>
+        <p:style>
+          <a:lnRef idx="2">
+            <a:schemeClr val="accent1">
+              <a:shade val="50000"/>
+            </a:schemeClr>
+          </a:lnRef>
+          <a:fillRef idx="1">
+            <a:schemeClr val="accent1"/>
+          </a:fillRef>
+          <a:effectRef idx="0">
+            <a:schemeClr val="accent1"/>
+          </a:effectRef>
+          <a:fontRef idx="minor">
+            <a:schemeClr val="lt1"/>
+          </a:fontRef>
+        </p:style>
+        <p:txBody>
+          <a:bodyPr rtlCol="0" anchor="ctr"/>
+          <a:lstStyle/>
+          <a:p>
+            <a:pPr algn="ctr"/>
+            <a:r>
+              <a:rPr lang="es-VE" b="1" dirty="0">
+                <a:solidFill>
+                  <a:schemeClr val="bg1"/>
+                </a:solidFill>
+              </a:rPr>
+              <a:t>Arquitecturas de Cat-</a:t>
+            </a:r>
+            <a:r>
+              <a:rPr lang="es-VE" b="1" dirty="0" err="1">
+                <a:solidFill>
+                  <a:schemeClr val="bg1"/>
+                </a:solidFill>
+              </a:rPr>
+              <a:t>Attack</a:t>
+            </a:r>
+            <a:endParaRPr lang="en-US" b="1" dirty="0">
+              <a:solidFill>
+                <a:schemeClr val="bg1"/>
+              </a:solidFill>
+            </a:endParaRPr>
+          </a:p>
+        </p:txBody>
+      </p:sp>
+      <p:sp>
+        <p:nvSpPr>
+          <p:cNvPr id="3" name="CuadroTexto 2">
+            <a:extLst>
+              <a:ext uri="{FF2B5EF4-FFF2-40B4-BE49-F238E27FC236}">
+                <a16:creationId xmlns:a16="http://schemas.microsoft.com/office/drawing/2014/main" id="{50EDCBFA-CB33-4F20-80D5-6F9C621CFAFC}"/>
+              </a:ext>
+            </a:extLst>
+          </p:cNvPr>
+          <p:cNvSpPr txBox="1"/>
+          <p:nvPr/>
+        </p:nvSpPr>
+        <p:spPr>
+          <a:xfrm>
+            <a:off x="393031" y="1133980"/>
+            <a:ext cx="11405937" cy="5632311"/>
+          </a:xfrm>
+          <a:prstGeom prst="rect">
+            <a:avLst/>
+          </a:prstGeom>
+          <a:noFill/>
+        </p:spPr>
+        <p:txBody>
+          <a:bodyPr wrap="square">
+            <a:spAutoFit/>
+          </a:bodyPr>
+          <a:lstStyle/>
+          <a:p>
+            <a:r>
+              <a:rPr lang="es-ES" b="1" dirty="0"/>
+              <a:t>Adopción:</a:t>
+            </a:r>
+          </a:p>
+          <a:p>
+            <a:r>
+              <a:rPr lang="es-ES" dirty="0"/>
+              <a:t>El usuario puede visualizar la lista de gatos en adopción de la aplicación, y acceder al formulario para poner un gato en adopción. También puede reportar una incidencia en cualquier anuncio de adopción.</a:t>
+            </a:r>
+          </a:p>
+          <a:p>
+            <a:r>
+              <a:rPr lang="es-ES" b="1" dirty="0"/>
+              <a:t>Consejos:</a:t>
+            </a:r>
+          </a:p>
+          <a:p>
+            <a:r>
+              <a:rPr lang="es-ES" dirty="0"/>
+              <a:t>El usuario puede visualizar la lista de consejos de la aplicación. También puede pulsar el botón de ampliar en cualquier consejo para visualizar la información en un formato más grande. </a:t>
+            </a:r>
+            <a:r>
+              <a:rPr lang="es-ES" dirty="0">
+                <a:solidFill>
+                  <a:srgbClr val="FF0000"/>
+                </a:solidFill>
+              </a:rPr>
+              <a:t>El administrador puede publicar nuevos consejos.</a:t>
+            </a:r>
+          </a:p>
+          <a:p>
+            <a:r>
+              <a:rPr lang="es-ES" b="1" dirty="0" err="1"/>
+              <a:t>Catsitting</a:t>
+            </a:r>
+            <a:r>
+              <a:rPr lang="es-ES" b="1" dirty="0"/>
+              <a:t>:</a:t>
+            </a:r>
+          </a:p>
+          <a:p>
+            <a:r>
+              <a:rPr lang="es-ES" dirty="0"/>
+              <a:t>El usuario puede visualizar la lista de </a:t>
+            </a:r>
+            <a:r>
+              <a:rPr lang="es-ES" dirty="0" err="1"/>
+              <a:t>catsitters</a:t>
+            </a:r>
+            <a:r>
+              <a:rPr lang="es-ES" dirty="0"/>
+              <a:t> de la aplicación, y acceder al formulario para registrarse como </a:t>
+            </a:r>
+            <a:r>
+              <a:rPr lang="es-ES" dirty="0" err="1"/>
+              <a:t>catsitter</a:t>
+            </a:r>
+            <a:r>
+              <a:rPr lang="es-ES" dirty="0"/>
+              <a:t>.</a:t>
+            </a:r>
+          </a:p>
+          <a:p>
+            <a:r>
+              <a:rPr lang="es-ES" b="1" dirty="0"/>
+              <a:t>Mi perfil:</a:t>
+            </a:r>
+          </a:p>
+          <a:p>
+            <a:r>
+              <a:rPr lang="es-ES" dirty="0"/>
+              <a:t>El usuario puede visualizar su perfil. También cuenta con la opción de cambiar su contraseña o su foto de perfil.</a:t>
+            </a:r>
+          </a:p>
+          <a:p>
+            <a:r>
+              <a:rPr lang="es-ES" b="1" dirty="0"/>
+              <a:t>Chat:</a:t>
+            </a:r>
+          </a:p>
+          <a:p>
+            <a:r>
+              <a:rPr lang="es-ES" dirty="0"/>
+              <a:t>El usuario puede entrar a chatear con otros usuarios que también estén conectados a la aplicación.</a:t>
+            </a:r>
+          </a:p>
+          <a:p>
+            <a:r>
+              <a:rPr lang="es-ES" b="1" dirty="0">
+                <a:solidFill>
+                  <a:srgbClr val="FF0000"/>
+                </a:solidFill>
+              </a:rPr>
+              <a:t>Incidencias:</a:t>
+            </a:r>
+          </a:p>
+          <a:p>
+            <a:r>
+              <a:rPr lang="es-ES" dirty="0">
+                <a:solidFill>
+                  <a:srgbClr val="FF0000"/>
+                </a:solidFill>
+              </a:rPr>
+              <a:t>El administrador puede visualizar las incidencias de los usuarios para borrarlas o resolverlas.</a:t>
+            </a:r>
+          </a:p>
+          <a:p>
+            <a:r>
+              <a:rPr lang="es-ES" b="1" dirty="0" err="1"/>
+              <a:t>Logout</a:t>
+            </a:r>
+            <a:r>
+              <a:rPr lang="es-ES" b="1" dirty="0"/>
+              <a:t>:</a:t>
+            </a:r>
+          </a:p>
+          <a:p>
+            <a:r>
+              <a:rPr lang="es-ES" dirty="0"/>
+              <a:t>El usuario cierra sesión en la aplicación y es devuelto a la pantalla de </a:t>
+            </a:r>
+            <a:r>
+              <a:rPr lang="es-ES" dirty="0" err="1"/>
+              <a:t>Login</a:t>
+            </a:r>
+            <a:r>
+              <a:rPr lang="es-ES" dirty="0"/>
+              <a:t>.</a:t>
+            </a:r>
+          </a:p>
+          <a:p>
+            <a:endParaRPr lang="es-ES" b="1" dirty="0">
+              <a:solidFill>
+                <a:srgbClr val="FF0000"/>
+              </a:solidFill>
+            </a:endParaRPr>
+          </a:p>
+        </p:txBody>
+      </p:sp>
+    </p:spTree>
+    <p:extLst>
+      <p:ext uri="{BB962C8B-B14F-4D97-AF65-F5344CB8AC3E}">
+        <p14:creationId xmlns:p14="http://schemas.microsoft.com/office/powerpoint/2010/main" val="1642705686"/>
       </p:ext>
     </p:extLst>
   </p:cSld>

--- a/Docs/Documento de diseño Cat-Attack.pptx
+++ b/Docs/Documento de diseño Cat-Attack.pptx
@@ -19406,7 +19406,7 @@
             <a:avLst/>
           </a:prstGeom>
           <a:solidFill>
-            <a:srgbClr val="00B0F0"/>
+            <a:srgbClr val="0070C0"/>
           </a:solidFill>
           <a:ln>
             <a:noFill/>
@@ -19534,7 +19534,7 @@
             <a:avLst/>
           </a:prstGeom>
           <a:solidFill>
-            <a:srgbClr val="00B050"/>
+            <a:srgbClr val="0070C0"/>
           </a:solidFill>
           <a:ln>
             <a:noFill/>
